--- a/졸업작품 제안서/제안서191226ver.3.pptx
+++ b/졸업작품 제안서/제안서191226ver.3.pptx
@@ -284,7 +284,7 @@
           <a:p>
             <a:fld id="{5E3ECC82-F80B-43B9-96E1-983EED50554D}" type="datetimeFigureOut">
               <a:rPr lang="ko-KR" altLang="en-US" smtClean="0"/>
-              <a:t>2019-12-26</a:t>
+              <a:t>2019-12-29</a:t>
             </a:fld>
             <a:endParaRPr lang="ko-KR" altLang="en-US"/>
           </a:p>
@@ -482,7 +482,7 @@
           <a:p>
             <a:fld id="{5E3ECC82-F80B-43B9-96E1-983EED50554D}" type="datetimeFigureOut">
               <a:rPr lang="ko-KR" altLang="en-US" smtClean="0"/>
-              <a:t>2019-12-26</a:t>
+              <a:t>2019-12-29</a:t>
             </a:fld>
             <a:endParaRPr lang="ko-KR" altLang="en-US"/>
           </a:p>
@@ -690,7 +690,7 @@
           <a:p>
             <a:fld id="{5E3ECC82-F80B-43B9-96E1-983EED50554D}" type="datetimeFigureOut">
               <a:rPr lang="ko-KR" altLang="en-US" smtClean="0"/>
-              <a:t>2019-12-26</a:t>
+              <a:t>2019-12-29</a:t>
             </a:fld>
             <a:endParaRPr lang="ko-KR" altLang="en-US"/>
           </a:p>
@@ -888,7 +888,7 @@
           <a:p>
             <a:fld id="{5E3ECC82-F80B-43B9-96E1-983EED50554D}" type="datetimeFigureOut">
               <a:rPr lang="ko-KR" altLang="en-US" smtClean="0"/>
-              <a:t>2019-12-26</a:t>
+              <a:t>2019-12-29</a:t>
             </a:fld>
             <a:endParaRPr lang="ko-KR" altLang="en-US"/>
           </a:p>
@@ -1163,7 +1163,7 @@
           <a:p>
             <a:fld id="{5E3ECC82-F80B-43B9-96E1-983EED50554D}" type="datetimeFigureOut">
               <a:rPr lang="ko-KR" altLang="en-US" smtClean="0"/>
-              <a:t>2019-12-26</a:t>
+              <a:t>2019-12-29</a:t>
             </a:fld>
             <a:endParaRPr lang="ko-KR" altLang="en-US"/>
           </a:p>
@@ -1428,7 +1428,7 @@
           <a:p>
             <a:fld id="{5E3ECC82-F80B-43B9-96E1-983EED50554D}" type="datetimeFigureOut">
               <a:rPr lang="ko-KR" altLang="en-US" smtClean="0"/>
-              <a:t>2019-12-26</a:t>
+              <a:t>2019-12-29</a:t>
             </a:fld>
             <a:endParaRPr lang="ko-KR" altLang="en-US"/>
           </a:p>
@@ -1840,7 +1840,7 @@
           <a:p>
             <a:fld id="{5E3ECC82-F80B-43B9-96E1-983EED50554D}" type="datetimeFigureOut">
               <a:rPr lang="ko-KR" altLang="en-US" smtClean="0"/>
-              <a:t>2019-12-26</a:t>
+              <a:t>2019-12-29</a:t>
             </a:fld>
             <a:endParaRPr lang="ko-KR" altLang="en-US"/>
           </a:p>
@@ -1981,7 +1981,7 @@
           <a:p>
             <a:fld id="{5E3ECC82-F80B-43B9-96E1-983EED50554D}" type="datetimeFigureOut">
               <a:rPr lang="ko-KR" altLang="en-US" smtClean="0"/>
-              <a:t>2019-12-26</a:t>
+              <a:t>2019-12-29</a:t>
             </a:fld>
             <a:endParaRPr lang="ko-KR" altLang="en-US"/>
           </a:p>
@@ -2094,7 +2094,7 @@
           <a:p>
             <a:fld id="{5E3ECC82-F80B-43B9-96E1-983EED50554D}" type="datetimeFigureOut">
               <a:rPr lang="ko-KR" altLang="en-US" smtClean="0"/>
-              <a:t>2019-12-26</a:t>
+              <a:t>2019-12-29</a:t>
             </a:fld>
             <a:endParaRPr lang="ko-KR" altLang="en-US"/>
           </a:p>
@@ -2405,7 +2405,7 @@
           <a:p>
             <a:fld id="{5E3ECC82-F80B-43B9-96E1-983EED50554D}" type="datetimeFigureOut">
               <a:rPr lang="ko-KR" altLang="en-US" smtClean="0"/>
-              <a:t>2019-12-26</a:t>
+              <a:t>2019-12-29</a:t>
             </a:fld>
             <a:endParaRPr lang="ko-KR" altLang="en-US"/>
           </a:p>
@@ -2693,7 +2693,7 @@
           <a:p>
             <a:fld id="{5E3ECC82-F80B-43B9-96E1-983EED50554D}" type="datetimeFigureOut">
               <a:rPr lang="ko-KR" altLang="en-US" smtClean="0"/>
-              <a:t>2019-12-26</a:t>
+              <a:t>2019-12-29</a:t>
             </a:fld>
             <a:endParaRPr lang="ko-KR" altLang="en-US"/>
           </a:p>
@@ -2934,7 +2934,7 @@
           <a:p>
             <a:fld id="{5E3ECC82-F80B-43B9-96E1-983EED50554D}" type="datetimeFigureOut">
               <a:rPr lang="ko-KR" altLang="en-US" smtClean="0"/>
-              <a:t>2019-12-26</a:t>
+              <a:t>2019-12-29</a:t>
             </a:fld>
             <a:endParaRPr lang="ko-KR" altLang="en-US"/>
           </a:p>
@@ -3776,7 +3776,7 @@
           <a:lstStyle/>
           <a:p>
             <a:r>
-              <a:rPr lang="ko-KR" altLang="en-US" smtClean="0"/>
+              <a:rPr lang="ko-KR" altLang="en-US"/>
               <a:t>배경</a:t>
             </a:r>
             <a:endParaRPr lang="ko-KR" altLang="en-US" dirty="0"/>
@@ -3807,107 +3807,107 @@
           <a:lstStyle/>
           <a:p>
             <a:r>
-              <a:rPr lang="en-US" altLang="ko-KR" sz="2400" dirty="0" err="1" smtClean="0"/>
+              <a:rPr lang="en-US" altLang="ko-KR" sz="2400" dirty="0" err="1"/>
               <a:t>shared_ptr</a:t>
             </a:r>
             <a:r>
-              <a:rPr lang="en-US" altLang="ko-KR" sz="2400" dirty="0" smtClean="0"/>
+              <a:rPr lang="en-US" altLang="ko-KR" sz="2400" dirty="0"/>
               <a:t> </a:t>
             </a:r>
             <a:r>
-              <a:rPr lang="ko-KR" altLang="en-US" sz="2400" dirty="0" smtClean="0"/>
+              <a:rPr lang="ko-KR" altLang="en-US" sz="2400" dirty="0"/>
               <a:t>와 </a:t>
             </a:r>
             <a:r>
-              <a:rPr lang="en-US" altLang="ko-KR" sz="2400" dirty="0" err="1" smtClean="0"/>
+              <a:rPr lang="en-US" altLang="ko-KR" sz="2400" dirty="0" err="1"/>
               <a:t>weak_ptr</a:t>
             </a:r>
-            <a:endParaRPr lang="en-US" altLang="ko-KR" sz="2400" dirty="0" smtClean="0"/>
+            <a:endParaRPr lang="en-US" altLang="ko-KR" sz="2400" dirty="0"/>
           </a:p>
           <a:p>
             <a:pPr lvl="1"/>
             <a:r>
-              <a:rPr lang="en-US" altLang="ko-KR" sz="2000" dirty="0" err="1" smtClean="0"/>
+              <a:rPr lang="en-US" altLang="ko-KR" sz="2000" dirty="0" err="1"/>
               <a:t>shared_ptr</a:t>
             </a:r>
             <a:r>
-              <a:rPr lang="ko-KR" altLang="en-US" sz="2000" dirty="0" smtClean="0"/>
+              <a:rPr lang="ko-KR" altLang="en-US" sz="2000" dirty="0"/>
               <a:t>를 </a:t>
             </a:r>
             <a:r>
-              <a:rPr lang="en-US" altLang="ko-KR" sz="2000" dirty="0" smtClean="0"/>
+              <a:rPr lang="en-US" altLang="ko-KR" sz="2000" dirty="0"/>
               <a:t>Lock Free</a:t>
             </a:r>
             <a:r>
-              <a:rPr lang="ko-KR" altLang="en-US" sz="2000" dirty="0" smtClean="0"/>
+              <a:rPr lang="ko-KR" altLang="en-US" sz="2000" dirty="0"/>
               <a:t>로 구현하기 위해서는 </a:t>
             </a:r>
             <a:r>
-              <a:rPr lang="en-US" altLang="ko-KR" sz="2000" dirty="0" err="1" smtClean="0"/>
+              <a:rPr lang="en-US" altLang="ko-KR" sz="2000" dirty="0" err="1"/>
               <a:t>weak_ptr</a:t>
             </a:r>
             <a:r>
-              <a:rPr lang="ko-KR" altLang="en-US" sz="2000" dirty="0" smtClean="0"/>
+              <a:rPr lang="ko-KR" altLang="en-US" sz="2000" dirty="0"/>
               <a:t>까지 같이 </a:t>
             </a:r>
             <a:r>
-              <a:rPr lang="en-US" altLang="ko-KR" sz="2000" dirty="0" smtClean="0"/>
+              <a:rPr lang="en-US" altLang="ko-KR" sz="2000" dirty="0"/>
               <a:t>lock free</a:t>
             </a:r>
             <a:r>
-              <a:rPr lang="ko-KR" altLang="en-US" sz="2000" dirty="0" smtClean="0"/>
+              <a:rPr lang="ko-KR" altLang="en-US" sz="2000" dirty="0"/>
               <a:t>로 구현해야 한다</a:t>
             </a:r>
             <a:r>
-              <a:rPr lang="en-US" altLang="ko-KR" sz="2000" dirty="0" smtClean="0"/>
+              <a:rPr lang="en-US" altLang="ko-KR" sz="2000" dirty="0"/>
               <a:t>.</a:t>
             </a:r>
           </a:p>
           <a:p>
             <a:r>
-              <a:rPr lang="en-US" altLang="ko-KR" sz="2400" dirty="0" err="1" smtClean="0"/>
+              <a:rPr lang="en-US" altLang="ko-KR" sz="2400" dirty="0" err="1"/>
               <a:t>weak_ptr</a:t>
             </a:r>
             <a:r>
-              <a:rPr lang="en-US" altLang="ko-KR" sz="2400" dirty="0" smtClean="0"/>
+              <a:rPr lang="en-US" altLang="ko-KR" sz="2400" dirty="0"/>
               <a:t> : cyclic reference</a:t>
             </a:r>
             <a:r>
-              <a:rPr lang="ko-KR" altLang="en-US" sz="2400" dirty="0" smtClean="0"/>
+              <a:rPr lang="ko-KR" altLang="en-US" sz="2400" dirty="0"/>
               <a:t>를 해결하기 위해 필요한 </a:t>
             </a:r>
             <a:r>
-              <a:rPr lang="en-US" altLang="ko-KR" sz="2400" dirty="0" smtClean="0"/>
+              <a:rPr lang="en-US" altLang="ko-KR" sz="2400" dirty="0"/>
               <a:t>smart pointer</a:t>
             </a:r>
           </a:p>
           <a:p>
             <a:pPr lvl="1"/>
             <a:r>
-              <a:rPr lang="en-US" altLang="ko-KR" sz="2000" dirty="0" err="1" smtClean="0"/>
+              <a:rPr lang="en-US" altLang="ko-KR" sz="2000" dirty="0" err="1"/>
               <a:t>weak_ptr</a:t>
             </a:r>
             <a:r>
-              <a:rPr lang="ko-KR" altLang="en-US" sz="2000" dirty="0" smtClean="0"/>
+              <a:rPr lang="ko-KR" altLang="en-US" sz="2000" dirty="0"/>
               <a:t>를 위한 추가 </a:t>
             </a:r>
             <a:r>
-              <a:rPr lang="en-US" altLang="ko-KR" sz="2000" dirty="0" smtClean="0"/>
+              <a:rPr lang="en-US" altLang="ko-KR" sz="2000" dirty="0"/>
               <a:t>Control Block</a:t>
             </a:r>
             <a:r>
-              <a:rPr lang="ko-KR" altLang="en-US" sz="2000" dirty="0" smtClean="0"/>
+              <a:rPr lang="ko-KR" altLang="en-US" sz="2000" dirty="0"/>
               <a:t>이 필요하며</a:t>
             </a:r>
             <a:r>
-              <a:rPr lang="en-US" altLang="ko-KR" sz="2000" dirty="0" smtClean="0"/>
+              <a:rPr lang="en-US" altLang="ko-KR" sz="2000" dirty="0"/>
               <a:t>, </a:t>
             </a:r>
             <a:r>
-              <a:rPr lang="ko-KR" altLang="en-US" sz="2000" dirty="0" smtClean="0"/>
+              <a:rPr lang="ko-KR" altLang="en-US" sz="2000" dirty="0"/>
               <a:t>자료구조의 복잡성을 증가시킴</a:t>
             </a:r>
-            <a:endParaRPr lang="en-US" altLang="ko-KR" sz="2000" dirty="0" smtClean="0"/>
+            <a:endParaRPr lang="en-US" altLang="ko-KR" sz="2000" dirty="0"/>
           </a:p>
           <a:p>
             <a:pPr lvl="1"/>
@@ -5023,11 +5023,7 @@
             </a:r>
             <a:r>
               <a:rPr lang="ko-KR" altLang="en-US" dirty="0"/>
-              <a:t>를 통한 메모리 </a:t>
-            </a:r>
-            <a:r>
-              <a:rPr lang="ko-KR" altLang="en-US" dirty="0" smtClean="0"/>
-              <a:t>릭 발생</a:t>
+              <a:t>를 통한 메모리 릭 발생</a:t>
             </a:r>
             <a:endParaRPr lang="en-US" altLang="ko-KR" dirty="0"/>
           </a:p>
@@ -5235,11 +5231,7 @@
             </a:r>
             <a:r>
               <a:rPr lang="en-US" altLang="ko-KR" sz="2000" dirty="0"/>
-              <a:t>‘Hazard pointer’ </a:t>
-            </a:r>
-            <a:r>
-              <a:rPr lang="en-US" altLang="ko-KR" sz="2000" dirty="0" smtClean="0"/>
-              <a:t>”</a:t>
+              <a:t>‘Hazard pointer’ ”</a:t>
             </a:r>
           </a:p>
           <a:p>
@@ -5248,25 +5240,21 @@
             </a:pPr>
             <a:r>
               <a:rPr lang="en-US" altLang="ko-KR" sz="2000" dirty="0"/>
-              <a:t> </a:t>
-            </a:r>
-            <a:r>
-              <a:rPr lang="en-US" altLang="ko-KR" sz="2000" dirty="0" smtClean="0"/>
-              <a:t> - </a:t>
-            </a:r>
-            <a:r>
-              <a:rPr lang="ko-KR" altLang="en-US" sz="2000" dirty="0" smtClean="0"/>
+              <a:t>  - </a:t>
+            </a:r>
+            <a:r>
+              <a:rPr lang="ko-KR" altLang="en-US" sz="2000" dirty="0"/>
               <a:t>장점 </a:t>
             </a:r>
             <a:r>
-              <a:rPr lang="en-US" altLang="ko-KR" sz="2000" dirty="0" smtClean="0"/>
+              <a:rPr lang="en-US" altLang="ko-KR" sz="2000" dirty="0"/>
               <a:t>: </a:t>
             </a:r>
             <a:r>
-              <a:rPr lang="ko-KR" altLang="en-US" sz="2000" dirty="0" smtClean="0"/>
+              <a:rPr lang="ko-KR" altLang="en-US" sz="2000" dirty="0"/>
               <a:t>포인터 관리를 매번 하지 않아도 되므로 성능향상</a:t>
             </a:r>
-            <a:endParaRPr lang="en-US" altLang="ko-KR" sz="2000" dirty="0" smtClean="0"/>
+            <a:endParaRPr lang="en-US" altLang="ko-KR" sz="2000" dirty="0"/>
           </a:p>
           <a:p>
             <a:pPr marL="0" indent="0">
@@ -5274,29 +5262,24 @@
             </a:pPr>
             <a:r>
               <a:rPr lang="en-US" altLang="ko-KR" sz="2000" dirty="0"/>
-              <a:t> </a:t>
-            </a:r>
-            <a:r>
-              <a:rPr lang="en-US" altLang="ko-KR" sz="2000" dirty="0" smtClean="0"/>
-              <a:t> - </a:t>
-            </a:r>
-            <a:r>
-              <a:rPr lang="ko-KR" altLang="en-US" sz="2000" dirty="0" smtClean="0"/>
+              <a:t>  - </a:t>
+            </a:r>
+            <a:r>
+              <a:rPr lang="ko-KR" altLang="en-US" sz="2000" dirty="0"/>
               <a:t>단점 </a:t>
             </a:r>
             <a:r>
-              <a:rPr lang="en-US" altLang="ko-KR" sz="2000" dirty="0" smtClean="0"/>
+              <a:rPr lang="en-US" altLang="ko-KR" sz="2000" dirty="0"/>
               <a:t>: </a:t>
             </a:r>
             <a:r>
-              <a:rPr lang="ko-KR" altLang="en-US" sz="2000" dirty="0" smtClean="0"/>
+              <a:rPr lang="ko-KR" altLang="en-US" sz="2000" dirty="0"/>
               <a:t>기존 알고리즘을 변형해서 적용해야 함</a:t>
             </a:r>
             <a:r>
-              <a:rPr lang="en-US" altLang="ko-KR" sz="2000" dirty="0" smtClean="0"/>
+              <a:rPr lang="en-US" altLang="ko-KR" sz="2000" dirty="0"/>
               <a:t>.</a:t>
             </a:r>
-            <a:endParaRPr lang="en-US" altLang="ko-KR" sz="2000" dirty="0"/>
           </a:p>
           <a:p>
             <a:endParaRPr lang="en-US" altLang="ko-KR" b="1" dirty="0"/>
@@ -5383,7 +5366,7 @@
               <a:t>구현</a:t>
             </a:r>
             <a:r>
-              <a:rPr lang="en-US" altLang="ko-KR" sz="2000" dirty="0" smtClean="0"/>
+              <a:rPr lang="en-US" altLang="ko-KR" sz="2000" dirty="0"/>
               <a:t>”</a:t>
             </a:r>
           </a:p>
@@ -5393,18 +5376,14 @@
             </a:pPr>
             <a:r>
               <a:rPr lang="en-US" altLang="ko-KR" sz="2000" dirty="0"/>
-              <a:t> </a:t>
-            </a:r>
-            <a:r>
-              <a:rPr lang="en-US" altLang="ko-KR" sz="2000" dirty="0" smtClean="0"/>
-              <a:t> - </a:t>
-            </a:r>
-            <a:r>
-              <a:rPr lang="ko-KR" altLang="en-US" sz="2000" dirty="0" smtClean="0"/>
+              <a:t>  - </a:t>
+            </a:r>
+            <a:r>
+              <a:rPr lang="ko-KR" altLang="en-US" sz="2000" dirty="0"/>
               <a:t>장점 </a:t>
             </a:r>
             <a:r>
-              <a:rPr lang="en-US" altLang="ko-KR" sz="2000" dirty="0" smtClean="0"/>
+              <a:rPr lang="en-US" altLang="ko-KR" sz="2000" dirty="0"/>
               <a:t>: </a:t>
             </a:r>
             <a:r>
@@ -5418,34 +5397,33 @@
               <a:buNone/>
             </a:pPr>
             <a:r>
-              <a:rPr lang="en-US" altLang="ko-KR" sz="2000" dirty="0" smtClean="0"/>
+              <a:rPr lang="en-US" altLang="ko-KR" sz="2000" dirty="0"/>
               <a:t>  - </a:t>
             </a:r>
             <a:r>
-              <a:rPr lang="ko-KR" altLang="en-US" sz="2000" dirty="0" smtClean="0"/>
+              <a:rPr lang="ko-KR" altLang="en-US" sz="2000" dirty="0"/>
               <a:t>단점 </a:t>
             </a:r>
             <a:r>
-              <a:rPr lang="en-US" altLang="ko-KR" sz="2000" dirty="0" smtClean="0"/>
+              <a:rPr lang="en-US" altLang="ko-KR" sz="2000" dirty="0"/>
               <a:t>: </a:t>
             </a:r>
             <a:r>
-              <a:rPr lang="ko-KR" altLang="en-US" sz="2000" dirty="0" smtClean="0"/>
+              <a:rPr lang="ko-KR" altLang="en-US" sz="2000" dirty="0"/>
               <a:t>컴파일러 레벨에서 지원이 필요</a:t>
             </a:r>
             <a:r>
-              <a:rPr lang="en-US" altLang="ko-KR" sz="2000" dirty="0" smtClean="0"/>
+              <a:rPr lang="en-US" altLang="ko-KR" sz="2000" dirty="0"/>
               <a:t>(</a:t>
             </a:r>
             <a:r>
-              <a:rPr lang="ko-KR" altLang="en-US" sz="2000" dirty="0" smtClean="0"/>
+              <a:rPr lang="ko-KR" altLang="en-US" sz="2000" dirty="0"/>
               <a:t>지역변수 스캔</a:t>
             </a:r>
             <a:r>
-              <a:rPr lang="en-US" altLang="ko-KR" sz="2000" dirty="0" smtClean="0"/>
+              <a:rPr lang="en-US" altLang="ko-KR" sz="2000" dirty="0"/>
               <a:t>). </a:t>
             </a:r>
-            <a:endParaRPr lang="en-US" altLang="ko-KR" sz="2000" dirty="0"/>
           </a:p>
         </p:txBody>
       </p:sp>
@@ -7065,7 +7043,7 @@
             <a:p>
               <a:pPr algn="ctr"/>
               <a:r>
-                <a:rPr lang="en-US" altLang="ko-KR" sz="1400" dirty="0" smtClean="0">
+                <a:rPr lang="en-US" altLang="ko-KR" sz="1400" dirty="0">
                   <a:solidFill>
                     <a:schemeClr val="tx1"/>
                   </a:solidFill>
@@ -7074,7 +7052,7 @@
                 <a:t>Blocking thread safe </a:t>
               </a:r>
               <a:r>
-                <a:rPr lang="en-US" altLang="ko-KR" sz="1400" dirty="0" err="1" smtClean="0">
+                <a:rPr lang="en-US" altLang="ko-KR" sz="1400" dirty="0" err="1">
                   <a:solidFill>
                     <a:schemeClr val="tx1"/>
                   </a:solidFill>
@@ -7083,7 +7061,7 @@
                 <a:t>shared_ptr</a:t>
               </a:r>
               <a:r>
-                <a:rPr lang="en-US" altLang="ko-KR" sz="1400" dirty="0" smtClean="0">
+                <a:rPr lang="en-US" altLang="ko-KR" sz="1400" dirty="0">
                   <a:solidFill>
                     <a:schemeClr val="tx1"/>
                   </a:solidFill>
@@ -8666,13 +8644,9 @@
             <a:pPr lvl="1"/>
             <a:r>
               <a:rPr lang="ko-KR" altLang="en-US" dirty="0"/>
-              <a:t>성능을 고려한 프로그래밍 </a:t>
-            </a:r>
-            <a:r>
-              <a:rPr lang="ko-KR" altLang="en-US" dirty="0" smtClean="0"/>
-              <a:t>작성방법</a:t>
-            </a:r>
-            <a:endParaRPr lang="en-US" altLang="ko-KR" dirty="0" smtClean="0"/>
+              <a:t>성능을 고려한 프로그래밍 작성방법</a:t>
+            </a:r>
+            <a:endParaRPr lang="en-US" altLang="ko-KR" dirty="0"/>
           </a:p>
           <a:p>
             <a:pPr lvl="1"/>
@@ -8680,36 +8654,32 @@
           </a:p>
           <a:p>
             <a:r>
-              <a:rPr lang="en-US" altLang="ko-KR" dirty="0" smtClean="0"/>
+              <a:rPr lang="en-US" altLang="ko-KR" dirty="0"/>
               <a:t>C++11 </a:t>
             </a:r>
             <a:r>
-              <a:rPr lang="ko-KR" altLang="en-US" dirty="0" smtClean="0"/>
+              <a:rPr lang="ko-KR" altLang="en-US" dirty="0"/>
               <a:t>구현</a:t>
             </a:r>
-            <a:endParaRPr lang="en-US" altLang="ko-KR" dirty="0" smtClean="0"/>
+            <a:endParaRPr lang="en-US" altLang="ko-KR" dirty="0"/>
           </a:p>
           <a:p>
             <a:pPr lvl="1"/>
             <a:r>
-              <a:rPr lang="en-US" altLang="ko-KR" dirty="0" err="1" smtClean="0"/>
+              <a:rPr lang="en-US" altLang="ko-KR" dirty="0" err="1"/>
               <a:t>shared_ptr</a:t>
             </a:r>
             <a:r>
-              <a:rPr lang="en-US" altLang="ko-KR" dirty="0" smtClean="0"/>
+              <a:rPr lang="en-US" altLang="ko-KR" dirty="0"/>
               <a:t>, </a:t>
             </a:r>
             <a:r>
-              <a:rPr lang="en-US" altLang="ko-KR" dirty="0" err="1" smtClean="0"/>
+              <a:rPr lang="en-US" altLang="ko-KR" dirty="0" err="1"/>
               <a:t>weak_ptr</a:t>
             </a:r>
             <a:r>
-              <a:rPr lang="ko-KR" altLang="en-US" dirty="0" smtClean="0"/>
-              <a:t>의 세부적 구현 연</a:t>
-            </a:r>
-            <a:r>
-              <a:rPr lang="ko-KR" altLang="en-US" dirty="0" smtClean="0"/>
-              <a:t>구</a:t>
+              <a:rPr lang="ko-KR" altLang="en-US" dirty="0"/>
+              <a:t>의 세부적 구현 연구</a:t>
             </a:r>
             <a:endParaRPr lang="en-US" altLang="ko-KR" dirty="0"/>
           </a:p>
@@ -8729,16 +8699,12 @@
           <a:p>
             <a:pPr lvl="1"/>
             <a:r>
-              <a:rPr lang="en-US" altLang="ko-KR" dirty="0" smtClean="0"/>
+              <a:rPr lang="en-US" altLang="ko-KR" dirty="0"/>
               <a:t>Non Blocking</a:t>
             </a:r>
             <a:r>
-              <a:rPr lang="ko-KR" altLang="en-US" dirty="0" smtClean="0"/>
-              <a:t> </a:t>
-            </a:r>
-            <a:r>
               <a:rPr lang="ko-KR" altLang="en-US" dirty="0"/>
-              <a:t>알고리즘 이해</a:t>
+              <a:t> 알고리즘 이해</a:t>
             </a:r>
           </a:p>
         </p:txBody>
@@ -9458,24 +9424,16 @@
           </a:p>
           <a:p>
             <a:r>
-              <a:rPr lang="ko-KR" altLang="en-US" dirty="0" smtClean="0"/>
+              <a:rPr lang="ko-KR" altLang="en-US" dirty="0"/>
               <a:t>효율적인 </a:t>
             </a:r>
             <a:r>
-              <a:rPr lang="en-US" altLang="ko-KR" dirty="0" smtClean="0"/>
+              <a:rPr lang="en-US" altLang="ko-KR" dirty="0"/>
               <a:t>Non-Blocking </a:t>
             </a:r>
             <a:r>
               <a:rPr lang="ko-KR" altLang="en-US" dirty="0"/>
-              <a:t>알고리즘 </a:t>
-            </a:r>
-            <a:r>
-              <a:rPr lang="ko-KR" altLang="en-US" dirty="0" smtClean="0"/>
-              <a:t>작성</a:t>
-            </a:r>
-            <a:r>
-              <a:rPr lang="ko-KR" altLang="en-US" dirty="0" smtClean="0"/>
-              <a:t> 방법 제안</a:t>
+              <a:t>알고리즘 작성 방법 제안</a:t>
             </a:r>
             <a:endParaRPr lang="en-US" altLang="ko-KR" dirty="0"/>
           </a:p>
@@ -9818,8 +9776,8 @@
         </p:nvSpPr>
         <p:spPr>
           <a:xfrm>
-            <a:off x="838200" y="1825625"/>
-            <a:ext cx="10515600" cy="4351338"/>
+            <a:off x="838199" y="1825625"/>
+            <a:ext cx="10688273" cy="4351338"/>
           </a:xfrm>
         </p:spPr>
         <p:txBody>
@@ -9836,27 +9794,11 @@
             <a:pPr lvl="1"/>
             <a:r>
               <a:rPr lang="en-US" altLang="ko-KR" dirty="0"/>
-              <a:t>C++</a:t>
-            </a:r>
-            <a:r>
-              <a:rPr lang="en-US" altLang="ko-KR" dirty="0" smtClean="0"/>
-              <a:t>11</a:t>
-            </a:r>
-            <a:r>
-              <a:rPr lang="ko-KR" altLang="en-US" dirty="0" smtClean="0"/>
-              <a:t>의 표준라이브러리에 </a:t>
-            </a:r>
-            <a:r>
-              <a:rPr lang="ko-KR" altLang="en-US" dirty="0" smtClean="0"/>
-              <a:t>있는 </a:t>
-            </a:r>
-            <a:r>
-              <a:rPr lang="ko-KR" altLang="en-US" dirty="0" smtClean="0"/>
-              <a:t>스마트 </a:t>
+              <a:t>C++11</a:t>
             </a:r>
             <a:r>
               <a:rPr lang="ko-KR" altLang="en-US" dirty="0"/>
-              <a:t>포인터 </a:t>
+              <a:t>의 표준라이브러리에 있는 스마트 포인터 </a:t>
             </a:r>
             <a:r>
               <a:rPr lang="en-US" altLang="ko-KR" dirty="0"/>
@@ -9882,24 +9824,20 @@
           <a:p>
             <a:pPr lvl="1"/>
             <a:r>
-              <a:rPr lang="en-US" altLang="ko-KR" dirty="0" smtClean="0"/>
+              <a:rPr lang="en-US" altLang="ko-KR" dirty="0"/>
               <a:t>reference counter</a:t>
             </a:r>
             <a:r>
-              <a:rPr lang="ko-KR" altLang="en-US" dirty="0" smtClean="0"/>
-              <a:t>를 추가하여</a:t>
-            </a:r>
-            <a:r>
-              <a:rPr lang="en-US" altLang="ko-KR" dirty="0" smtClean="0"/>
-              <a:t> </a:t>
-            </a:r>
-            <a:r>
-              <a:rPr lang="ko-KR" altLang="en-US" dirty="0" smtClean="0"/>
-              <a:t>앞으로 </a:t>
-            </a:r>
-            <a:r>
               <a:rPr lang="ko-KR" altLang="en-US" dirty="0"/>
-              <a:t>쓰이지 않을 객체를 판별해 자동 삭제</a:t>
+              <a:t> 추가</a:t>
+            </a:r>
+            <a:r>
+              <a:rPr lang="en-US" altLang="ko-KR" dirty="0"/>
+              <a:t>, </a:t>
+            </a:r>
+            <a:r>
+              <a:rPr lang="ko-KR" altLang="en-US" dirty="0"/>
+              <a:t>앞으로 쓰이지 않을 객체를 판별해 자동삭제</a:t>
             </a:r>
             <a:endParaRPr lang="en-US" altLang="ko-KR" dirty="0"/>
           </a:p>
@@ -9993,10 +9931,10 @@
         </p:nvGrpSpPr>
         <p:grpSpPr>
           <a:xfrm>
-            <a:off x="365206" y="4372338"/>
-            <a:ext cx="2586114" cy="1032654"/>
-            <a:chOff x="560797" y="4334931"/>
-            <a:chExt cx="2586114" cy="1032654"/>
+            <a:off x="343948" y="4269722"/>
+            <a:ext cx="2607372" cy="1135270"/>
+            <a:chOff x="539539" y="4232315"/>
+            <a:chExt cx="2607372" cy="1135270"/>
           </a:xfrm>
         </p:grpSpPr>
         <p:grpSp>
@@ -10194,7 +10132,7 @@
           </p:nvSpPr>
           <p:spPr>
             <a:xfrm>
-              <a:off x="560797" y="4664068"/>
+              <a:off x="539539" y="4232315"/>
               <a:ext cx="548548" cy="369332"/>
             </a:xfrm>
             <a:prstGeom prst="rect">
@@ -10209,7 +10147,7 @@
             <a:lstStyle/>
             <a:p>
               <a:r>
-                <a:rPr lang="en-US" altLang="ko-KR" dirty="0" smtClean="0">
+                <a:rPr lang="en-US" altLang="ko-KR" dirty="0">
                   <a:latin typeface="+mj-lt"/>
                 </a:rPr>
                 <a:t>sp1</a:t>
@@ -10484,10 +10422,10 @@
         </p:nvGrpSpPr>
         <p:grpSpPr>
           <a:xfrm>
-            <a:off x="5831167" y="4010187"/>
-            <a:ext cx="2586114" cy="1032654"/>
-            <a:chOff x="6134365" y="4147741"/>
-            <a:chExt cx="2586114" cy="1032654"/>
+            <a:off x="5724846" y="3949812"/>
+            <a:ext cx="2692435" cy="1093029"/>
+            <a:chOff x="6028044" y="4087366"/>
+            <a:chExt cx="2692435" cy="1093029"/>
           </a:xfrm>
         </p:grpSpPr>
         <p:grpSp>
@@ -10685,7 +10623,7 @@
           </p:nvSpPr>
           <p:spPr>
             <a:xfrm>
-              <a:off x="6134365" y="4476878"/>
+              <a:off x="6028044" y="4087366"/>
               <a:ext cx="548548" cy="369332"/>
             </a:xfrm>
             <a:prstGeom prst="rect">
@@ -10700,7 +10638,7 @@
             <a:lstStyle/>
             <a:p>
               <a:r>
-                <a:rPr lang="en-US" altLang="ko-KR" dirty="0" smtClean="0">
+                <a:rPr lang="en-US" altLang="ko-KR" dirty="0">
                   <a:latin typeface="+mj-lt"/>
                 </a:rPr>
                 <a:t>sp1</a:t>
@@ -10904,10 +10842,10 @@
         </p:nvGrpSpPr>
         <p:grpSpPr>
           <a:xfrm>
-            <a:off x="5831167" y="5144309"/>
-            <a:ext cx="2586114" cy="1032654"/>
-            <a:chOff x="6134365" y="4147741"/>
-            <a:chExt cx="2586114" cy="1032654"/>
+            <a:off x="5712586" y="5042841"/>
+            <a:ext cx="2704695" cy="1134122"/>
+            <a:chOff x="6015784" y="4046273"/>
+            <a:chExt cx="2704695" cy="1134122"/>
           </a:xfrm>
         </p:grpSpPr>
         <p:grpSp>
@@ -11105,7 +11043,7 @@
           </p:nvSpPr>
           <p:spPr>
             <a:xfrm>
-              <a:off x="6134365" y="4476878"/>
+              <a:off x="6015784" y="4046273"/>
               <a:ext cx="548548" cy="369332"/>
             </a:xfrm>
             <a:prstGeom prst="rect">
@@ -11120,7 +11058,7 @@
             <a:lstStyle/>
             <a:p>
               <a:r>
-                <a:rPr lang="en-US" altLang="ko-KR" dirty="0" smtClean="0">
+                <a:rPr lang="en-US" altLang="ko-KR" dirty="0">
                   <a:latin typeface="+mj-lt"/>
                 </a:rPr>
                 <a:t>sp2</a:t>
@@ -11489,21 +11427,209 @@
       </p:grpSpPr>
       <p:sp>
         <p:nvSpPr>
-          <p:cNvPr id="111" name="직사각형 110"/>
+          <p:cNvPr id="8" name="TextBox 7"/>
+          <p:cNvSpPr txBox="1"/>
+          <p:nvPr/>
+        </p:nvSpPr>
+        <p:spPr>
+          <a:xfrm>
+            <a:off x="597427" y="3618581"/>
+            <a:ext cx="5390288" cy="2862322"/>
+          </a:xfrm>
+          <a:prstGeom prst="rect">
+            <a:avLst/>
+          </a:prstGeom>
+          <a:noFill/>
+          <a:ln>
+            <a:solidFill>
+              <a:schemeClr val="tx1"/>
+            </a:solidFill>
+          </a:ln>
+        </p:spPr>
+        <p:txBody>
+          <a:bodyPr wrap="square" rtlCol="0">
+            <a:spAutoFit/>
+          </a:bodyPr>
+          <a:lstStyle/>
+          <a:p>
+            <a:r>
+              <a:rPr lang="en-US" altLang="ko-KR" dirty="0" err="1">
+                <a:latin typeface="Courier New" panose="02070309020205020404" pitchFamily="49" charset="0"/>
+                <a:cs typeface="Courier New" panose="02070309020205020404" pitchFamily="49" charset="0"/>
+              </a:rPr>
+              <a:t>shared_ptr</a:t>
+            </a:r>
+            <a:r>
+              <a:rPr lang="en-US" altLang="ko-KR" dirty="0">
+                <a:latin typeface="Courier New" panose="02070309020205020404" pitchFamily="49" charset="0"/>
+                <a:cs typeface="Courier New" panose="02070309020205020404" pitchFamily="49" charset="0"/>
+              </a:rPr>
+              <a:t>&lt;</a:t>
+            </a:r>
+            <a:r>
+              <a:rPr lang="en-US" altLang="ko-KR" dirty="0" err="1">
+                <a:latin typeface="Courier New" panose="02070309020205020404" pitchFamily="49" charset="0"/>
+                <a:cs typeface="Courier New" panose="02070309020205020404" pitchFamily="49" charset="0"/>
+              </a:rPr>
+              <a:t>int</a:t>
+            </a:r>
+            <a:r>
+              <a:rPr lang="en-US" altLang="ko-KR" dirty="0">
+                <a:latin typeface="Courier New" panose="02070309020205020404" pitchFamily="49" charset="0"/>
+                <a:cs typeface="Courier New" panose="02070309020205020404" pitchFamily="49" charset="0"/>
+              </a:rPr>
+              <a:t>&gt; Counter;</a:t>
+            </a:r>
+          </a:p>
+          <a:p>
+            <a:endParaRPr lang="en-US" altLang="ko-KR" dirty="0">
+              <a:latin typeface="Courier New" panose="02070309020205020404" pitchFamily="49" charset="0"/>
+              <a:cs typeface="Courier New" panose="02070309020205020404" pitchFamily="49" charset="0"/>
+            </a:endParaRPr>
+          </a:p>
+          <a:p>
+            <a:r>
+              <a:rPr lang="en-US" altLang="ko-KR" dirty="0">
+                <a:latin typeface="Courier New" panose="02070309020205020404" pitchFamily="49" charset="0"/>
+                <a:cs typeface="Courier New" panose="02070309020205020404" pitchFamily="49" charset="0"/>
+              </a:rPr>
+              <a:t>thread1() {</a:t>
+            </a:r>
+          </a:p>
+          <a:p>
+            <a:r>
+              <a:rPr lang="en-US" altLang="ko-KR" dirty="0">
+                <a:latin typeface="Courier New" panose="02070309020205020404" pitchFamily="49" charset="0"/>
+                <a:cs typeface="Courier New" panose="02070309020205020404" pitchFamily="49" charset="0"/>
+              </a:rPr>
+              <a:t>  Counter = </a:t>
+            </a:r>
+            <a:r>
+              <a:rPr lang="en-US" altLang="ko-KR" dirty="0" err="1">
+                <a:latin typeface="Courier New" panose="02070309020205020404" pitchFamily="49" charset="0"/>
+                <a:cs typeface="Courier New" panose="02070309020205020404" pitchFamily="49" charset="0"/>
+              </a:rPr>
+              <a:t>make_shared</a:t>
+            </a:r>
+            <a:r>
+              <a:rPr lang="en-US" altLang="ko-KR" dirty="0">
+                <a:latin typeface="Courier New" panose="02070309020205020404" pitchFamily="49" charset="0"/>
+                <a:cs typeface="Courier New" panose="02070309020205020404" pitchFamily="49" charset="0"/>
+              </a:rPr>
+              <a:t>&lt;int&gt;(2);</a:t>
+            </a:r>
+          </a:p>
+          <a:p>
+            <a:r>
+              <a:rPr lang="en-US" altLang="ko-KR" dirty="0">
+                <a:latin typeface="Courier New" panose="02070309020205020404" pitchFamily="49" charset="0"/>
+                <a:cs typeface="Courier New" panose="02070309020205020404" pitchFamily="49" charset="0"/>
+              </a:rPr>
+              <a:t>  </a:t>
+            </a:r>
+            <a:r>
+              <a:rPr lang="en-US" altLang="ko-KR" dirty="0" err="1">
+                <a:latin typeface="Courier New" panose="02070309020205020404" pitchFamily="49" charset="0"/>
+                <a:cs typeface="Courier New" panose="02070309020205020404" pitchFamily="49" charset="0"/>
+              </a:rPr>
+              <a:t>cout</a:t>
+            </a:r>
+            <a:r>
+              <a:rPr lang="en-US" altLang="ko-KR" dirty="0">
+                <a:latin typeface="Courier New" panose="02070309020205020404" pitchFamily="49" charset="0"/>
+                <a:cs typeface="Courier New" panose="02070309020205020404" pitchFamily="49" charset="0"/>
+              </a:rPr>
+              <a:t> &lt;&lt; *Counter;</a:t>
+            </a:r>
+          </a:p>
+          <a:p>
+            <a:r>
+              <a:rPr lang="en-US" altLang="ko-KR" dirty="0">
+                <a:latin typeface="Courier New" panose="02070309020205020404" pitchFamily="49" charset="0"/>
+                <a:cs typeface="Courier New" panose="02070309020205020404" pitchFamily="49" charset="0"/>
+              </a:rPr>
+              <a:t>}</a:t>
+            </a:r>
+          </a:p>
+          <a:p>
+            <a:endParaRPr lang="en-US" altLang="ko-KR" dirty="0">
+              <a:latin typeface="Courier New" panose="02070309020205020404" pitchFamily="49" charset="0"/>
+              <a:cs typeface="Courier New" panose="02070309020205020404" pitchFamily="49" charset="0"/>
+            </a:endParaRPr>
+          </a:p>
+          <a:p>
+            <a:r>
+              <a:rPr lang="en-US" altLang="ko-KR" dirty="0">
+                <a:latin typeface="Courier New" panose="02070309020205020404" pitchFamily="49" charset="0"/>
+                <a:cs typeface="Courier New" panose="02070309020205020404" pitchFamily="49" charset="0"/>
+              </a:rPr>
+              <a:t>thread2() {</a:t>
+            </a:r>
+          </a:p>
+          <a:p>
+            <a:r>
+              <a:rPr lang="en-US" altLang="ko-KR" dirty="0">
+                <a:latin typeface="Courier New" panose="02070309020205020404" pitchFamily="49" charset="0"/>
+                <a:cs typeface="Courier New" panose="02070309020205020404" pitchFamily="49" charset="0"/>
+              </a:rPr>
+              <a:t> Counter = </a:t>
+            </a:r>
+            <a:r>
+              <a:rPr lang="en-US" altLang="ko-KR" dirty="0" err="1">
+                <a:latin typeface="Courier New" panose="02070309020205020404" pitchFamily="49" charset="0"/>
+                <a:cs typeface="Courier New" panose="02070309020205020404" pitchFamily="49" charset="0"/>
+              </a:rPr>
+              <a:t>make_shared</a:t>
+            </a:r>
+            <a:r>
+              <a:rPr lang="en-US" altLang="ko-KR" dirty="0">
+                <a:latin typeface="Courier New" panose="02070309020205020404" pitchFamily="49" charset="0"/>
+                <a:cs typeface="Courier New" panose="02070309020205020404" pitchFamily="49" charset="0"/>
+              </a:rPr>
+              <a:t>&lt;int&gt;(1);</a:t>
+            </a:r>
+          </a:p>
+          <a:p>
+            <a:r>
+              <a:rPr lang="en-US" altLang="ko-KR" dirty="0">
+                <a:latin typeface="Courier New" panose="02070309020205020404" pitchFamily="49" charset="0"/>
+                <a:cs typeface="Courier New" panose="02070309020205020404" pitchFamily="49" charset="0"/>
+              </a:rPr>
+              <a:t>}</a:t>
+            </a:r>
+          </a:p>
+        </p:txBody>
+      </p:sp>
+      <p:sp>
+        <p:nvSpPr>
+          <p:cNvPr id="32" name="이등변 삼각형 31">
+            <a:extLst>
+              <a:ext uri="{FF2B5EF4-FFF2-40B4-BE49-F238E27FC236}">
+                <a16:creationId xmlns:a16="http://schemas.microsoft.com/office/drawing/2014/main" id="{5C97B999-3ECA-4172-9DD5-E42C3B4EEDC9}"/>
+              </a:ext>
+            </a:extLst>
+          </p:cNvPr>
           <p:cNvSpPr/>
           <p:nvPr/>
         </p:nvSpPr>
         <p:spPr>
-          <a:xfrm>
-            <a:off x="858998" y="6114438"/>
-            <a:ext cx="4204057" cy="318695"/>
+          <a:xfrm rot="16200000">
+            <a:off x="9851839" y="367"/>
+            <a:ext cx="2331630" cy="2348692"/>
           </a:xfrm>
-          <a:prstGeom prst="rect">
-            <a:avLst/>
+          <a:prstGeom prst="triangle">
+            <a:avLst>
+              <a:gd name="adj" fmla="val 100000"/>
+            </a:avLst>
           </a:prstGeom>
           <a:solidFill>
-            <a:schemeClr val="bg2"/>
+            <a:srgbClr val="FF0000"/>
           </a:solidFill>
+          <a:ln>
+            <a:solidFill>
+              <a:srgbClr val="FF0000"/>
+            </a:solidFill>
+          </a:ln>
         </p:spPr>
         <p:style>
           <a:lnRef idx="2">
@@ -11532,63 +11658,20 @@
       </p:sp>
       <p:sp>
         <p:nvSpPr>
-          <p:cNvPr id="60" name="직사각형 59"/>
+          <p:cNvPr id="97" name="직사각형 96">
+            <a:extLst>
+              <a:ext uri="{FF2B5EF4-FFF2-40B4-BE49-F238E27FC236}">
+                <a16:creationId xmlns:a16="http://schemas.microsoft.com/office/drawing/2014/main" id="{7150095A-C31F-4405-BF04-67497295B99D}"/>
+              </a:ext>
+            </a:extLst>
+          </p:cNvPr>
           <p:cNvSpPr/>
           <p:nvPr/>
         </p:nvSpPr>
         <p:spPr>
           <a:xfrm>
-            <a:off x="858427" y="5579480"/>
-            <a:ext cx="4204057" cy="318695"/>
-          </a:xfrm>
-          <a:prstGeom prst="rect">
-            <a:avLst/>
-          </a:prstGeom>
-          <a:solidFill>
-            <a:schemeClr val="bg2"/>
-          </a:solidFill>
-        </p:spPr>
-        <p:style>
-          <a:lnRef idx="2">
-            <a:schemeClr val="accent1">
-              <a:shade val="50000"/>
-            </a:schemeClr>
-          </a:lnRef>
-          <a:fillRef idx="1">
-            <a:schemeClr val="accent1"/>
-          </a:fillRef>
-          <a:effectRef idx="0">
-            <a:schemeClr val="accent1"/>
-          </a:effectRef>
-          <a:fontRef idx="minor">
-            <a:schemeClr val="lt1"/>
-          </a:fontRef>
-        </p:style>
-        <p:txBody>
-          <a:bodyPr rtlCol="0" anchor="ctr"/>
-          <a:lstStyle/>
-          <a:p>
-            <a:pPr algn="ctr"/>
-            <a:endParaRPr lang="ko-KR" altLang="en-US"/>
-          </a:p>
-        </p:txBody>
-      </p:sp>
-      <p:sp>
-        <p:nvSpPr>
-          <p:cNvPr id="97" name="직사각형 96">
-            <a:extLst>
-              <a:ext uri="{FF2B5EF4-FFF2-40B4-BE49-F238E27FC236}">
-                <a16:creationId xmlns:a16="http://schemas.microsoft.com/office/drawing/2014/main" id="{7150095A-C31F-4405-BF04-67497295B99D}"/>
-              </a:ext>
-            </a:extLst>
-          </p:cNvPr>
-          <p:cNvSpPr/>
-          <p:nvPr/>
-        </p:nvSpPr>
-        <p:spPr>
-          <a:xfrm>
-            <a:off x="7441710" y="346437"/>
-            <a:ext cx="2631804" cy="2004552"/>
+            <a:off x="7855771" y="2449888"/>
+            <a:ext cx="2062698" cy="1267452"/>
           </a:xfrm>
           <a:prstGeom prst="rect">
             <a:avLst/>
@@ -11627,7 +11710,7 @@
           <a:p>
             <a:pPr algn="ctr"/>
             <a:r>
-              <a:rPr lang="en-US" altLang="ko-KR" dirty="0" smtClean="0">
+              <a:rPr lang="en-US" altLang="ko-KR" sz="1600" dirty="0">
                 <a:solidFill>
                   <a:schemeClr val="tx1"/>
                 </a:solidFill>
@@ -11635,7 +11718,7 @@
               </a:rPr>
               <a:t>Counter</a:t>
             </a:r>
-            <a:endParaRPr lang="ko-KR" altLang="en-US" dirty="0">
+            <a:endParaRPr lang="ko-KR" altLang="en-US" sz="1600" dirty="0">
               <a:solidFill>
                 <a:schemeClr val="tx1"/>
               </a:solidFill>
@@ -11704,42 +11787,37 @@
           <a:lstStyle/>
           <a:p>
             <a:r>
-              <a:rPr lang="en-US" altLang="ko-KR" dirty="0" smtClean="0"/>
+              <a:rPr lang="en-US" altLang="ko-KR" dirty="0"/>
               <a:t>C++11</a:t>
             </a:r>
             <a:r>
-              <a:rPr lang="ko-KR" altLang="en-US" dirty="0" smtClean="0"/>
+              <a:rPr lang="ko-KR" altLang="en-US" dirty="0"/>
               <a:t> </a:t>
             </a:r>
             <a:r>
-              <a:rPr lang="en-US" altLang="ko-KR" dirty="0" err="1" smtClean="0"/>
+              <a:rPr lang="en-US" altLang="ko-KR" dirty="0" err="1"/>
               <a:t>shared_ptr</a:t>
             </a:r>
             <a:r>
-              <a:rPr lang="ko-KR" altLang="en-US" dirty="0" smtClean="0"/>
-              <a:t>구현</a:t>
-            </a:r>
-            <a:r>
-              <a:rPr lang="ko-KR" altLang="en-US" dirty="0" smtClean="0"/>
-              <a:t>의 문제점</a:t>
-            </a:r>
-            <a:endParaRPr lang="en-US" altLang="ko-KR" dirty="0" smtClean="0"/>
+              <a:rPr lang="ko-KR" altLang="en-US" dirty="0"/>
+              <a:t>구현의 문제점</a:t>
+            </a:r>
+            <a:endParaRPr lang="en-US" altLang="ko-KR" dirty="0"/>
           </a:p>
           <a:p>
             <a:pPr lvl="1"/>
             <a:r>
-              <a:rPr lang="en-US" altLang="ko-KR" dirty="0" smtClean="0"/>
+              <a:rPr lang="en-US" altLang="ko-KR" dirty="0"/>
               <a:t>thread safe</a:t>
             </a:r>
             <a:r>
-              <a:rPr lang="ko-KR" altLang="en-US" dirty="0" smtClean="0"/>
+              <a:rPr lang="ko-KR" altLang="en-US" dirty="0"/>
               <a:t>하지 않다</a:t>
             </a:r>
             <a:r>
-              <a:rPr lang="en-US" altLang="ko-KR" dirty="0" smtClean="0"/>
+              <a:rPr lang="en-US" altLang="ko-KR" dirty="0"/>
               <a:t>.</a:t>
             </a:r>
-            <a:endParaRPr lang="en-US" altLang="ko-KR" dirty="0"/>
           </a:p>
           <a:p>
             <a:pPr lvl="2"/>
@@ -11929,7 +12007,7 @@
         </p:nvSpPr>
         <p:spPr>
           <a:xfrm>
-            <a:off x="11196212" y="6075153"/>
+            <a:off x="11176933" y="5926822"/>
             <a:ext cx="1015067" cy="931178"/>
           </a:xfrm>
           <a:prstGeom prst="triangle">
@@ -11973,243 +12051,6 @@
       </p:sp>
       <p:sp>
         <p:nvSpPr>
-          <p:cNvPr id="8" name="TextBox 7"/>
-          <p:cNvSpPr txBox="1"/>
-          <p:nvPr/>
-        </p:nvSpPr>
-        <p:spPr>
-          <a:xfrm>
-            <a:off x="597427" y="3618581"/>
-            <a:ext cx="4955475" cy="3139321"/>
-          </a:xfrm>
-          <a:prstGeom prst="rect">
-            <a:avLst/>
-          </a:prstGeom>
-          <a:noFill/>
-          <a:ln>
-            <a:solidFill>
-              <a:schemeClr val="tx1"/>
-            </a:solidFill>
-          </a:ln>
-        </p:spPr>
-        <p:txBody>
-          <a:bodyPr wrap="square" rtlCol="0">
-            <a:spAutoFit/>
-          </a:bodyPr>
-          <a:lstStyle/>
-          <a:p>
-            <a:r>
-              <a:rPr lang="en-US" altLang="ko-KR" dirty="0" err="1" smtClean="0">
-                <a:latin typeface="Courier New" panose="02070309020205020404" pitchFamily="49" charset="0"/>
-                <a:cs typeface="Courier New" panose="02070309020205020404" pitchFamily="49" charset="0"/>
-              </a:rPr>
-              <a:t>shared_ptr</a:t>
-            </a:r>
-            <a:r>
-              <a:rPr lang="en-US" altLang="ko-KR" dirty="0" smtClean="0">
-                <a:latin typeface="Courier New" panose="02070309020205020404" pitchFamily="49" charset="0"/>
-                <a:cs typeface="Courier New" panose="02070309020205020404" pitchFamily="49" charset="0"/>
-              </a:rPr>
-              <a:t>&lt;</a:t>
-            </a:r>
-            <a:r>
-              <a:rPr lang="en-US" altLang="ko-KR" dirty="0" err="1" smtClean="0">
-                <a:latin typeface="Courier New" panose="02070309020205020404" pitchFamily="49" charset="0"/>
-                <a:cs typeface="Courier New" panose="02070309020205020404" pitchFamily="49" charset="0"/>
-              </a:rPr>
-              <a:t>int</a:t>
-            </a:r>
-            <a:r>
-              <a:rPr lang="en-US" altLang="ko-KR" dirty="0" smtClean="0">
-                <a:latin typeface="Courier New" panose="02070309020205020404" pitchFamily="49" charset="0"/>
-                <a:cs typeface="Courier New" panose="02070309020205020404" pitchFamily="49" charset="0"/>
-              </a:rPr>
-              <a:t>&gt; Counter;</a:t>
-            </a:r>
-          </a:p>
-          <a:p>
-            <a:endParaRPr lang="en-US" altLang="ko-KR" dirty="0" smtClean="0">
-              <a:latin typeface="Courier New" panose="02070309020205020404" pitchFamily="49" charset="0"/>
-              <a:cs typeface="Courier New" panose="02070309020205020404" pitchFamily="49" charset="0"/>
-            </a:endParaRPr>
-          </a:p>
-          <a:p>
-            <a:r>
-              <a:rPr lang="en-US" altLang="ko-KR" dirty="0" smtClean="0">
-                <a:latin typeface="Courier New" panose="02070309020205020404" pitchFamily="49" charset="0"/>
-                <a:cs typeface="Courier New" panose="02070309020205020404" pitchFamily="49" charset="0"/>
-              </a:rPr>
-              <a:t>thread1() {</a:t>
-            </a:r>
-            <a:endParaRPr lang="en-US" altLang="ko-KR" dirty="0">
-              <a:latin typeface="Courier New" panose="02070309020205020404" pitchFamily="49" charset="0"/>
-              <a:cs typeface="Courier New" panose="02070309020205020404" pitchFamily="49" charset="0"/>
-            </a:endParaRPr>
-          </a:p>
-          <a:p>
-            <a:r>
-              <a:rPr lang="en-US" altLang="ko-KR" dirty="0" smtClean="0">
-                <a:latin typeface="Courier New" panose="02070309020205020404" pitchFamily="49" charset="0"/>
-                <a:cs typeface="Courier New" panose="02070309020205020404" pitchFamily="49" charset="0"/>
-              </a:rPr>
-              <a:t>   Counter = </a:t>
-            </a:r>
-            <a:r>
-              <a:rPr lang="en-US" altLang="ko-KR" dirty="0" err="1" smtClean="0">
-                <a:latin typeface="Courier New" panose="02070309020205020404" pitchFamily="49" charset="0"/>
-                <a:cs typeface="Courier New" panose="02070309020205020404" pitchFamily="49" charset="0"/>
-              </a:rPr>
-              <a:t>make_shared</a:t>
-            </a:r>
-            <a:r>
-              <a:rPr lang="en-US" altLang="ko-KR" dirty="0" smtClean="0">
-                <a:latin typeface="Courier New" panose="02070309020205020404" pitchFamily="49" charset="0"/>
-                <a:cs typeface="Courier New" panose="02070309020205020404" pitchFamily="49" charset="0"/>
-              </a:rPr>
-              <a:t>&lt;</a:t>
-            </a:r>
-            <a:r>
-              <a:rPr lang="en-US" altLang="ko-KR" dirty="0" err="1" smtClean="0">
-                <a:latin typeface="Courier New" panose="02070309020205020404" pitchFamily="49" charset="0"/>
-                <a:cs typeface="Courier New" panose="02070309020205020404" pitchFamily="49" charset="0"/>
-              </a:rPr>
-              <a:t>int</a:t>
-            </a:r>
-            <a:r>
-              <a:rPr lang="en-US" altLang="ko-KR" dirty="0" smtClean="0">
-                <a:latin typeface="Courier New" panose="02070309020205020404" pitchFamily="49" charset="0"/>
-                <a:cs typeface="Courier New" panose="02070309020205020404" pitchFamily="49" charset="0"/>
-              </a:rPr>
-              <a:t>&gt;(1);</a:t>
-            </a:r>
-          </a:p>
-          <a:p>
-            <a:r>
-              <a:rPr lang="en-US" altLang="ko-KR" dirty="0" smtClean="0">
-                <a:latin typeface="Courier New" panose="02070309020205020404" pitchFamily="49" charset="0"/>
-                <a:cs typeface="Courier New" panose="02070309020205020404" pitchFamily="49" charset="0"/>
-              </a:rPr>
-              <a:t>}</a:t>
-            </a:r>
-          </a:p>
-          <a:p>
-            <a:endParaRPr lang="en-US" altLang="ko-KR" dirty="0">
-              <a:latin typeface="Courier New" panose="02070309020205020404" pitchFamily="49" charset="0"/>
-              <a:cs typeface="Courier New" panose="02070309020205020404" pitchFamily="49" charset="0"/>
-            </a:endParaRPr>
-          </a:p>
-          <a:p>
-            <a:r>
-              <a:rPr lang="en-US" altLang="ko-KR" dirty="0" smtClean="0">
-                <a:latin typeface="Courier New" panose="02070309020205020404" pitchFamily="49" charset="0"/>
-                <a:cs typeface="Courier New" panose="02070309020205020404" pitchFamily="49" charset="0"/>
-              </a:rPr>
-              <a:t>thread2() {</a:t>
-            </a:r>
-          </a:p>
-          <a:p>
-            <a:r>
-              <a:rPr lang="en-US" altLang="ko-KR" dirty="0">
-                <a:latin typeface="Courier New" panose="02070309020205020404" pitchFamily="49" charset="0"/>
-                <a:cs typeface="Courier New" panose="02070309020205020404" pitchFamily="49" charset="0"/>
-              </a:rPr>
-              <a:t> </a:t>
-            </a:r>
-            <a:r>
-              <a:rPr lang="en-US" altLang="ko-KR" dirty="0" smtClean="0">
-                <a:latin typeface="Courier New" panose="02070309020205020404" pitchFamily="49" charset="0"/>
-                <a:cs typeface="Courier New" panose="02070309020205020404" pitchFamily="49" charset="0"/>
-              </a:rPr>
-              <a:t> Counter = </a:t>
-            </a:r>
-            <a:r>
-              <a:rPr lang="en-US" altLang="ko-KR" dirty="0" err="1" smtClean="0">
-                <a:latin typeface="Courier New" panose="02070309020205020404" pitchFamily="49" charset="0"/>
-                <a:cs typeface="Courier New" panose="02070309020205020404" pitchFamily="49" charset="0"/>
-              </a:rPr>
-              <a:t>make_shared</a:t>
-            </a:r>
-            <a:r>
-              <a:rPr lang="en-US" altLang="ko-KR" dirty="0" smtClean="0">
-                <a:latin typeface="Courier New" panose="02070309020205020404" pitchFamily="49" charset="0"/>
-                <a:cs typeface="Courier New" panose="02070309020205020404" pitchFamily="49" charset="0"/>
-              </a:rPr>
-              <a:t>&lt;</a:t>
-            </a:r>
-            <a:r>
-              <a:rPr lang="en-US" altLang="ko-KR" dirty="0" err="1" smtClean="0">
-                <a:latin typeface="Courier New" panose="02070309020205020404" pitchFamily="49" charset="0"/>
-                <a:cs typeface="Courier New" panose="02070309020205020404" pitchFamily="49" charset="0"/>
-              </a:rPr>
-              <a:t>int</a:t>
-            </a:r>
-            <a:r>
-              <a:rPr lang="en-US" altLang="ko-KR" dirty="0" smtClean="0">
-                <a:latin typeface="Courier New" panose="02070309020205020404" pitchFamily="49" charset="0"/>
-                <a:cs typeface="Courier New" panose="02070309020205020404" pitchFamily="49" charset="0"/>
-              </a:rPr>
-              <a:t>&gt;(2);</a:t>
-            </a:r>
-          </a:p>
-          <a:p>
-            <a:r>
-              <a:rPr lang="en-US" altLang="ko-KR" dirty="0">
-                <a:latin typeface="Courier New" panose="02070309020205020404" pitchFamily="49" charset="0"/>
-                <a:cs typeface="Courier New" panose="02070309020205020404" pitchFamily="49" charset="0"/>
-              </a:rPr>
-              <a:t> </a:t>
-            </a:r>
-            <a:r>
-              <a:rPr lang="en-US" altLang="ko-KR" dirty="0" smtClean="0">
-                <a:latin typeface="Courier New" panose="02070309020205020404" pitchFamily="49" charset="0"/>
-                <a:cs typeface="Courier New" panose="02070309020205020404" pitchFamily="49" charset="0"/>
-              </a:rPr>
-              <a:t> </a:t>
-            </a:r>
-          </a:p>
-          <a:p>
-            <a:r>
-              <a:rPr lang="en-US" altLang="ko-KR" dirty="0">
-                <a:latin typeface="Courier New" panose="02070309020205020404" pitchFamily="49" charset="0"/>
-                <a:cs typeface="Courier New" panose="02070309020205020404" pitchFamily="49" charset="0"/>
-              </a:rPr>
-              <a:t> </a:t>
-            </a:r>
-            <a:r>
-              <a:rPr lang="en-US" altLang="ko-KR" dirty="0" smtClean="0">
-                <a:latin typeface="Courier New" panose="02070309020205020404" pitchFamily="49" charset="0"/>
-                <a:cs typeface="Courier New" panose="02070309020205020404" pitchFamily="49" charset="0"/>
-              </a:rPr>
-              <a:t> </a:t>
-            </a:r>
-            <a:r>
-              <a:rPr lang="en-US" altLang="ko-KR" dirty="0" err="1" smtClean="0">
-                <a:latin typeface="Courier New" panose="02070309020205020404" pitchFamily="49" charset="0"/>
-                <a:cs typeface="Courier New" panose="02070309020205020404" pitchFamily="49" charset="0"/>
-              </a:rPr>
-              <a:t>cout</a:t>
-            </a:r>
-            <a:r>
-              <a:rPr lang="en-US" altLang="ko-KR" dirty="0" smtClean="0">
-                <a:latin typeface="Courier New" panose="02070309020205020404" pitchFamily="49" charset="0"/>
-                <a:cs typeface="Courier New" panose="02070309020205020404" pitchFamily="49" charset="0"/>
-              </a:rPr>
-              <a:t> &lt;&lt; *Counter;</a:t>
-            </a:r>
-          </a:p>
-          <a:p>
-            <a:r>
-              <a:rPr lang="en-US" altLang="ko-KR" dirty="0" smtClean="0">
-                <a:latin typeface="Courier New" panose="02070309020205020404" pitchFamily="49" charset="0"/>
-                <a:cs typeface="Courier New" panose="02070309020205020404" pitchFamily="49" charset="0"/>
-              </a:rPr>
-              <a:t>}</a:t>
-            </a:r>
-          </a:p>
-        </p:txBody>
-      </p:sp>
-      <p:sp>
-        <p:nvSpPr>
           <p:cNvPr id="90" name="직사각형 89">
             <a:extLst>
               <a:ext uri="{FF2B5EF4-FFF2-40B4-BE49-F238E27FC236}">
@@ -12222,8 +12063,8 @@
         </p:nvSpPr>
         <p:spPr>
           <a:xfrm>
-            <a:off x="7616331" y="736215"/>
-            <a:ext cx="1191804" cy="513804"/>
+            <a:off x="7989712" y="2757104"/>
+            <a:ext cx="934086" cy="324872"/>
           </a:xfrm>
           <a:prstGeom prst="rect">
             <a:avLst/>
@@ -12262,7 +12103,7 @@
           <a:p>
             <a:pPr algn="ctr"/>
             <a:r>
-              <a:rPr lang="en-US" altLang="ko-KR" dirty="0" smtClean="0">
+              <a:rPr lang="en-US" altLang="ko-KR" dirty="0">
                 <a:solidFill>
                   <a:schemeClr val="tx1"/>
                 </a:solidFill>
@@ -12293,8 +12134,8 @@
         </p:nvSpPr>
         <p:spPr>
           <a:xfrm>
-            <a:off x="7616331" y="1343793"/>
-            <a:ext cx="2355918" cy="882369"/>
+            <a:off x="7988788" y="3121278"/>
+            <a:ext cx="1846470" cy="557912"/>
           </a:xfrm>
           <a:prstGeom prst="rect">
             <a:avLst/>
@@ -12376,8 +12217,8 @@
         </p:nvSpPr>
         <p:spPr>
           <a:xfrm>
-            <a:off x="10214797" y="737966"/>
-            <a:ext cx="1191804" cy="513804"/>
+            <a:off x="10213076" y="2757104"/>
+            <a:ext cx="934086" cy="324872"/>
           </a:xfrm>
           <a:prstGeom prst="rect">
             <a:avLst/>
@@ -12416,7 +12257,7 @@
           <a:p>
             <a:pPr algn="ctr"/>
             <a:r>
-              <a:rPr lang="en-US" altLang="ko-KR" dirty="0" smtClean="0">
+              <a:rPr lang="en-US" altLang="ko-KR" dirty="0">
                 <a:solidFill>
                   <a:schemeClr val="tx1"/>
                 </a:solidFill>
@@ -12444,8 +12285,8 @@
         </p:nvCxnSpPr>
         <p:spPr>
           <a:xfrm>
-            <a:off x="8808135" y="993117"/>
-            <a:ext cx="1406662" cy="1751"/>
+            <a:off x="8923798" y="2919540"/>
+            <a:ext cx="1289278" cy="0"/>
           </a:xfrm>
           <a:prstGeom prst="straightConnector1">
             <a:avLst/>
@@ -12473,15 +12314,15 @@
         <p:nvCxnSpPr>
           <p:cNvPr id="36" name="직선 화살표 연결선 35"/>
           <p:cNvCxnSpPr>
-            <a:stCxn id="60" idx="3"/>
+            <a:cxnSpLocks/>
             <a:endCxn id="97" idx="1"/>
           </p:cNvCxnSpPr>
           <p:nvPr/>
         </p:nvCxnSpPr>
         <p:spPr>
           <a:xfrm flipV="1">
-            <a:off x="5062484" y="1348713"/>
-            <a:ext cx="2379226" cy="4390115"/>
+            <a:off x="5130700" y="3083614"/>
+            <a:ext cx="2725071" cy="1551675"/>
           </a:xfrm>
           <a:prstGeom prst="straightConnector1">
             <a:avLst/>
@@ -12505,12 +12346,123 @@
           </a:fontRef>
         </p:style>
       </p:cxnSp>
+      <p:cxnSp>
+        <p:nvCxnSpPr>
+          <p:cNvPr id="104" name="직선 화살표 연결선 103"/>
+          <p:cNvCxnSpPr>
+            <a:cxnSpLocks/>
+            <a:endCxn id="112" idx="1"/>
+          </p:cNvCxnSpPr>
+          <p:nvPr/>
+        </p:nvCxnSpPr>
+        <p:spPr>
+          <a:xfrm>
+            <a:off x="3296873" y="4958983"/>
+            <a:ext cx="3409550" cy="212364"/>
+          </a:xfrm>
+          <a:prstGeom prst="straightConnector1">
+            <a:avLst/>
+          </a:prstGeom>
+          <a:ln>
+            <a:solidFill>
+              <a:srgbClr val="FF0000"/>
+            </a:solidFill>
+            <a:tailEnd type="triangle"/>
+          </a:ln>
+        </p:spPr>
+        <p:style>
+          <a:lnRef idx="1">
+            <a:schemeClr val="accent1"/>
+          </a:lnRef>
+          <a:fillRef idx="0">
+            <a:schemeClr val="accent1"/>
+          </a:fillRef>
+          <a:effectRef idx="0">
+            <a:schemeClr val="accent1"/>
+          </a:effectRef>
+          <a:fontRef idx="minor">
+            <a:schemeClr val="tx1"/>
+          </a:fontRef>
+        </p:style>
+      </p:cxnSp>
+      <p:cxnSp>
+        <p:nvCxnSpPr>
+          <p:cNvPr id="45" name="꺾인 연결선 44"/>
+          <p:cNvCxnSpPr>
+            <a:cxnSpLocks/>
+          </p:cNvCxnSpPr>
+          <p:nvPr/>
+        </p:nvCxnSpPr>
+        <p:spPr>
+          <a:xfrm flipV="1">
+            <a:off x="5182745" y="5678174"/>
+            <a:ext cx="2531743" cy="332396"/>
+          </a:xfrm>
+          <a:prstGeom prst="bentConnector3">
+            <a:avLst>
+              <a:gd name="adj1" fmla="val 48012"/>
+            </a:avLst>
+          </a:prstGeom>
+          <a:ln>
+            <a:tailEnd type="triangle"/>
+          </a:ln>
+        </p:spPr>
+        <p:style>
+          <a:lnRef idx="1">
+            <a:schemeClr val="accent1"/>
+          </a:lnRef>
+          <a:fillRef idx="0">
+            <a:schemeClr val="accent1"/>
+          </a:fillRef>
+          <a:effectRef idx="0">
+            <a:schemeClr val="accent1"/>
+          </a:effectRef>
+          <a:fontRef idx="minor">
+            <a:schemeClr val="tx1"/>
+          </a:fontRef>
+        </p:style>
+      </p:cxnSp>
+      <p:cxnSp>
+        <p:nvCxnSpPr>
+          <p:cNvPr id="110" name="꺾인 연결선 109"/>
+          <p:cNvCxnSpPr>
+            <a:cxnSpLocks/>
+          </p:cNvCxnSpPr>
+          <p:nvPr/>
+        </p:nvCxnSpPr>
+        <p:spPr>
+          <a:xfrm flipV="1">
+            <a:off x="5082711" y="4551166"/>
+            <a:ext cx="2631777" cy="1459405"/>
+          </a:xfrm>
+          <a:prstGeom prst="bentConnector3">
+            <a:avLst/>
+          </a:prstGeom>
+          <a:ln>
+            <a:tailEnd type="triangle"/>
+          </a:ln>
+        </p:spPr>
+        <p:style>
+          <a:lnRef idx="1">
+            <a:schemeClr val="accent1"/>
+          </a:lnRef>
+          <a:fillRef idx="0">
+            <a:schemeClr val="accent1"/>
+          </a:fillRef>
+          <a:effectRef idx="0">
+            <a:schemeClr val="accent1"/>
+          </a:effectRef>
+          <a:fontRef idx="minor">
+            <a:schemeClr val="tx1"/>
+          </a:fontRef>
+        </p:style>
+      </p:cxnSp>
       <p:sp>
         <p:nvSpPr>
-          <p:cNvPr id="99" name="직사각형 98">
-            <a:extLst>
-              <a:ext uri="{FF2B5EF4-FFF2-40B4-BE49-F238E27FC236}">
-                <a16:creationId xmlns:a16="http://schemas.microsoft.com/office/drawing/2014/main" id="{7150095A-C31F-4405-BF04-67497295B99D}"/>
+          <p:cNvPr id="40" name="직사각형 39">
+            <a:extLst>
+              <a:ext uri="{FF2B5EF4-FFF2-40B4-BE49-F238E27FC236}">
+                <a16:creationId xmlns:a16="http://schemas.microsoft.com/office/drawing/2014/main" id="{D95D733F-9AF7-445A-88D6-49066206C250}"/>
               </a:ext>
             </a:extLst>
           </p:cNvPr>
@@ -12519,8 +12471,8 @@
         </p:nvSpPr>
         <p:spPr>
           <a:xfrm>
-            <a:off x="7429935" y="4675898"/>
-            <a:ext cx="2631804" cy="2004552"/>
+            <a:off x="7855771" y="3879776"/>
+            <a:ext cx="2062698" cy="1267452"/>
           </a:xfrm>
           <a:prstGeom prst="rect">
             <a:avLst/>
@@ -12559,7 +12511,7 @@
           <a:p>
             <a:pPr algn="ctr"/>
             <a:r>
-              <a:rPr lang="en-US" altLang="ko-KR" dirty="0" smtClean="0">
+              <a:rPr lang="en-US" altLang="ko-KR" sz="1600" dirty="0">
                 <a:solidFill>
                   <a:schemeClr val="tx1"/>
                 </a:solidFill>
@@ -12567,7 +12519,7 @@
               </a:rPr>
               <a:t>Counter</a:t>
             </a:r>
-            <a:endParaRPr lang="ko-KR" altLang="en-US" dirty="0">
+            <a:endParaRPr lang="ko-KR" altLang="en-US" sz="1600" dirty="0">
               <a:solidFill>
                 <a:schemeClr val="tx1"/>
               </a:solidFill>
@@ -12578,10 +12530,10 @@
       </p:sp>
       <p:sp>
         <p:nvSpPr>
-          <p:cNvPr id="100" name="직사각형 99">
-            <a:extLst>
-              <a:ext uri="{FF2B5EF4-FFF2-40B4-BE49-F238E27FC236}">
-                <a16:creationId xmlns:a16="http://schemas.microsoft.com/office/drawing/2014/main" id="{7150095A-C31F-4405-BF04-67497295B99D}"/>
+          <p:cNvPr id="41" name="직사각형 40">
+            <a:extLst>
+              <a:ext uri="{FF2B5EF4-FFF2-40B4-BE49-F238E27FC236}">
+                <a16:creationId xmlns:a16="http://schemas.microsoft.com/office/drawing/2014/main" id="{21789AE5-5362-4965-ACB0-55CA46AEBFEE}"/>
               </a:ext>
             </a:extLst>
           </p:cNvPr>
@@ -12590,8 +12542,8 @@
         </p:nvSpPr>
         <p:spPr>
           <a:xfrm>
-            <a:off x="7604556" y="5065676"/>
-            <a:ext cx="1191804" cy="513804"/>
+            <a:off x="7989712" y="4186992"/>
+            <a:ext cx="934086" cy="324872"/>
           </a:xfrm>
           <a:prstGeom prst="rect">
             <a:avLst/>
@@ -12630,7 +12582,7 @@
           <a:p>
             <a:pPr algn="ctr"/>
             <a:r>
-              <a:rPr lang="en-US" altLang="ko-KR" dirty="0" smtClean="0">
+              <a:rPr lang="en-US" altLang="ko-KR" dirty="0">
                 <a:solidFill>
                   <a:schemeClr val="tx1"/>
                 </a:solidFill>
@@ -12649,10 +12601,10 @@
       </p:sp>
       <p:sp>
         <p:nvSpPr>
-          <p:cNvPr id="101" name="직사각형 100">
-            <a:extLst>
-              <a:ext uri="{FF2B5EF4-FFF2-40B4-BE49-F238E27FC236}">
-                <a16:creationId xmlns:a16="http://schemas.microsoft.com/office/drawing/2014/main" id="{37F19A87-710B-4BDD-BE32-17A673CEB396}"/>
+          <p:cNvPr id="42" name="직사각형 41">
+            <a:extLst>
+              <a:ext uri="{FF2B5EF4-FFF2-40B4-BE49-F238E27FC236}">
+                <a16:creationId xmlns:a16="http://schemas.microsoft.com/office/drawing/2014/main" id="{93FC4914-5471-42DD-B777-A427A38D865F}"/>
               </a:ext>
             </a:extLst>
           </p:cNvPr>
@@ -12661,8 +12613,8 @@
         </p:nvSpPr>
         <p:spPr>
           <a:xfrm>
-            <a:off x="7604556" y="5673254"/>
-            <a:ext cx="2355918" cy="882369"/>
+            <a:off x="7988788" y="4551166"/>
+            <a:ext cx="1846470" cy="557912"/>
           </a:xfrm>
           <a:prstGeom prst="rect">
             <a:avLst/>
@@ -12719,7 +12671,7 @@
                 </a:solidFill>
                 <a:latin typeface="+mj-lt"/>
               </a:rPr>
-              <a:t>Ref Count = 1</a:t>
+              <a:t>Ref Count = 0</a:t>
             </a:r>
             <a:endParaRPr lang="ko-KR" altLang="en-US" dirty="0">
               <a:solidFill>
@@ -12732,10 +12684,10 @@
       </p:sp>
       <p:sp>
         <p:nvSpPr>
-          <p:cNvPr id="102" name="직사각형 101">
-            <a:extLst>
-              <a:ext uri="{FF2B5EF4-FFF2-40B4-BE49-F238E27FC236}">
-                <a16:creationId xmlns:a16="http://schemas.microsoft.com/office/drawing/2014/main" id="{7150095A-C31F-4405-BF04-67497295B99D}"/>
+          <p:cNvPr id="43" name="직사각형 42">
+            <a:extLst>
+              <a:ext uri="{FF2B5EF4-FFF2-40B4-BE49-F238E27FC236}">
+                <a16:creationId xmlns:a16="http://schemas.microsoft.com/office/drawing/2014/main" id="{B55E2665-F634-425C-8278-FDAFA14D3A5A}"/>
               </a:ext>
             </a:extLst>
           </p:cNvPr>
@@ -12744,8 +12696,8 @@
         </p:nvSpPr>
         <p:spPr>
           <a:xfrm>
-            <a:off x="10203022" y="5067427"/>
-            <a:ext cx="1191804" cy="513804"/>
+            <a:off x="10213076" y="4186992"/>
+            <a:ext cx="934086" cy="324872"/>
           </a:xfrm>
           <a:prstGeom prst="rect">
             <a:avLst/>
@@ -12790,7 +12742,7 @@
                 </a:solidFill>
                 <a:latin typeface="+mj-lt"/>
               </a:rPr>
-              <a:t>1</a:t>
+              <a:t>2</a:t>
             </a:r>
             <a:endParaRPr lang="ko-KR" altLang="en-US" dirty="0">
               <a:solidFill>
@@ -12803,17 +12755,23 @@
       </p:sp>
       <p:cxnSp>
         <p:nvCxnSpPr>
-          <p:cNvPr id="103" name="직선 화살표 연결선 102"/>
+          <p:cNvPr id="44" name="직선 화살표 연결선 43">
+            <a:extLst>
+              <a:ext uri="{FF2B5EF4-FFF2-40B4-BE49-F238E27FC236}">
+                <a16:creationId xmlns:a16="http://schemas.microsoft.com/office/drawing/2014/main" id="{DD3912B9-745F-4BFC-A02A-1A4D87455802}"/>
+              </a:ext>
+            </a:extLst>
+          </p:cNvPr>
           <p:cNvCxnSpPr>
-            <a:stCxn id="100" idx="3"/>
-            <a:endCxn id="102" idx="1"/>
+            <a:stCxn id="41" idx="3"/>
+            <a:endCxn id="43" idx="1"/>
           </p:cNvCxnSpPr>
           <p:nvPr/>
         </p:nvCxnSpPr>
         <p:spPr>
           <a:xfrm>
-            <a:off x="8796360" y="5322578"/>
-            <a:ext cx="1406662" cy="1751"/>
+            <a:off x="8923798" y="4349428"/>
+            <a:ext cx="1289278" cy="0"/>
           </a:xfrm>
           <a:prstGeom prst="straightConnector1">
             <a:avLst/>
@@ -12837,45 +12795,12 @@
           </a:fontRef>
         </p:style>
       </p:cxnSp>
-      <p:cxnSp>
-        <p:nvCxnSpPr>
-          <p:cNvPr id="104" name="직선 화살표 연결선 103"/>
-          <p:cNvCxnSpPr/>
-          <p:nvPr/>
-        </p:nvCxnSpPr>
-        <p:spPr>
-          <a:xfrm flipV="1">
-            <a:off x="5062484" y="4566789"/>
-            <a:ext cx="2440807" cy="1706996"/>
-          </a:xfrm>
-          <a:prstGeom prst="straightConnector1">
-            <a:avLst/>
-          </a:prstGeom>
-          <a:ln>
-            <a:tailEnd type="triangle"/>
-          </a:ln>
-        </p:spPr>
-        <p:style>
-          <a:lnRef idx="1">
-            <a:schemeClr val="accent1"/>
-          </a:lnRef>
-          <a:fillRef idx="0">
-            <a:schemeClr val="accent1"/>
-          </a:fillRef>
-          <a:effectRef idx="0">
-            <a:schemeClr val="accent1"/>
-          </a:effectRef>
-          <a:fontRef idx="minor">
-            <a:schemeClr val="tx1"/>
-          </a:fontRef>
-        </p:style>
-      </p:cxnSp>
       <p:sp>
         <p:nvSpPr>
-          <p:cNvPr id="105" name="직사각형 104">
-            <a:extLst>
-              <a:ext uri="{FF2B5EF4-FFF2-40B4-BE49-F238E27FC236}">
-                <a16:creationId xmlns:a16="http://schemas.microsoft.com/office/drawing/2014/main" id="{7150095A-C31F-4405-BF04-67497295B99D}"/>
+          <p:cNvPr id="46" name="직사각형 45">
+            <a:extLst>
+              <a:ext uri="{FF2B5EF4-FFF2-40B4-BE49-F238E27FC236}">
+                <a16:creationId xmlns:a16="http://schemas.microsoft.com/office/drawing/2014/main" id="{01C47C78-CF4A-4ADD-B7AA-152FB517C2D8}"/>
               </a:ext>
             </a:extLst>
           </p:cNvPr>
@@ -12884,8 +12809,8 @@
         </p:nvSpPr>
         <p:spPr>
           <a:xfrm>
-            <a:off x="7450957" y="2451345"/>
-            <a:ext cx="2631804" cy="2004552"/>
+            <a:off x="7855771" y="5378482"/>
+            <a:ext cx="2062698" cy="1267452"/>
           </a:xfrm>
           <a:prstGeom prst="rect">
             <a:avLst/>
@@ -12924,7 +12849,7 @@
           <a:p>
             <a:pPr algn="ctr"/>
             <a:r>
-              <a:rPr lang="en-US" altLang="ko-KR" dirty="0" smtClean="0">
+              <a:rPr lang="en-US" altLang="ko-KR" sz="1600" dirty="0">
                 <a:solidFill>
                   <a:schemeClr val="tx1"/>
                 </a:solidFill>
@@ -12932,7 +12857,7 @@
               </a:rPr>
               <a:t>Counter</a:t>
             </a:r>
-            <a:endParaRPr lang="ko-KR" altLang="en-US" dirty="0">
+            <a:endParaRPr lang="ko-KR" altLang="en-US" sz="1600" dirty="0">
               <a:solidFill>
                 <a:schemeClr val="tx1"/>
               </a:solidFill>
@@ -12943,10 +12868,10 @@
       </p:sp>
       <p:sp>
         <p:nvSpPr>
-          <p:cNvPr id="106" name="직사각형 105">
-            <a:extLst>
-              <a:ext uri="{FF2B5EF4-FFF2-40B4-BE49-F238E27FC236}">
-                <a16:creationId xmlns:a16="http://schemas.microsoft.com/office/drawing/2014/main" id="{7150095A-C31F-4405-BF04-67497295B99D}"/>
+          <p:cNvPr id="47" name="직사각형 46">
+            <a:extLst>
+              <a:ext uri="{FF2B5EF4-FFF2-40B4-BE49-F238E27FC236}">
+                <a16:creationId xmlns:a16="http://schemas.microsoft.com/office/drawing/2014/main" id="{F815325C-36E7-4E63-8678-AD685718B315}"/>
               </a:ext>
             </a:extLst>
           </p:cNvPr>
@@ -12955,8 +12880,8 @@
         </p:nvSpPr>
         <p:spPr>
           <a:xfrm>
-            <a:off x="7625578" y="2841123"/>
-            <a:ext cx="1191804" cy="513804"/>
+            <a:off x="7989712" y="5685698"/>
+            <a:ext cx="934086" cy="324872"/>
           </a:xfrm>
           <a:prstGeom prst="rect">
             <a:avLst/>
@@ -12995,7 +12920,7 @@
           <a:p>
             <a:pPr algn="ctr"/>
             <a:r>
-              <a:rPr lang="en-US" altLang="ko-KR" dirty="0" smtClean="0">
+              <a:rPr lang="en-US" altLang="ko-KR" dirty="0">
                 <a:solidFill>
                   <a:schemeClr val="tx1"/>
                 </a:solidFill>
@@ -13014,10 +12939,10 @@
       </p:sp>
       <p:sp>
         <p:nvSpPr>
-          <p:cNvPr id="107" name="직사각형 106">
-            <a:extLst>
-              <a:ext uri="{FF2B5EF4-FFF2-40B4-BE49-F238E27FC236}">
-                <a16:creationId xmlns:a16="http://schemas.microsoft.com/office/drawing/2014/main" id="{37F19A87-710B-4BDD-BE32-17A673CEB396}"/>
+          <p:cNvPr id="48" name="직사각형 47">
+            <a:extLst>
+              <a:ext uri="{FF2B5EF4-FFF2-40B4-BE49-F238E27FC236}">
+                <a16:creationId xmlns:a16="http://schemas.microsoft.com/office/drawing/2014/main" id="{0DDD58F6-0FF7-4414-A476-750E4652BFEE}"/>
               </a:ext>
             </a:extLst>
           </p:cNvPr>
@@ -13026,8 +12951,8 @@
         </p:nvSpPr>
         <p:spPr>
           <a:xfrm>
-            <a:off x="7625578" y="3448701"/>
-            <a:ext cx="2355918" cy="882369"/>
+            <a:off x="7988788" y="6049872"/>
+            <a:ext cx="1846470" cy="557912"/>
           </a:xfrm>
           <a:prstGeom prst="rect">
             <a:avLst/>
@@ -13084,16 +13009,7 @@
                 </a:solidFill>
                 <a:latin typeface="+mj-lt"/>
               </a:rPr>
-              <a:t>Ref Count = </a:t>
-            </a:r>
-            <a:r>
-              <a:rPr lang="en-US" altLang="ko-KR" dirty="0" smtClean="0">
-                <a:solidFill>
-                  <a:schemeClr val="tx1"/>
-                </a:solidFill>
-                <a:latin typeface="+mj-lt"/>
-              </a:rPr>
-              <a:t>0</a:t>
+              <a:t>Ref Count = 1</a:t>
             </a:r>
             <a:endParaRPr lang="ko-KR" altLang="en-US" dirty="0">
               <a:solidFill>
@@ -13106,10 +13022,10 @@
       </p:sp>
       <p:sp>
         <p:nvSpPr>
-          <p:cNvPr id="108" name="직사각형 107">
-            <a:extLst>
-              <a:ext uri="{FF2B5EF4-FFF2-40B4-BE49-F238E27FC236}">
-                <a16:creationId xmlns:a16="http://schemas.microsoft.com/office/drawing/2014/main" id="{7150095A-C31F-4405-BF04-67497295B99D}"/>
+          <p:cNvPr id="49" name="직사각형 48">
+            <a:extLst>
+              <a:ext uri="{FF2B5EF4-FFF2-40B4-BE49-F238E27FC236}">
+                <a16:creationId xmlns:a16="http://schemas.microsoft.com/office/drawing/2014/main" id="{780B2C31-383C-4CB7-8B40-B8CF6881BED9}"/>
               </a:ext>
             </a:extLst>
           </p:cNvPr>
@@ -13118,8 +13034,8 @@
         </p:nvSpPr>
         <p:spPr>
           <a:xfrm>
-            <a:off x="10224044" y="2842874"/>
-            <a:ext cx="1191804" cy="513804"/>
+            <a:off x="10213076" y="5685698"/>
+            <a:ext cx="934086" cy="324872"/>
           </a:xfrm>
           <a:prstGeom prst="rect">
             <a:avLst/>
@@ -13158,13 +13074,13 @@
           <a:p>
             <a:pPr algn="ctr"/>
             <a:r>
-              <a:rPr lang="en-US" altLang="ko-KR" dirty="0" smtClean="0">
+              <a:rPr lang="en-US" altLang="ko-KR" dirty="0">
                 <a:solidFill>
                   <a:schemeClr val="tx1"/>
                 </a:solidFill>
                 <a:latin typeface="+mj-lt"/>
               </a:rPr>
-              <a:t>2</a:t>
+              <a:t>1</a:t>
             </a:r>
             <a:endParaRPr lang="ko-KR" altLang="en-US" dirty="0">
               <a:solidFill>
@@ -13177,17 +13093,23 @@
       </p:sp>
       <p:cxnSp>
         <p:nvCxnSpPr>
-          <p:cNvPr id="109" name="직선 화살표 연결선 108"/>
+          <p:cNvPr id="50" name="직선 화살표 연결선 49">
+            <a:extLst>
+              <a:ext uri="{FF2B5EF4-FFF2-40B4-BE49-F238E27FC236}">
+                <a16:creationId xmlns:a16="http://schemas.microsoft.com/office/drawing/2014/main" id="{6B0AFD30-3501-43F3-8223-21F329151FD6}"/>
+              </a:ext>
+            </a:extLst>
+          </p:cNvPr>
           <p:cNvCxnSpPr>
-            <a:stCxn id="106" idx="3"/>
-            <a:endCxn id="108" idx="1"/>
+            <a:stCxn id="47" idx="3"/>
+            <a:endCxn id="49" idx="1"/>
           </p:cNvCxnSpPr>
           <p:nvPr/>
         </p:nvCxnSpPr>
         <p:spPr>
           <a:xfrm>
-            <a:off x="8817382" y="3098025"/>
-            <a:ext cx="1406662" cy="1751"/>
+            <a:off x="8923798" y="5848134"/>
+            <a:ext cx="1289278" cy="0"/>
           </a:xfrm>
           <a:prstGeom prst="straightConnector1">
             <a:avLst/>
@@ -13211,76 +13133,55 @@
           </a:fontRef>
         </p:style>
       </p:cxnSp>
-      <p:cxnSp>
-        <p:nvCxnSpPr>
-          <p:cNvPr id="45" name="꺾인 연결선 44"/>
-          <p:cNvCxnSpPr>
-            <a:endCxn id="99" idx="1"/>
-          </p:cNvCxnSpPr>
+      <p:sp>
+        <p:nvSpPr>
+          <p:cNvPr id="112" name="폭발 1 111"/>
+          <p:cNvSpPr/>
           <p:nvPr/>
-        </p:nvCxnSpPr>
+        </p:nvSpPr>
         <p:spPr>
           <a:xfrm>
-            <a:off x="5203767" y="4675898"/>
-            <a:ext cx="2226168" cy="1002276"/>
+            <a:off x="6706423" y="4874860"/>
+            <a:ext cx="1741985" cy="743369"/>
           </a:xfrm>
-          <a:prstGeom prst="bentConnector3">
+          <a:prstGeom prst="irregularSeal1">
             <a:avLst/>
           </a:prstGeom>
+          <a:solidFill>
+            <a:srgbClr val="FF0000"/>
+          </a:solidFill>
           <a:ln>
-            <a:tailEnd type="triangle"/>
+            <a:noFill/>
           </a:ln>
         </p:spPr>
         <p:style>
-          <a:lnRef idx="1">
-            <a:schemeClr val="accent1"/>
+          <a:lnRef idx="2">
+            <a:schemeClr val="accent1">
+              <a:shade val="50000"/>
+            </a:schemeClr>
           </a:lnRef>
-          <a:fillRef idx="0">
+          <a:fillRef idx="1">
             <a:schemeClr val="accent1"/>
           </a:fillRef>
           <a:effectRef idx="0">
             <a:schemeClr val="accent1"/>
           </a:effectRef>
           <a:fontRef idx="minor">
-            <a:schemeClr val="tx1"/>
+            <a:schemeClr val="lt1"/>
           </a:fontRef>
         </p:style>
-      </p:cxnSp>
-      <p:cxnSp>
-        <p:nvCxnSpPr>
-          <p:cNvPr id="110" name="꺾인 연결선 109"/>
-          <p:cNvCxnSpPr>
-            <a:endCxn id="105" idx="1"/>
-          </p:cNvCxnSpPr>
-          <p:nvPr/>
-        </p:nvCxnSpPr>
-        <p:spPr>
-          <a:xfrm flipV="1">
-            <a:off x="5203767" y="3453621"/>
-            <a:ext cx="2247190" cy="1222277"/>
-          </a:xfrm>
-          <a:prstGeom prst="bentConnector3">
-            <a:avLst/>
-          </a:prstGeom>
-          <a:ln>
-            <a:tailEnd type="triangle"/>
-          </a:ln>
-        </p:spPr>
-        <p:style>
-          <a:lnRef idx="1">
-            <a:schemeClr val="accent1"/>
-          </a:lnRef>
-          <a:fillRef idx="0">
-            <a:schemeClr val="accent1"/>
-          </a:fillRef>
-          <a:effectRef idx="0">
-            <a:schemeClr val="accent1"/>
-          </a:effectRef>
-          <a:fontRef idx="minor">
-            <a:schemeClr val="tx1"/>
-          </a:fontRef>
-        </p:style>
-      </p:cxnSp>
+        <p:txBody>
+          <a:bodyPr rtlCol="0" anchor="ctr"/>
+          <a:lstStyle/>
+          <a:p>
+            <a:pPr algn="ctr"/>
+            <a:r>
+              <a:rPr lang="ko-KR" altLang="en-US" sz="1050" dirty="0"/>
+              <a:t>잘못된 접근</a:t>
+            </a:r>
+          </a:p>
+        </p:txBody>
+      </p:sp>
       <p:sp>
         <p:nvSpPr>
           <p:cNvPr id="53" name="TextBox 52"/>
@@ -13289,8 +13190,8 @@
         </p:nvSpPr>
         <p:spPr>
           <a:xfrm>
-            <a:off x="10197140" y="3282062"/>
-            <a:ext cx="1292020" cy="369332"/>
+            <a:off x="10196012" y="3876649"/>
+            <a:ext cx="968214" cy="369332"/>
           </a:xfrm>
           <a:prstGeom prst="rect">
             <a:avLst/>
@@ -13304,54 +13205,18 @@
           <a:lstStyle/>
           <a:p>
             <a:r>
-              <a:rPr lang="en-US" altLang="ko-KR" dirty="0" smtClean="0"/>
-              <a:t>&lt;deleted&gt;</a:t>
-            </a:r>
-            <a:endParaRPr lang="ko-KR" altLang="en-US" dirty="0"/>
-          </a:p>
-        </p:txBody>
-      </p:sp>
-      <p:sp>
-        <p:nvSpPr>
-          <p:cNvPr id="112" name="폭발 1 111"/>
-          <p:cNvSpPr/>
-          <p:nvPr/>
-        </p:nvSpPr>
-        <p:spPr>
-          <a:xfrm>
-            <a:off x="7460204" y="4245994"/>
-            <a:ext cx="1741985" cy="743369"/>
-          </a:xfrm>
-          <a:prstGeom prst="irregularSeal1">
-            <a:avLst/>
-          </a:prstGeom>
-        </p:spPr>
-        <p:style>
-          <a:lnRef idx="2">
-            <a:schemeClr val="accent1">
-              <a:shade val="50000"/>
-            </a:schemeClr>
-          </a:lnRef>
-          <a:fillRef idx="1">
-            <a:schemeClr val="accent1"/>
-          </a:fillRef>
-          <a:effectRef idx="0">
-            <a:schemeClr val="accent1"/>
-          </a:effectRef>
-          <a:fontRef idx="minor">
-            <a:schemeClr val="lt1"/>
-          </a:fontRef>
-        </p:style>
-        <p:txBody>
-          <a:bodyPr rtlCol="0" anchor="ctr"/>
-          <a:lstStyle/>
-          <a:p>
-            <a:pPr algn="ctr"/>
-            <a:r>
-              <a:rPr lang="ko-KR" altLang="en-US" sz="1050" smtClean="0"/>
-              <a:t>잘못된 접근</a:t>
-            </a:r>
-            <a:endParaRPr lang="ko-KR" altLang="en-US" sz="1050"/>
+              <a:rPr lang="en-US" altLang="ko-KR" dirty="0">
+                <a:solidFill>
+                  <a:srgbClr val="FF0000"/>
+                </a:solidFill>
+              </a:rPr>
+              <a:t>deleted</a:t>
+            </a:r>
+            <a:endParaRPr lang="ko-KR" altLang="en-US" dirty="0">
+              <a:solidFill>
+                <a:srgbClr val="FF0000"/>
+              </a:solidFill>
+            </a:endParaRPr>
           </a:p>
         </p:txBody>
       </p:sp>
@@ -13445,45 +13310,38 @@
           <a:lstStyle/>
           <a:p>
             <a:r>
-              <a:rPr lang="en-US" altLang="ko-KR" dirty="0" smtClean="0"/>
+              <a:rPr lang="en-US" altLang="ko-KR" dirty="0"/>
               <a:t>Lock</a:t>
             </a:r>
             <a:r>
-              <a:rPr lang="ko-KR" altLang="en-US" dirty="0" smtClean="0"/>
-              <a:t>을 사용한 해결의 문제점 </a:t>
-            </a:r>
-            <a:r>
-              <a:rPr lang="en-US" altLang="ko-KR" dirty="0" smtClean="0"/>
-              <a:t>=&gt; </a:t>
-            </a:r>
-            <a:r>
-              <a:rPr lang="ko-KR" altLang="en-US" dirty="0" smtClean="0"/>
+              <a:rPr lang="ko-KR" altLang="en-US" dirty="0"/>
+              <a:t>을 통한 해결의 문제점 </a:t>
+            </a:r>
+            <a:r>
+              <a:rPr lang="en-US" altLang="ko-KR" dirty="0"/>
+              <a:t>== </a:t>
+            </a:r>
+            <a:r>
+              <a:rPr lang="ko-KR" altLang="en-US" dirty="0"/>
               <a:t>성능</a:t>
             </a:r>
-            <a:endParaRPr lang="en-US" altLang="ko-KR" dirty="0" smtClean="0"/>
+            <a:endParaRPr lang="en-US" altLang="ko-KR" dirty="0"/>
           </a:p>
           <a:p>
             <a:pPr lvl="1"/>
             <a:r>
-              <a:rPr lang="en-US" altLang="ko-KR" dirty="0" smtClean="0"/>
-              <a:t>lock overhead</a:t>
-            </a:r>
-          </a:p>
-          <a:p>
-            <a:pPr lvl="1"/>
-            <a:r>
-              <a:rPr lang="ko-KR" altLang="en-US" dirty="0" err="1" smtClean="0"/>
+              <a:rPr lang="en-US" altLang="ko-KR" dirty="0"/>
+              <a:t>lock overhead &amp; </a:t>
+            </a:r>
+            <a:r>
+              <a:rPr lang="ko-KR" altLang="en-US" dirty="0" err="1"/>
               <a:t>병렬성</a:t>
             </a:r>
             <a:r>
-              <a:rPr lang="ko-KR" altLang="en-US" dirty="0" smtClean="0"/>
+              <a:rPr lang="ko-KR" altLang="en-US" dirty="0"/>
               <a:t> 저하</a:t>
             </a:r>
-            <a:r>
-              <a:rPr lang="en-US" altLang="ko-KR" dirty="0" smtClean="0"/>
-              <a:t>.</a:t>
-            </a:r>
-            <a:endParaRPr lang="en-US" altLang="ko-KR" dirty="0" smtClean="0"/>
+            <a:endParaRPr lang="en-US" altLang="ko-KR" dirty="0"/>
           </a:p>
         </p:txBody>
       </p:sp>
@@ -13501,10 +13359,10 @@
         </p:nvGrpSpPr>
         <p:grpSpPr>
           <a:xfrm>
-            <a:off x="4165059" y="4691796"/>
-            <a:ext cx="10053406" cy="307777"/>
+            <a:off x="4290894" y="4645229"/>
+            <a:ext cx="7443804" cy="276999"/>
             <a:chOff x="4403142" y="3417180"/>
-            <a:chExt cx="9338480" cy="307777"/>
+            <a:chExt cx="9465248" cy="370597"/>
           </a:xfrm>
         </p:grpSpPr>
         <p:cxnSp>
@@ -13568,7 +13426,7 @@
           <p:spPr>
             <a:xfrm>
               <a:off x="13175702" y="3417180"/>
-              <a:ext cx="565920" cy="307777"/>
+              <a:ext cx="692688" cy="370597"/>
             </a:xfrm>
             <a:prstGeom prst="rect">
               <a:avLst/>
@@ -13582,7 +13440,7 @@
             <a:lstStyle/>
             <a:p>
               <a:r>
-                <a:rPr lang="ko-KR" altLang="en-US" sz="1400" dirty="0">
+                <a:rPr lang="ko-KR" altLang="en-US" sz="1200" dirty="0">
                   <a:solidFill>
                     <a:schemeClr val="accent2">
                       <a:lumMod val="75000"/>
@@ -13610,8 +13468,8 @@
         </p:nvSpPr>
         <p:spPr>
           <a:xfrm>
-            <a:off x="4424798" y="2934374"/>
-            <a:ext cx="659155" cy="369332"/>
+            <a:off x="4550634" y="2903353"/>
+            <a:ext cx="663830" cy="338554"/>
           </a:xfrm>
           <a:prstGeom prst="rect">
             <a:avLst/>
@@ -13619,16 +13477,16 @@
           <a:noFill/>
         </p:spPr>
         <p:txBody>
-          <a:bodyPr wrap="none" rtlCol="0">
+          <a:bodyPr wrap="square" rtlCol="0">
             <a:spAutoFit/>
           </a:bodyPr>
           <a:lstStyle/>
           <a:p>
             <a:r>
-              <a:rPr lang="en-US" altLang="ko-KR" dirty="0"/>
+              <a:rPr lang="en-US" altLang="ko-KR" sz="1600" dirty="0"/>
               <a:t>Lock</a:t>
             </a:r>
-            <a:endParaRPr lang="ko-KR" altLang="en-US" dirty="0"/>
+            <a:endParaRPr lang="ko-KR" altLang="en-US" sz="1600" dirty="0"/>
           </a:p>
         </p:txBody>
       </p:sp>
@@ -13646,8 +13504,8 @@
         </p:nvSpPr>
         <p:spPr>
           <a:xfrm>
-            <a:off x="4186431" y="4848085"/>
-            <a:ext cx="1135888" cy="369332"/>
+            <a:off x="4312267" y="4817064"/>
+            <a:ext cx="1242098" cy="338554"/>
           </a:xfrm>
           <a:prstGeom prst="rect">
             <a:avLst/>
@@ -13655,16 +13513,16 @@
           <a:noFill/>
         </p:spPr>
         <p:txBody>
-          <a:bodyPr wrap="none" rtlCol="0">
+          <a:bodyPr wrap="square" rtlCol="0">
             <a:spAutoFit/>
           </a:bodyPr>
           <a:lstStyle/>
           <a:p>
             <a:r>
-              <a:rPr lang="en-US" altLang="ko-KR" dirty="0"/>
+              <a:rPr lang="en-US" altLang="ko-KR" sz="1600" dirty="0"/>
               <a:t>Lock-free</a:t>
             </a:r>
-            <a:endParaRPr lang="ko-KR" altLang="en-US" dirty="0"/>
+            <a:endParaRPr lang="ko-KR" altLang="en-US" sz="1600" dirty="0"/>
           </a:p>
         </p:txBody>
       </p:sp>
@@ -13682,8 +13540,8 @@
         </p:nvGrpSpPr>
         <p:grpSpPr>
           <a:xfrm>
-            <a:off x="4165059" y="3337068"/>
-            <a:ext cx="1178643" cy="1384061"/>
+            <a:off x="4290894" y="3285094"/>
+            <a:ext cx="1143812" cy="1034500"/>
             <a:chOff x="2038690" y="3056725"/>
             <a:chExt cx="1667937" cy="1487064"/>
           </a:xfrm>
@@ -13741,7 +13599,7 @@
             <a:p>
               <a:pPr algn="ctr"/>
               <a:r>
-                <a:rPr lang="en-US" altLang="ko-KR" sz="1400" dirty="0">
+                <a:rPr lang="en-US" altLang="ko-KR" sz="1200" dirty="0">
                   <a:solidFill>
                     <a:schemeClr val="tx1"/>
                   </a:solidFill>
@@ -13805,7 +13663,7 @@
             <a:p>
               <a:pPr algn="ctr"/>
               <a:r>
-                <a:rPr lang="en-US" altLang="ko-KR" sz="1400" dirty="0">
+                <a:rPr lang="en-US" altLang="ko-KR" sz="1200" dirty="0">
                   <a:solidFill>
                     <a:schemeClr val="tx1"/>
                   </a:solidFill>
@@ -13869,7 +13727,7 @@
             <a:p>
               <a:pPr algn="ctr"/>
               <a:r>
-                <a:rPr lang="en-US" altLang="ko-KR" sz="1400" dirty="0">
+                <a:rPr lang="en-US" altLang="ko-KR" sz="1200" dirty="0">
                   <a:solidFill>
                     <a:schemeClr val="tx1"/>
                   </a:solidFill>
@@ -13933,7 +13791,7 @@
             <a:p>
               <a:pPr algn="ctr"/>
               <a:r>
-                <a:rPr lang="en-US" altLang="ko-KR" sz="1400" dirty="0">
+                <a:rPr lang="en-US" altLang="ko-KR" sz="1200" dirty="0">
                   <a:solidFill>
                     <a:schemeClr val="tx1"/>
                   </a:solidFill>
@@ -13959,8 +13817,8 @@
         </p:nvSpPr>
         <p:spPr>
           <a:xfrm>
-            <a:off x="5343696" y="3337067"/>
-            <a:ext cx="1279923" cy="354905"/>
+            <a:off x="5434703" y="3285646"/>
+            <a:ext cx="963157" cy="265269"/>
           </a:xfrm>
           <a:prstGeom prst="rect">
             <a:avLst/>
@@ -13999,7 +13857,7 @@
           <a:p>
             <a:pPr algn="ctr"/>
             <a:r>
-              <a:rPr lang="en-US" altLang="ko-KR" sz="1400" dirty="0">
+              <a:rPr lang="en-US" altLang="ko-KR" sz="1200" dirty="0">
                 <a:solidFill>
                   <a:schemeClr val="tx1"/>
                 </a:solidFill>
@@ -14007,7 +13865,7 @@
               </a:rPr>
               <a:t>Update</a:t>
             </a:r>
-            <a:endParaRPr lang="ko-KR" altLang="en-US" sz="1400" dirty="0">
+            <a:endParaRPr lang="ko-KR" altLang="en-US" sz="1200" dirty="0">
               <a:solidFill>
                 <a:schemeClr val="tx1"/>
               </a:solidFill>
@@ -14016,707 +13874,12 @@
           </a:p>
         </p:txBody>
       </p:sp>
-      <p:sp>
-        <p:nvSpPr>
-          <p:cNvPr id="61" name="직사각형 60">
-            <a:extLst>
-              <a:ext uri="{FF2B5EF4-FFF2-40B4-BE49-F238E27FC236}">
-                <a16:creationId xmlns:a16="http://schemas.microsoft.com/office/drawing/2014/main" id="{DCCA91A7-6A15-47C7-8098-000BE7783CBC}"/>
-              </a:ext>
-            </a:extLst>
-          </p:cNvPr>
-          <p:cNvSpPr/>
-          <p:nvPr/>
-        </p:nvSpPr>
-        <p:spPr>
-          <a:xfrm>
-            <a:off x="5343695" y="4375114"/>
-            <a:ext cx="2559847" cy="337369"/>
-          </a:xfrm>
-          <a:prstGeom prst="rect">
-            <a:avLst/>
-          </a:prstGeom>
-          <a:solidFill>
-            <a:schemeClr val="accent4">
-              <a:lumMod val="40000"/>
-              <a:lumOff val="60000"/>
-            </a:schemeClr>
-          </a:solidFill>
-          <a:ln>
-            <a:solidFill>
-              <a:schemeClr val="tx1"/>
-            </a:solidFill>
-          </a:ln>
-        </p:spPr>
-        <p:style>
-          <a:lnRef idx="2">
-            <a:schemeClr val="accent1">
-              <a:shade val="50000"/>
-            </a:schemeClr>
-          </a:lnRef>
-          <a:fillRef idx="1">
-            <a:schemeClr val="accent1"/>
-          </a:fillRef>
-          <a:effectRef idx="0">
-            <a:schemeClr val="accent1"/>
-          </a:effectRef>
-          <a:fontRef idx="minor">
-            <a:schemeClr val="lt1"/>
-          </a:fontRef>
-        </p:style>
-        <p:txBody>
-          <a:bodyPr rtlCol="0" anchor="ctr"/>
-          <a:lstStyle/>
-          <a:p>
-            <a:pPr algn="ctr"/>
-            <a:r>
-              <a:rPr lang="en-US" altLang="ko-KR" sz="1400" dirty="0">
-                <a:solidFill>
-                  <a:schemeClr val="tx1"/>
-                </a:solidFill>
-                <a:latin typeface="+mj-lt"/>
-              </a:rPr>
-              <a:t>                      Update</a:t>
-            </a:r>
-            <a:endParaRPr lang="ko-KR" altLang="en-US" sz="1400" dirty="0">
-              <a:solidFill>
-                <a:schemeClr val="tx1"/>
-              </a:solidFill>
-              <a:latin typeface="+mj-lt"/>
-            </a:endParaRPr>
-          </a:p>
-        </p:txBody>
-      </p:sp>
-      <p:sp>
-        <p:nvSpPr>
-          <p:cNvPr id="62" name="직사각형 61">
-            <a:extLst>
-              <a:ext uri="{FF2B5EF4-FFF2-40B4-BE49-F238E27FC236}">
-                <a16:creationId xmlns:a16="http://schemas.microsoft.com/office/drawing/2014/main" id="{E1902E0B-6E71-4A41-B239-0B481E1001EF}"/>
-              </a:ext>
-            </a:extLst>
-          </p:cNvPr>
-          <p:cNvSpPr/>
-          <p:nvPr/>
-        </p:nvSpPr>
-        <p:spPr>
-          <a:xfrm>
-            <a:off x="6928422" y="4037745"/>
-            <a:ext cx="2255038" cy="337369"/>
-          </a:xfrm>
-          <a:prstGeom prst="rect">
-            <a:avLst/>
-          </a:prstGeom>
-          <a:solidFill>
-            <a:schemeClr val="accent4">
-              <a:lumMod val="40000"/>
-              <a:lumOff val="60000"/>
-            </a:schemeClr>
-          </a:solidFill>
-          <a:ln>
-            <a:solidFill>
-              <a:schemeClr val="tx1"/>
-            </a:solidFill>
-          </a:ln>
-        </p:spPr>
-        <p:style>
-          <a:lnRef idx="2">
-            <a:schemeClr val="accent1">
-              <a:shade val="50000"/>
-            </a:schemeClr>
-          </a:lnRef>
-          <a:fillRef idx="1">
-            <a:schemeClr val="accent1"/>
-          </a:fillRef>
-          <a:effectRef idx="0">
-            <a:schemeClr val="accent1"/>
-          </a:effectRef>
-          <a:fontRef idx="minor">
-            <a:schemeClr val="lt1"/>
-          </a:fontRef>
-        </p:style>
-        <p:txBody>
-          <a:bodyPr rtlCol="0" anchor="ctr"/>
-          <a:lstStyle/>
-          <a:p>
-            <a:pPr algn="ctr"/>
-            <a:r>
-              <a:rPr lang="en-US" altLang="ko-KR" sz="1400" dirty="0">
-                <a:solidFill>
-                  <a:schemeClr val="tx1"/>
-                </a:solidFill>
-                <a:latin typeface="+mj-lt"/>
-              </a:rPr>
-              <a:t>               Update</a:t>
-            </a:r>
-            <a:endParaRPr lang="ko-KR" altLang="en-US" sz="1400" dirty="0">
-              <a:solidFill>
-                <a:schemeClr val="tx1"/>
-              </a:solidFill>
-              <a:latin typeface="+mj-lt"/>
-            </a:endParaRPr>
-          </a:p>
-        </p:txBody>
-      </p:sp>
-      <p:sp>
-        <p:nvSpPr>
-          <p:cNvPr id="63" name="직사각형 62">
-            <a:extLst>
-              <a:ext uri="{FF2B5EF4-FFF2-40B4-BE49-F238E27FC236}">
-                <a16:creationId xmlns:a16="http://schemas.microsoft.com/office/drawing/2014/main" id="{8E57079D-6BEB-4B1E-AE9B-071E81F895B9}"/>
-              </a:ext>
-            </a:extLst>
-          </p:cNvPr>
-          <p:cNvSpPr/>
-          <p:nvPr/>
-        </p:nvSpPr>
-        <p:spPr>
-          <a:xfrm>
-            <a:off x="5901129" y="3692484"/>
-            <a:ext cx="4562260" cy="350679"/>
-          </a:xfrm>
-          <a:prstGeom prst="rect">
-            <a:avLst/>
-          </a:prstGeom>
-          <a:solidFill>
-            <a:schemeClr val="accent4">
-              <a:lumMod val="40000"/>
-              <a:lumOff val="60000"/>
-            </a:schemeClr>
-          </a:solidFill>
-          <a:ln>
-            <a:solidFill>
-              <a:schemeClr val="tx1"/>
-            </a:solidFill>
-          </a:ln>
-        </p:spPr>
-        <p:style>
-          <a:lnRef idx="2">
-            <a:schemeClr val="accent1">
-              <a:shade val="50000"/>
-            </a:schemeClr>
-          </a:lnRef>
-          <a:fillRef idx="1">
-            <a:schemeClr val="accent1"/>
-          </a:fillRef>
-          <a:effectRef idx="0">
-            <a:schemeClr val="accent1"/>
-          </a:effectRef>
-          <a:fontRef idx="minor">
-            <a:schemeClr val="lt1"/>
-          </a:fontRef>
-        </p:style>
-        <p:txBody>
-          <a:bodyPr rtlCol="0" anchor="ctr"/>
-          <a:lstStyle/>
-          <a:p>
-            <a:pPr algn="ctr"/>
-            <a:r>
-              <a:rPr lang="en-US" altLang="ko-KR" sz="1400" dirty="0">
-                <a:solidFill>
-                  <a:schemeClr val="tx1"/>
-                </a:solidFill>
-                <a:latin typeface="+mj-lt"/>
-              </a:rPr>
-              <a:t>                                                    Update</a:t>
-            </a:r>
-            <a:endParaRPr lang="ko-KR" altLang="en-US" sz="1400" dirty="0">
-              <a:solidFill>
-                <a:schemeClr val="tx1"/>
-              </a:solidFill>
-              <a:latin typeface="+mj-lt"/>
-            </a:endParaRPr>
-          </a:p>
-        </p:txBody>
-      </p:sp>
-      <p:sp>
-        <p:nvSpPr>
-          <p:cNvPr id="64" name="직사각형 63">
-            <a:extLst>
-              <a:ext uri="{FF2B5EF4-FFF2-40B4-BE49-F238E27FC236}">
-                <a16:creationId xmlns:a16="http://schemas.microsoft.com/office/drawing/2014/main" id="{91832A3A-F3D8-4556-BB14-F899B93CD3A8}"/>
-              </a:ext>
-            </a:extLst>
-          </p:cNvPr>
-          <p:cNvSpPr/>
-          <p:nvPr/>
-        </p:nvSpPr>
-        <p:spPr>
-          <a:xfrm>
-            <a:off x="8460969" y="4383760"/>
-            <a:ext cx="3147899" cy="337369"/>
-          </a:xfrm>
-          <a:prstGeom prst="rect">
-            <a:avLst/>
-          </a:prstGeom>
-          <a:solidFill>
-            <a:schemeClr val="accent4">
-              <a:lumMod val="40000"/>
-              <a:lumOff val="60000"/>
-            </a:schemeClr>
-          </a:solidFill>
-          <a:ln>
-            <a:solidFill>
-              <a:schemeClr val="tx1"/>
-            </a:solidFill>
-          </a:ln>
-        </p:spPr>
-        <p:style>
-          <a:lnRef idx="2">
-            <a:schemeClr val="accent1">
-              <a:shade val="50000"/>
-            </a:schemeClr>
-          </a:lnRef>
-          <a:fillRef idx="1">
-            <a:schemeClr val="accent1"/>
-          </a:fillRef>
-          <a:effectRef idx="0">
-            <a:schemeClr val="accent1"/>
-          </a:effectRef>
-          <a:fontRef idx="minor">
-            <a:schemeClr val="lt1"/>
-          </a:fontRef>
-        </p:style>
-        <p:txBody>
-          <a:bodyPr rtlCol="0" anchor="ctr"/>
-          <a:lstStyle/>
-          <a:p>
-            <a:pPr algn="ctr"/>
-            <a:r>
-              <a:rPr lang="en-US" altLang="ko-KR" sz="1400" dirty="0">
-                <a:solidFill>
-                  <a:schemeClr val="tx1"/>
-                </a:solidFill>
-                <a:latin typeface="+mj-lt"/>
-              </a:rPr>
-              <a:t>                                Update</a:t>
-            </a:r>
-            <a:endParaRPr lang="ko-KR" altLang="en-US" sz="1400" dirty="0">
-              <a:solidFill>
-                <a:schemeClr val="tx1"/>
-              </a:solidFill>
-              <a:latin typeface="+mj-lt"/>
-            </a:endParaRPr>
-          </a:p>
-        </p:txBody>
-      </p:sp>
-      <p:sp>
-        <p:nvSpPr>
-          <p:cNvPr id="66" name="직사각형 65">
-            <a:extLst>
-              <a:ext uri="{FF2B5EF4-FFF2-40B4-BE49-F238E27FC236}">
-                <a16:creationId xmlns:a16="http://schemas.microsoft.com/office/drawing/2014/main" id="{1251C93F-2FB5-4A56-A982-D35EEE9BA89F}"/>
-              </a:ext>
-            </a:extLst>
-          </p:cNvPr>
-          <p:cNvSpPr/>
-          <p:nvPr/>
-        </p:nvSpPr>
-        <p:spPr>
-          <a:xfrm>
-            <a:off x="8235194" y="3341610"/>
-            <a:ext cx="4653594" cy="346014"/>
-          </a:xfrm>
-          <a:prstGeom prst="rect">
-            <a:avLst/>
-          </a:prstGeom>
-          <a:solidFill>
-            <a:schemeClr val="accent4">
-              <a:lumMod val="40000"/>
-              <a:lumOff val="60000"/>
-            </a:schemeClr>
-          </a:solidFill>
-          <a:ln>
-            <a:solidFill>
-              <a:schemeClr val="tx1"/>
-            </a:solidFill>
-          </a:ln>
-        </p:spPr>
-        <p:style>
-          <a:lnRef idx="2">
-            <a:schemeClr val="accent1">
-              <a:shade val="50000"/>
-            </a:schemeClr>
-          </a:lnRef>
-          <a:fillRef idx="1">
-            <a:schemeClr val="accent1"/>
-          </a:fillRef>
-          <a:effectRef idx="0">
-            <a:schemeClr val="accent1"/>
-          </a:effectRef>
-          <a:fontRef idx="minor">
-            <a:schemeClr val="lt1"/>
-          </a:fontRef>
-        </p:style>
-        <p:txBody>
-          <a:bodyPr rtlCol="0" anchor="ctr"/>
-          <a:lstStyle/>
-          <a:p>
-            <a:pPr algn="ctr"/>
-            <a:r>
-              <a:rPr lang="en-US" altLang="ko-KR" sz="1400" dirty="0">
-                <a:solidFill>
-                  <a:schemeClr val="tx1"/>
-                </a:solidFill>
-                <a:latin typeface="+mj-lt"/>
-              </a:rPr>
-              <a:t>                                                        Update</a:t>
-            </a:r>
-            <a:endParaRPr lang="ko-KR" altLang="en-US" sz="1400" dirty="0">
-              <a:solidFill>
-                <a:schemeClr val="tx1"/>
-              </a:solidFill>
-              <a:latin typeface="+mj-lt"/>
-            </a:endParaRPr>
-          </a:p>
-        </p:txBody>
-      </p:sp>
-      <p:sp>
-        <p:nvSpPr>
-          <p:cNvPr id="68" name="직사각형 67">
-            <a:extLst>
-              <a:ext uri="{FF2B5EF4-FFF2-40B4-BE49-F238E27FC236}">
-                <a16:creationId xmlns:a16="http://schemas.microsoft.com/office/drawing/2014/main" id="{5114870F-B3EE-4908-BAC3-4F3CF33B0768}"/>
-              </a:ext>
-            </a:extLst>
-          </p:cNvPr>
-          <p:cNvSpPr/>
-          <p:nvPr/>
-        </p:nvSpPr>
-        <p:spPr>
-          <a:xfrm>
-            <a:off x="5343694" y="4380531"/>
-            <a:ext cx="1279923" cy="340597"/>
-          </a:xfrm>
-          <a:prstGeom prst="rect">
-            <a:avLst/>
-          </a:prstGeom>
-          <a:solidFill>
-            <a:srgbClr val="FF0000">
-              <a:alpha val="20000"/>
-            </a:srgbClr>
-          </a:solidFill>
-          <a:ln>
-            <a:noFill/>
-          </a:ln>
-        </p:spPr>
-        <p:style>
-          <a:lnRef idx="2">
-            <a:schemeClr val="accent1">
-              <a:shade val="50000"/>
-            </a:schemeClr>
-          </a:lnRef>
-          <a:fillRef idx="1">
-            <a:schemeClr val="accent1"/>
-          </a:fillRef>
-          <a:effectRef idx="0">
-            <a:schemeClr val="accent1"/>
-          </a:effectRef>
-          <a:fontRef idx="minor">
-            <a:schemeClr val="lt1"/>
-          </a:fontRef>
-        </p:style>
-        <p:txBody>
-          <a:bodyPr rtlCol="0" anchor="ctr"/>
-          <a:lstStyle/>
-          <a:p>
-            <a:pPr algn="ctr"/>
-            <a:r>
-              <a:rPr lang="en-US" altLang="ko-KR" sz="1400" dirty="0">
-                <a:solidFill>
-                  <a:schemeClr val="tx1"/>
-                </a:solidFill>
-                <a:latin typeface="+mj-lt"/>
-              </a:rPr>
-              <a:t>Lock</a:t>
-            </a:r>
-            <a:endParaRPr lang="ko-KR" altLang="en-US" sz="1400" dirty="0">
-              <a:solidFill>
-                <a:schemeClr val="tx1"/>
-              </a:solidFill>
-              <a:latin typeface="+mj-lt"/>
-            </a:endParaRPr>
-          </a:p>
-        </p:txBody>
-      </p:sp>
-      <p:sp>
-        <p:nvSpPr>
-          <p:cNvPr id="73" name="직사각형 72">
-            <a:extLst>
-              <a:ext uri="{FF2B5EF4-FFF2-40B4-BE49-F238E27FC236}">
-                <a16:creationId xmlns:a16="http://schemas.microsoft.com/office/drawing/2014/main" id="{0D37A401-AD93-4E05-BD2F-AF8900102C41}"/>
-              </a:ext>
-            </a:extLst>
-          </p:cNvPr>
-          <p:cNvSpPr/>
-          <p:nvPr/>
-        </p:nvSpPr>
-        <p:spPr>
-          <a:xfrm>
-            <a:off x="6928415" y="4054965"/>
-            <a:ext cx="975127" cy="337369"/>
-          </a:xfrm>
-          <a:prstGeom prst="rect">
-            <a:avLst/>
-          </a:prstGeom>
-          <a:solidFill>
-            <a:srgbClr val="FF0000">
-              <a:alpha val="20000"/>
-            </a:srgbClr>
-          </a:solidFill>
-          <a:ln>
-            <a:noFill/>
-          </a:ln>
-        </p:spPr>
-        <p:style>
-          <a:lnRef idx="2">
-            <a:schemeClr val="accent1">
-              <a:shade val="50000"/>
-            </a:schemeClr>
-          </a:lnRef>
-          <a:fillRef idx="1">
-            <a:schemeClr val="accent1"/>
-          </a:fillRef>
-          <a:effectRef idx="0">
-            <a:schemeClr val="accent1"/>
-          </a:effectRef>
-          <a:fontRef idx="minor">
-            <a:schemeClr val="lt1"/>
-          </a:fontRef>
-        </p:style>
-        <p:txBody>
-          <a:bodyPr rtlCol="0" anchor="ctr"/>
-          <a:lstStyle/>
-          <a:p>
-            <a:pPr algn="ctr"/>
-            <a:r>
-              <a:rPr lang="en-US" altLang="ko-KR" sz="1400" dirty="0">
-                <a:solidFill>
-                  <a:schemeClr val="tx1"/>
-                </a:solidFill>
-                <a:latin typeface="+mj-lt"/>
-              </a:rPr>
-              <a:t>Lock</a:t>
-            </a:r>
-            <a:endParaRPr lang="ko-KR" altLang="en-US" sz="1400" dirty="0">
-              <a:solidFill>
-                <a:schemeClr val="tx1"/>
-              </a:solidFill>
-              <a:latin typeface="+mj-lt"/>
-            </a:endParaRPr>
-          </a:p>
-        </p:txBody>
-      </p:sp>
-      <p:sp>
-        <p:nvSpPr>
-          <p:cNvPr id="75" name="직사각형 74">
-            <a:extLst>
-              <a:ext uri="{FF2B5EF4-FFF2-40B4-BE49-F238E27FC236}">
-                <a16:creationId xmlns:a16="http://schemas.microsoft.com/office/drawing/2014/main" id="{CB903B88-2B70-4D40-A0EC-4740CECFC4EF}"/>
-              </a:ext>
-            </a:extLst>
-          </p:cNvPr>
-          <p:cNvSpPr/>
-          <p:nvPr/>
-        </p:nvSpPr>
-        <p:spPr>
-          <a:xfrm>
-            <a:off x="5898096" y="3702169"/>
-            <a:ext cx="3285364" cy="346015"/>
-          </a:xfrm>
-          <a:prstGeom prst="rect">
-            <a:avLst/>
-          </a:prstGeom>
-          <a:solidFill>
-            <a:srgbClr val="FF0000">
-              <a:alpha val="20000"/>
-            </a:srgbClr>
-          </a:solidFill>
-          <a:ln>
-            <a:noFill/>
-          </a:ln>
-        </p:spPr>
-        <p:style>
-          <a:lnRef idx="2">
-            <a:schemeClr val="accent1">
-              <a:shade val="50000"/>
-            </a:schemeClr>
-          </a:lnRef>
-          <a:fillRef idx="1">
-            <a:schemeClr val="accent1"/>
-          </a:fillRef>
-          <a:effectRef idx="0">
-            <a:schemeClr val="accent1"/>
-          </a:effectRef>
-          <a:fontRef idx="minor">
-            <a:schemeClr val="lt1"/>
-          </a:fontRef>
-        </p:style>
-        <p:txBody>
-          <a:bodyPr rtlCol="0" anchor="ctr"/>
-          <a:lstStyle/>
-          <a:p>
-            <a:pPr algn="ctr"/>
-            <a:r>
-              <a:rPr lang="en-US" altLang="ko-KR" sz="1400" dirty="0">
-                <a:solidFill>
-                  <a:schemeClr val="tx1"/>
-                </a:solidFill>
-                <a:latin typeface="+mj-lt"/>
-              </a:rPr>
-              <a:t>Lock</a:t>
-            </a:r>
-            <a:endParaRPr lang="ko-KR" altLang="en-US" sz="1400" dirty="0">
-              <a:solidFill>
-                <a:schemeClr val="tx1"/>
-              </a:solidFill>
-              <a:latin typeface="+mj-lt"/>
-            </a:endParaRPr>
-          </a:p>
-        </p:txBody>
-      </p:sp>
-      <p:sp>
-        <p:nvSpPr>
-          <p:cNvPr id="76" name="직사각형 75">
-            <a:extLst>
-              <a:ext uri="{FF2B5EF4-FFF2-40B4-BE49-F238E27FC236}">
-                <a16:creationId xmlns:a16="http://schemas.microsoft.com/office/drawing/2014/main" id="{97CA8293-EE96-4E5F-BD5B-1AD4DC7E0D4D}"/>
-              </a:ext>
-            </a:extLst>
-          </p:cNvPr>
-          <p:cNvSpPr/>
-          <p:nvPr/>
-        </p:nvSpPr>
-        <p:spPr>
-          <a:xfrm>
-            <a:off x="8232156" y="3350812"/>
-            <a:ext cx="3376711" cy="346014"/>
-          </a:xfrm>
-          <a:prstGeom prst="rect">
-            <a:avLst/>
-          </a:prstGeom>
-          <a:solidFill>
-            <a:srgbClr val="FF0000">
-              <a:alpha val="20000"/>
-            </a:srgbClr>
-          </a:solidFill>
-          <a:ln>
-            <a:noFill/>
-          </a:ln>
-        </p:spPr>
-        <p:style>
-          <a:lnRef idx="2">
-            <a:schemeClr val="accent1">
-              <a:shade val="50000"/>
-            </a:schemeClr>
-          </a:lnRef>
-          <a:fillRef idx="1">
-            <a:schemeClr val="accent1"/>
-          </a:fillRef>
-          <a:effectRef idx="0">
-            <a:schemeClr val="accent1"/>
-          </a:effectRef>
-          <a:fontRef idx="minor">
-            <a:schemeClr val="lt1"/>
-          </a:fontRef>
-        </p:style>
-        <p:txBody>
-          <a:bodyPr rtlCol="0" anchor="ctr"/>
-          <a:lstStyle/>
-          <a:p>
-            <a:pPr algn="ctr"/>
-            <a:r>
-              <a:rPr lang="en-US" altLang="ko-KR" sz="1400" dirty="0">
-                <a:solidFill>
-                  <a:schemeClr val="tx1"/>
-                </a:solidFill>
-                <a:latin typeface="+mj-lt"/>
-              </a:rPr>
-              <a:t>Lock</a:t>
-            </a:r>
-            <a:endParaRPr lang="ko-KR" altLang="en-US" sz="1400" dirty="0">
-              <a:solidFill>
-                <a:schemeClr val="tx1"/>
-              </a:solidFill>
-              <a:latin typeface="+mj-lt"/>
-            </a:endParaRPr>
-          </a:p>
-        </p:txBody>
-      </p:sp>
-      <p:sp>
-        <p:nvSpPr>
-          <p:cNvPr id="77" name="직사각형 76">
-            <a:extLst>
-              <a:ext uri="{FF2B5EF4-FFF2-40B4-BE49-F238E27FC236}">
-                <a16:creationId xmlns:a16="http://schemas.microsoft.com/office/drawing/2014/main" id="{BB95C1EC-8648-400C-A419-0F1346C18BEA}"/>
-              </a:ext>
-            </a:extLst>
-          </p:cNvPr>
-          <p:cNvSpPr/>
-          <p:nvPr/>
-        </p:nvSpPr>
-        <p:spPr>
-          <a:xfrm>
-            <a:off x="8462242" y="4388687"/>
-            <a:ext cx="2001147" cy="337369"/>
-          </a:xfrm>
-          <a:prstGeom prst="rect">
-            <a:avLst/>
-          </a:prstGeom>
-          <a:solidFill>
-            <a:srgbClr val="FF0000">
-              <a:alpha val="20000"/>
-            </a:srgbClr>
-          </a:solidFill>
-          <a:ln>
-            <a:noFill/>
-          </a:ln>
-        </p:spPr>
-        <p:style>
-          <a:lnRef idx="2">
-            <a:schemeClr val="accent1">
-              <a:shade val="50000"/>
-            </a:schemeClr>
-          </a:lnRef>
-          <a:fillRef idx="1">
-            <a:schemeClr val="accent1"/>
-          </a:fillRef>
-          <a:effectRef idx="0">
-            <a:schemeClr val="accent1"/>
-          </a:effectRef>
-          <a:fontRef idx="minor">
-            <a:schemeClr val="lt1"/>
-          </a:fontRef>
-        </p:style>
-        <p:txBody>
-          <a:bodyPr rtlCol="0" anchor="ctr"/>
-          <a:lstStyle/>
-          <a:p>
-            <a:pPr algn="ctr"/>
-            <a:r>
-              <a:rPr lang="en-US" altLang="ko-KR" sz="1400" dirty="0">
-                <a:solidFill>
-                  <a:schemeClr val="tx1"/>
-                </a:solidFill>
-                <a:latin typeface="+mj-lt"/>
-              </a:rPr>
-              <a:t>Lock</a:t>
-            </a:r>
-            <a:endParaRPr lang="ko-KR" altLang="en-US" sz="1400" dirty="0">
-              <a:solidFill>
-                <a:schemeClr val="tx1"/>
-              </a:solidFill>
-              <a:latin typeface="+mj-lt"/>
-            </a:endParaRPr>
-          </a:p>
-        </p:txBody>
-      </p:sp>
       <p:grpSp>
         <p:nvGrpSpPr>
-          <p:cNvPr id="109" name="그룹 108">
-            <a:extLst>
-              <a:ext uri="{FF2B5EF4-FFF2-40B4-BE49-F238E27FC236}">
-                <a16:creationId xmlns:a16="http://schemas.microsoft.com/office/drawing/2014/main" id="{40F72BD2-5859-4074-B64C-D4B76EACE3CB}"/>
+          <p:cNvPr id="11" name="그룹 10">
+            <a:extLst>
+              <a:ext uri="{FF2B5EF4-FFF2-40B4-BE49-F238E27FC236}">
+                <a16:creationId xmlns:a16="http://schemas.microsoft.com/office/drawing/2014/main" id="{F24C1DCF-4EAB-4F6D-A9B8-70792FFFED19}"/>
               </a:ext>
             </a:extLst>
           </p:cNvPr>
@@ -14725,8 +13888,808 @@
         </p:nvGrpSpPr>
         <p:grpSpPr>
           <a:xfrm>
-            <a:off x="4165059" y="5216235"/>
-            <a:ext cx="1178643" cy="1384061"/>
+            <a:off x="5434703" y="4063156"/>
+            <a:ext cx="1942010" cy="265268"/>
+            <a:chOff x="5343694" y="4460321"/>
+            <a:chExt cx="2484200" cy="260807"/>
+          </a:xfrm>
+        </p:grpSpPr>
+        <p:sp>
+          <p:nvSpPr>
+            <p:cNvPr id="61" name="직사각형 60">
+              <a:extLst>
+                <a:ext uri="{FF2B5EF4-FFF2-40B4-BE49-F238E27FC236}">
+                  <a16:creationId xmlns:a16="http://schemas.microsoft.com/office/drawing/2014/main" id="{DCCA91A7-6A15-47C7-8098-000BE7783CBC}"/>
+                </a:ext>
+              </a:extLst>
+            </p:cNvPr>
+            <p:cNvSpPr/>
+            <p:nvPr/>
+          </p:nvSpPr>
+          <p:spPr>
+            <a:xfrm>
+              <a:off x="5343695" y="4460321"/>
+              <a:ext cx="2484199" cy="252162"/>
+            </a:xfrm>
+            <a:prstGeom prst="rect">
+              <a:avLst/>
+            </a:prstGeom>
+            <a:solidFill>
+              <a:schemeClr val="accent4">
+                <a:lumMod val="40000"/>
+                <a:lumOff val="60000"/>
+              </a:schemeClr>
+            </a:solidFill>
+            <a:ln>
+              <a:solidFill>
+                <a:schemeClr val="tx1"/>
+              </a:solidFill>
+            </a:ln>
+          </p:spPr>
+          <p:style>
+            <a:lnRef idx="2">
+              <a:schemeClr val="accent1">
+                <a:shade val="50000"/>
+              </a:schemeClr>
+            </a:lnRef>
+            <a:fillRef idx="1">
+              <a:schemeClr val="accent1"/>
+            </a:fillRef>
+            <a:effectRef idx="0">
+              <a:schemeClr val="accent1"/>
+            </a:effectRef>
+            <a:fontRef idx="minor">
+              <a:schemeClr val="lt1"/>
+            </a:fontRef>
+          </p:style>
+          <p:txBody>
+            <a:bodyPr rtlCol="0" anchor="ctr"/>
+            <a:lstStyle/>
+            <a:p>
+              <a:pPr algn="ctr"/>
+              <a:r>
+                <a:rPr lang="en-US" altLang="ko-KR" sz="1200" dirty="0">
+                  <a:solidFill>
+                    <a:schemeClr val="tx1"/>
+                  </a:solidFill>
+                  <a:latin typeface="+mj-lt"/>
+                </a:rPr>
+                <a:t>                   Update</a:t>
+              </a:r>
+              <a:endParaRPr lang="ko-KR" altLang="en-US" sz="1200" dirty="0">
+                <a:solidFill>
+                  <a:schemeClr val="tx1"/>
+                </a:solidFill>
+                <a:latin typeface="+mj-lt"/>
+              </a:endParaRPr>
+            </a:p>
+          </p:txBody>
+        </p:sp>
+        <p:sp>
+          <p:nvSpPr>
+            <p:cNvPr id="68" name="직사각형 67">
+              <a:extLst>
+                <a:ext uri="{FF2B5EF4-FFF2-40B4-BE49-F238E27FC236}">
+                  <a16:creationId xmlns:a16="http://schemas.microsoft.com/office/drawing/2014/main" id="{5114870F-B3EE-4908-BAC3-4F3CF33B0768}"/>
+                </a:ext>
+              </a:extLst>
+            </p:cNvPr>
+            <p:cNvSpPr/>
+            <p:nvPr/>
+          </p:nvSpPr>
+          <p:spPr>
+            <a:xfrm>
+              <a:off x="5343694" y="4466553"/>
+              <a:ext cx="1242099" cy="254575"/>
+            </a:xfrm>
+            <a:prstGeom prst="rect">
+              <a:avLst/>
+            </a:prstGeom>
+            <a:solidFill>
+              <a:srgbClr val="FF0000">
+                <a:alpha val="20000"/>
+              </a:srgbClr>
+            </a:solidFill>
+            <a:ln>
+              <a:noFill/>
+            </a:ln>
+          </p:spPr>
+          <p:style>
+            <a:lnRef idx="2">
+              <a:schemeClr val="accent1">
+                <a:shade val="50000"/>
+              </a:schemeClr>
+            </a:lnRef>
+            <a:fillRef idx="1">
+              <a:schemeClr val="accent1"/>
+            </a:fillRef>
+            <a:effectRef idx="0">
+              <a:schemeClr val="accent1"/>
+            </a:effectRef>
+            <a:fontRef idx="minor">
+              <a:schemeClr val="lt1"/>
+            </a:fontRef>
+          </p:style>
+          <p:txBody>
+            <a:bodyPr rtlCol="0" anchor="ctr"/>
+            <a:lstStyle/>
+            <a:p>
+              <a:pPr algn="ctr"/>
+              <a:r>
+                <a:rPr lang="en-US" altLang="ko-KR" sz="1200" dirty="0">
+                  <a:solidFill>
+                    <a:schemeClr val="tx1"/>
+                  </a:solidFill>
+                  <a:latin typeface="+mj-lt"/>
+                </a:rPr>
+                <a:t>Lock</a:t>
+              </a:r>
+              <a:endParaRPr lang="ko-KR" altLang="en-US" sz="1200" dirty="0">
+                <a:solidFill>
+                  <a:schemeClr val="tx1"/>
+                </a:solidFill>
+                <a:latin typeface="+mj-lt"/>
+              </a:endParaRPr>
+            </a:p>
+          </p:txBody>
+        </p:sp>
+      </p:grpSp>
+      <p:grpSp>
+        <p:nvGrpSpPr>
+          <p:cNvPr id="10" name="그룹 9">
+            <a:extLst>
+              <a:ext uri="{FF2B5EF4-FFF2-40B4-BE49-F238E27FC236}">
+                <a16:creationId xmlns:a16="http://schemas.microsoft.com/office/drawing/2014/main" id="{508D6F7A-678E-4903-9DAF-30547DFDF2A2}"/>
+              </a:ext>
+            </a:extLst>
+          </p:cNvPr>
+          <p:cNvGrpSpPr/>
+          <p:nvPr/>
+        </p:nvGrpSpPr>
+        <p:grpSpPr>
+          <a:xfrm>
+            <a:off x="6690232" y="3806615"/>
+            <a:ext cx="1608695" cy="252612"/>
+            <a:chOff x="6928421" y="4122952"/>
+            <a:chExt cx="2188399" cy="252612"/>
+          </a:xfrm>
+        </p:grpSpPr>
+        <p:sp>
+          <p:nvSpPr>
+            <p:cNvPr id="62" name="직사각형 61">
+              <a:extLst>
+                <a:ext uri="{FF2B5EF4-FFF2-40B4-BE49-F238E27FC236}">
+                  <a16:creationId xmlns:a16="http://schemas.microsoft.com/office/drawing/2014/main" id="{E1902E0B-6E71-4A41-B239-0B481E1001EF}"/>
+                </a:ext>
+              </a:extLst>
+            </p:cNvPr>
+            <p:cNvSpPr/>
+            <p:nvPr/>
+          </p:nvSpPr>
+          <p:spPr>
+            <a:xfrm>
+              <a:off x="6928422" y="4122952"/>
+              <a:ext cx="2188398" cy="252162"/>
+            </a:xfrm>
+            <a:prstGeom prst="rect">
+              <a:avLst/>
+            </a:prstGeom>
+            <a:solidFill>
+              <a:schemeClr val="accent4">
+                <a:lumMod val="40000"/>
+                <a:lumOff val="60000"/>
+              </a:schemeClr>
+            </a:solidFill>
+            <a:ln>
+              <a:solidFill>
+                <a:schemeClr val="tx1"/>
+              </a:solidFill>
+            </a:ln>
+          </p:spPr>
+          <p:style>
+            <a:lnRef idx="2">
+              <a:schemeClr val="accent1">
+                <a:shade val="50000"/>
+              </a:schemeClr>
+            </a:lnRef>
+            <a:fillRef idx="1">
+              <a:schemeClr val="accent1"/>
+            </a:fillRef>
+            <a:effectRef idx="0">
+              <a:schemeClr val="accent1"/>
+            </a:effectRef>
+            <a:fontRef idx="minor">
+              <a:schemeClr val="lt1"/>
+            </a:fontRef>
+          </p:style>
+          <p:txBody>
+            <a:bodyPr rtlCol="0" anchor="ctr"/>
+            <a:lstStyle/>
+            <a:p>
+              <a:pPr algn="ctr"/>
+              <a:r>
+                <a:rPr lang="en-US" altLang="ko-KR" sz="1200" dirty="0">
+                  <a:solidFill>
+                    <a:schemeClr val="tx1"/>
+                  </a:solidFill>
+                  <a:latin typeface="+mj-lt"/>
+                </a:rPr>
+                <a:t>              Update</a:t>
+              </a:r>
+              <a:endParaRPr lang="ko-KR" altLang="en-US" sz="1200" dirty="0">
+                <a:solidFill>
+                  <a:schemeClr val="tx1"/>
+                </a:solidFill>
+                <a:latin typeface="+mj-lt"/>
+              </a:endParaRPr>
+            </a:p>
+          </p:txBody>
+        </p:sp>
+        <p:sp>
+          <p:nvSpPr>
+            <p:cNvPr id="73" name="직사각형 72">
+              <a:extLst>
+                <a:ext uri="{FF2B5EF4-FFF2-40B4-BE49-F238E27FC236}">
+                  <a16:creationId xmlns:a16="http://schemas.microsoft.com/office/drawing/2014/main" id="{0D37A401-AD93-4E05-BD2F-AF8900102C41}"/>
+                </a:ext>
+              </a:extLst>
+            </p:cNvPr>
+            <p:cNvSpPr/>
+            <p:nvPr/>
+          </p:nvSpPr>
+          <p:spPr>
+            <a:xfrm>
+              <a:off x="6928421" y="4123402"/>
+              <a:ext cx="933859" cy="252162"/>
+            </a:xfrm>
+            <a:prstGeom prst="rect">
+              <a:avLst/>
+            </a:prstGeom>
+            <a:solidFill>
+              <a:srgbClr val="FF0000">
+                <a:alpha val="20000"/>
+              </a:srgbClr>
+            </a:solidFill>
+            <a:ln>
+              <a:noFill/>
+            </a:ln>
+          </p:spPr>
+          <p:style>
+            <a:lnRef idx="2">
+              <a:schemeClr val="accent1">
+                <a:shade val="50000"/>
+              </a:schemeClr>
+            </a:lnRef>
+            <a:fillRef idx="1">
+              <a:schemeClr val="accent1"/>
+            </a:fillRef>
+            <a:effectRef idx="0">
+              <a:schemeClr val="accent1"/>
+            </a:effectRef>
+            <a:fontRef idx="minor">
+              <a:schemeClr val="lt1"/>
+            </a:fontRef>
+          </p:style>
+          <p:txBody>
+            <a:bodyPr rtlCol="0" anchor="ctr"/>
+            <a:lstStyle/>
+            <a:p>
+              <a:pPr algn="ctr"/>
+              <a:r>
+                <a:rPr lang="en-US" altLang="ko-KR" sz="1200" dirty="0">
+                  <a:solidFill>
+                    <a:schemeClr val="tx1"/>
+                  </a:solidFill>
+                  <a:latin typeface="+mj-lt"/>
+                </a:rPr>
+                <a:t>Lock</a:t>
+              </a:r>
+              <a:endParaRPr lang="ko-KR" altLang="en-US" sz="1200" dirty="0">
+                <a:solidFill>
+                  <a:schemeClr val="tx1"/>
+                </a:solidFill>
+                <a:latin typeface="+mj-lt"/>
+              </a:endParaRPr>
+            </a:p>
+          </p:txBody>
+        </p:sp>
+      </p:grpSp>
+      <p:grpSp>
+        <p:nvGrpSpPr>
+          <p:cNvPr id="9" name="그룹 8">
+            <a:extLst>
+              <a:ext uri="{FF2B5EF4-FFF2-40B4-BE49-F238E27FC236}">
+                <a16:creationId xmlns:a16="http://schemas.microsoft.com/office/drawing/2014/main" id="{2C492ACE-803E-406B-8C76-A19B1588FD98}"/>
+              </a:ext>
+            </a:extLst>
+          </p:cNvPr>
+          <p:cNvGrpSpPr/>
+          <p:nvPr/>
+        </p:nvGrpSpPr>
+        <p:grpSpPr>
+          <a:xfrm>
+            <a:off x="6245298" y="3549798"/>
+            <a:ext cx="3068936" cy="267132"/>
+            <a:chOff x="5898096" y="3781052"/>
+            <a:chExt cx="3737834" cy="267132"/>
+          </a:xfrm>
+        </p:grpSpPr>
+        <p:sp>
+          <p:nvSpPr>
+            <p:cNvPr id="63" name="직사각형 62">
+              <a:extLst>
+                <a:ext uri="{FF2B5EF4-FFF2-40B4-BE49-F238E27FC236}">
+                  <a16:creationId xmlns:a16="http://schemas.microsoft.com/office/drawing/2014/main" id="{8E57079D-6BEB-4B1E-AE9B-071E81F895B9}"/>
+                </a:ext>
+              </a:extLst>
+            </p:cNvPr>
+            <p:cNvSpPr/>
+            <p:nvPr/>
+          </p:nvSpPr>
+          <p:spPr>
+            <a:xfrm>
+              <a:off x="5901130" y="3781052"/>
+              <a:ext cx="3734800" cy="262111"/>
+            </a:xfrm>
+            <a:prstGeom prst="rect">
+              <a:avLst/>
+            </a:prstGeom>
+            <a:solidFill>
+              <a:schemeClr val="accent4">
+                <a:lumMod val="40000"/>
+                <a:lumOff val="60000"/>
+              </a:schemeClr>
+            </a:solidFill>
+            <a:ln>
+              <a:solidFill>
+                <a:schemeClr val="tx1"/>
+              </a:solidFill>
+            </a:ln>
+          </p:spPr>
+          <p:style>
+            <a:lnRef idx="2">
+              <a:schemeClr val="accent1">
+                <a:shade val="50000"/>
+              </a:schemeClr>
+            </a:lnRef>
+            <a:fillRef idx="1">
+              <a:schemeClr val="accent1"/>
+            </a:fillRef>
+            <a:effectRef idx="0">
+              <a:schemeClr val="accent1"/>
+            </a:effectRef>
+            <a:fontRef idx="minor">
+              <a:schemeClr val="lt1"/>
+            </a:fontRef>
+          </p:style>
+          <p:txBody>
+            <a:bodyPr rtlCol="0" anchor="ctr"/>
+            <a:lstStyle/>
+            <a:p>
+              <a:pPr algn="ctr"/>
+              <a:r>
+                <a:rPr lang="en-US" altLang="ko-KR" sz="1200" dirty="0">
+                  <a:solidFill>
+                    <a:schemeClr val="tx1"/>
+                  </a:solidFill>
+                  <a:latin typeface="+mj-lt"/>
+                </a:rPr>
+                <a:t>                                       Update</a:t>
+              </a:r>
+              <a:endParaRPr lang="ko-KR" altLang="en-US" sz="1200" dirty="0">
+                <a:solidFill>
+                  <a:schemeClr val="tx1"/>
+                </a:solidFill>
+                <a:latin typeface="+mj-lt"/>
+              </a:endParaRPr>
+            </a:p>
+          </p:txBody>
+        </p:sp>
+        <p:sp>
+          <p:nvSpPr>
+            <p:cNvPr id="75" name="직사각형 74">
+              <a:extLst>
+                <a:ext uri="{FF2B5EF4-FFF2-40B4-BE49-F238E27FC236}">
+                  <a16:creationId xmlns:a16="http://schemas.microsoft.com/office/drawing/2014/main" id="{CB903B88-2B70-4D40-A0EC-4740CECFC4EF}"/>
+                </a:ext>
+              </a:extLst>
+            </p:cNvPr>
+            <p:cNvSpPr/>
+            <p:nvPr/>
+          </p:nvSpPr>
+          <p:spPr>
+            <a:xfrm>
+              <a:off x="5898096" y="3789559"/>
+              <a:ext cx="2498179" cy="258625"/>
+            </a:xfrm>
+            <a:prstGeom prst="rect">
+              <a:avLst/>
+            </a:prstGeom>
+            <a:solidFill>
+              <a:srgbClr val="FF0000">
+                <a:alpha val="20000"/>
+              </a:srgbClr>
+            </a:solidFill>
+            <a:ln>
+              <a:noFill/>
+            </a:ln>
+          </p:spPr>
+          <p:style>
+            <a:lnRef idx="2">
+              <a:schemeClr val="accent1">
+                <a:shade val="50000"/>
+              </a:schemeClr>
+            </a:lnRef>
+            <a:fillRef idx="1">
+              <a:schemeClr val="accent1"/>
+            </a:fillRef>
+            <a:effectRef idx="0">
+              <a:schemeClr val="accent1"/>
+            </a:effectRef>
+            <a:fontRef idx="minor">
+              <a:schemeClr val="lt1"/>
+            </a:fontRef>
+          </p:style>
+          <p:txBody>
+            <a:bodyPr rtlCol="0" anchor="ctr"/>
+            <a:lstStyle/>
+            <a:p>
+              <a:pPr algn="ctr"/>
+              <a:r>
+                <a:rPr lang="en-US" altLang="ko-KR" sz="1200" dirty="0">
+                  <a:solidFill>
+                    <a:schemeClr val="tx1"/>
+                  </a:solidFill>
+                  <a:latin typeface="+mj-lt"/>
+                </a:rPr>
+                <a:t>Lock</a:t>
+              </a:r>
+              <a:endParaRPr lang="ko-KR" altLang="en-US" sz="1200" dirty="0">
+                <a:solidFill>
+                  <a:schemeClr val="tx1"/>
+                </a:solidFill>
+                <a:latin typeface="+mj-lt"/>
+              </a:endParaRPr>
+            </a:p>
+          </p:txBody>
+        </p:sp>
+      </p:grpSp>
+      <p:grpSp>
+        <p:nvGrpSpPr>
+          <p:cNvPr id="8" name="그룹 7">
+            <a:extLst>
+              <a:ext uri="{FF2B5EF4-FFF2-40B4-BE49-F238E27FC236}">
+                <a16:creationId xmlns:a16="http://schemas.microsoft.com/office/drawing/2014/main" id="{D2397895-EA44-46DB-9451-A7B7C6BB9AC8}"/>
+              </a:ext>
+            </a:extLst>
+          </p:cNvPr>
+          <p:cNvGrpSpPr/>
+          <p:nvPr/>
+        </p:nvGrpSpPr>
+        <p:grpSpPr>
+          <a:xfrm>
+            <a:off x="7133562" y="3286152"/>
+            <a:ext cx="4033081" cy="267826"/>
+            <a:chOff x="8232156" y="3429000"/>
+            <a:chExt cx="4519110" cy="267826"/>
+          </a:xfrm>
+        </p:grpSpPr>
+        <p:sp>
+          <p:nvSpPr>
+            <p:cNvPr id="66" name="직사각형 65">
+              <a:extLst>
+                <a:ext uri="{FF2B5EF4-FFF2-40B4-BE49-F238E27FC236}">
+                  <a16:creationId xmlns:a16="http://schemas.microsoft.com/office/drawing/2014/main" id="{1251C93F-2FB5-4A56-A982-D35EEE9BA89F}"/>
+                </a:ext>
+              </a:extLst>
+            </p:cNvPr>
+            <p:cNvSpPr/>
+            <p:nvPr/>
+          </p:nvSpPr>
+          <p:spPr>
+            <a:xfrm>
+              <a:off x="8235194" y="3429000"/>
+              <a:ext cx="4516072" cy="258624"/>
+            </a:xfrm>
+            <a:prstGeom prst="rect">
+              <a:avLst/>
+            </a:prstGeom>
+            <a:solidFill>
+              <a:schemeClr val="accent4">
+                <a:lumMod val="40000"/>
+                <a:lumOff val="60000"/>
+              </a:schemeClr>
+            </a:solidFill>
+            <a:ln>
+              <a:solidFill>
+                <a:schemeClr val="tx1"/>
+              </a:solidFill>
+            </a:ln>
+          </p:spPr>
+          <p:style>
+            <a:lnRef idx="2">
+              <a:schemeClr val="accent1">
+                <a:shade val="50000"/>
+              </a:schemeClr>
+            </a:lnRef>
+            <a:fillRef idx="1">
+              <a:schemeClr val="accent1"/>
+            </a:fillRef>
+            <a:effectRef idx="0">
+              <a:schemeClr val="accent1"/>
+            </a:effectRef>
+            <a:fontRef idx="minor">
+              <a:schemeClr val="lt1"/>
+            </a:fontRef>
+          </p:style>
+          <p:txBody>
+            <a:bodyPr rtlCol="0" anchor="ctr"/>
+            <a:lstStyle/>
+            <a:p>
+              <a:pPr algn="ctr"/>
+              <a:r>
+                <a:rPr lang="en-US" altLang="ko-KR" sz="1200" dirty="0">
+                  <a:solidFill>
+                    <a:schemeClr val="tx1"/>
+                  </a:solidFill>
+                  <a:latin typeface="+mj-lt"/>
+                </a:rPr>
+                <a:t>                                                          Update      </a:t>
+              </a:r>
+              <a:endParaRPr lang="ko-KR" altLang="en-US" sz="1200" dirty="0">
+                <a:solidFill>
+                  <a:schemeClr val="tx1"/>
+                </a:solidFill>
+                <a:latin typeface="+mj-lt"/>
+              </a:endParaRPr>
+            </a:p>
+          </p:txBody>
+        </p:sp>
+        <p:sp>
+          <p:nvSpPr>
+            <p:cNvPr id="76" name="직사각형 75">
+              <a:extLst>
+                <a:ext uri="{FF2B5EF4-FFF2-40B4-BE49-F238E27FC236}">
+                  <a16:creationId xmlns:a16="http://schemas.microsoft.com/office/drawing/2014/main" id="{97CA8293-EE96-4E5F-BD5B-1AD4DC7E0D4D}"/>
+                </a:ext>
+              </a:extLst>
+            </p:cNvPr>
+            <p:cNvSpPr/>
+            <p:nvPr/>
+          </p:nvSpPr>
+          <p:spPr>
+            <a:xfrm>
+              <a:off x="8232156" y="3438202"/>
+              <a:ext cx="3437463" cy="258624"/>
+            </a:xfrm>
+            <a:prstGeom prst="rect">
+              <a:avLst/>
+            </a:prstGeom>
+            <a:solidFill>
+              <a:srgbClr val="FF0000">
+                <a:alpha val="20000"/>
+              </a:srgbClr>
+            </a:solidFill>
+            <a:ln>
+              <a:noFill/>
+            </a:ln>
+          </p:spPr>
+          <p:style>
+            <a:lnRef idx="2">
+              <a:schemeClr val="accent1">
+                <a:shade val="50000"/>
+              </a:schemeClr>
+            </a:lnRef>
+            <a:fillRef idx="1">
+              <a:schemeClr val="accent1"/>
+            </a:fillRef>
+            <a:effectRef idx="0">
+              <a:schemeClr val="accent1"/>
+            </a:effectRef>
+            <a:fontRef idx="minor">
+              <a:schemeClr val="lt1"/>
+            </a:fontRef>
+          </p:style>
+          <p:txBody>
+            <a:bodyPr rtlCol="0" anchor="ctr"/>
+            <a:lstStyle/>
+            <a:p>
+              <a:pPr algn="ctr"/>
+              <a:r>
+                <a:rPr lang="en-US" altLang="ko-KR" sz="1200" dirty="0">
+                  <a:solidFill>
+                    <a:schemeClr val="tx1"/>
+                  </a:solidFill>
+                  <a:latin typeface="+mj-lt"/>
+                </a:rPr>
+                <a:t>Lock</a:t>
+              </a:r>
+              <a:endParaRPr lang="ko-KR" altLang="en-US" sz="1200" dirty="0">
+                <a:solidFill>
+                  <a:schemeClr val="tx1"/>
+                </a:solidFill>
+                <a:latin typeface="+mj-lt"/>
+              </a:endParaRPr>
+            </a:p>
+          </p:txBody>
+        </p:sp>
+      </p:grpSp>
+      <p:grpSp>
+        <p:nvGrpSpPr>
+          <p:cNvPr id="12" name="그룹 11">
+            <a:extLst>
+              <a:ext uri="{FF2B5EF4-FFF2-40B4-BE49-F238E27FC236}">
+                <a16:creationId xmlns:a16="http://schemas.microsoft.com/office/drawing/2014/main" id="{A7353AD9-D5DA-4F52-A38D-8C7B75A2B5D3}"/>
+              </a:ext>
+            </a:extLst>
+          </p:cNvPr>
+          <p:cNvGrpSpPr/>
+          <p:nvPr/>
+        </p:nvGrpSpPr>
+        <p:grpSpPr>
+          <a:xfrm>
+            <a:off x="7726956" y="4062033"/>
+            <a:ext cx="2483068" cy="257089"/>
+            <a:chOff x="8460969" y="4468967"/>
+            <a:chExt cx="3054873" cy="257089"/>
+          </a:xfrm>
+        </p:grpSpPr>
+        <p:sp>
+          <p:nvSpPr>
+            <p:cNvPr id="64" name="직사각형 63">
+              <a:extLst>
+                <a:ext uri="{FF2B5EF4-FFF2-40B4-BE49-F238E27FC236}">
+                  <a16:creationId xmlns:a16="http://schemas.microsoft.com/office/drawing/2014/main" id="{91832A3A-F3D8-4556-BB14-F899B93CD3A8}"/>
+                </a:ext>
+              </a:extLst>
+            </p:cNvPr>
+            <p:cNvSpPr/>
+            <p:nvPr/>
+          </p:nvSpPr>
+          <p:spPr>
+            <a:xfrm>
+              <a:off x="8460969" y="4468967"/>
+              <a:ext cx="3054873" cy="252162"/>
+            </a:xfrm>
+            <a:prstGeom prst="rect">
+              <a:avLst/>
+            </a:prstGeom>
+            <a:solidFill>
+              <a:schemeClr val="accent4">
+                <a:lumMod val="40000"/>
+                <a:lumOff val="60000"/>
+              </a:schemeClr>
+            </a:solidFill>
+            <a:ln>
+              <a:solidFill>
+                <a:schemeClr val="tx1"/>
+              </a:solidFill>
+            </a:ln>
+          </p:spPr>
+          <p:style>
+            <a:lnRef idx="2">
+              <a:schemeClr val="accent1">
+                <a:shade val="50000"/>
+              </a:schemeClr>
+            </a:lnRef>
+            <a:fillRef idx="1">
+              <a:schemeClr val="accent1"/>
+            </a:fillRef>
+            <a:effectRef idx="0">
+              <a:schemeClr val="accent1"/>
+            </a:effectRef>
+            <a:fontRef idx="minor">
+              <a:schemeClr val="lt1"/>
+            </a:fontRef>
+          </p:style>
+          <p:txBody>
+            <a:bodyPr rtlCol="0" anchor="ctr"/>
+            <a:lstStyle/>
+            <a:p>
+              <a:pPr algn="ctr"/>
+              <a:r>
+                <a:rPr lang="en-US" altLang="ko-KR" sz="1200" dirty="0">
+                  <a:solidFill>
+                    <a:schemeClr val="tx1"/>
+                  </a:solidFill>
+                  <a:latin typeface="+mj-lt"/>
+                </a:rPr>
+                <a:t>                             Update</a:t>
+              </a:r>
+              <a:endParaRPr lang="ko-KR" altLang="en-US" sz="1200" dirty="0">
+                <a:solidFill>
+                  <a:schemeClr val="tx1"/>
+                </a:solidFill>
+                <a:latin typeface="+mj-lt"/>
+              </a:endParaRPr>
+            </a:p>
+          </p:txBody>
+        </p:sp>
+        <p:sp>
+          <p:nvSpPr>
+            <p:cNvPr id="77" name="직사각형 76">
+              <a:extLst>
+                <a:ext uri="{FF2B5EF4-FFF2-40B4-BE49-F238E27FC236}">
+                  <a16:creationId xmlns:a16="http://schemas.microsoft.com/office/drawing/2014/main" id="{BB95C1EC-8648-400C-A419-0F1346C18BEA}"/>
+                </a:ext>
+              </a:extLst>
+            </p:cNvPr>
+            <p:cNvSpPr/>
+            <p:nvPr/>
+          </p:nvSpPr>
+          <p:spPr>
+            <a:xfrm>
+              <a:off x="8462243" y="4473894"/>
+              <a:ext cx="1942010" cy="252162"/>
+            </a:xfrm>
+            <a:prstGeom prst="rect">
+              <a:avLst/>
+            </a:prstGeom>
+            <a:solidFill>
+              <a:srgbClr val="FF0000">
+                <a:alpha val="20000"/>
+              </a:srgbClr>
+            </a:solidFill>
+            <a:ln>
+              <a:noFill/>
+            </a:ln>
+          </p:spPr>
+          <p:style>
+            <a:lnRef idx="2">
+              <a:schemeClr val="accent1">
+                <a:shade val="50000"/>
+              </a:schemeClr>
+            </a:lnRef>
+            <a:fillRef idx="1">
+              <a:schemeClr val="accent1"/>
+            </a:fillRef>
+            <a:effectRef idx="0">
+              <a:schemeClr val="accent1"/>
+            </a:effectRef>
+            <a:fontRef idx="minor">
+              <a:schemeClr val="lt1"/>
+            </a:fontRef>
+          </p:style>
+          <p:txBody>
+            <a:bodyPr rtlCol="0" anchor="ctr"/>
+            <a:lstStyle/>
+            <a:p>
+              <a:pPr algn="ctr"/>
+              <a:r>
+                <a:rPr lang="en-US" altLang="ko-KR" sz="1200" dirty="0">
+                  <a:solidFill>
+                    <a:schemeClr val="tx1"/>
+                  </a:solidFill>
+                  <a:latin typeface="+mj-lt"/>
+                </a:rPr>
+                <a:t>Lock</a:t>
+              </a:r>
+              <a:endParaRPr lang="ko-KR" altLang="en-US" sz="1200" dirty="0">
+                <a:solidFill>
+                  <a:schemeClr val="tx1"/>
+                </a:solidFill>
+                <a:latin typeface="+mj-lt"/>
+              </a:endParaRPr>
+            </a:p>
+          </p:txBody>
+        </p:sp>
+      </p:grpSp>
+      <p:grpSp>
+        <p:nvGrpSpPr>
+          <p:cNvPr id="109" name="그룹 108">
+            <a:extLst>
+              <a:ext uri="{FF2B5EF4-FFF2-40B4-BE49-F238E27FC236}">
+                <a16:creationId xmlns:a16="http://schemas.microsoft.com/office/drawing/2014/main" id="{40F72BD2-5859-4074-B64C-D4B76EACE3CB}"/>
+              </a:ext>
+            </a:extLst>
+          </p:cNvPr>
+          <p:cNvGrpSpPr/>
+          <p:nvPr/>
+        </p:nvGrpSpPr>
+        <p:grpSpPr>
+          <a:xfrm>
+            <a:off x="4290894" y="5219400"/>
+            <a:ext cx="1143812" cy="1034500"/>
             <a:chOff x="2038690" y="3056725"/>
             <a:chExt cx="1667937" cy="1487064"/>
           </a:xfrm>
@@ -14784,7 +14747,7 @@
             <a:p>
               <a:pPr algn="ctr"/>
               <a:r>
-                <a:rPr lang="en-US" altLang="ko-KR" sz="1400" dirty="0">
+                <a:rPr lang="en-US" altLang="ko-KR" sz="1200" dirty="0">
                   <a:solidFill>
                     <a:schemeClr val="tx1"/>
                   </a:solidFill>
@@ -14848,7 +14811,7 @@
             <a:p>
               <a:pPr algn="ctr"/>
               <a:r>
-                <a:rPr lang="en-US" altLang="ko-KR" sz="1400" dirty="0">
+                <a:rPr lang="en-US" altLang="ko-KR" sz="1200" dirty="0">
                   <a:solidFill>
                     <a:schemeClr val="tx1"/>
                   </a:solidFill>
@@ -14912,7 +14875,7 @@
             <a:p>
               <a:pPr algn="ctr"/>
               <a:r>
-                <a:rPr lang="en-US" altLang="ko-KR" sz="1400" dirty="0">
+                <a:rPr lang="en-US" altLang="ko-KR" sz="1200" dirty="0">
                   <a:solidFill>
                     <a:schemeClr val="tx1"/>
                   </a:solidFill>
@@ -14976,7 +14939,7 @@
             <a:p>
               <a:pPr algn="ctr"/>
               <a:r>
-                <a:rPr lang="en-US" altLang="ko-KR" sz="1400" dirty="0">
+                <a:rPr lang="en-US" altLang="ko-KR" sz="1200" dirty="0">
                   <a:solidFill>
                     <a:schemeClr val="tx1"/>
                   </a:solidFill>
@@ -14990,10 +14953,10 @@
       </p:grpSp>
       <p:sp>
         <p:nvSpPr>
-          <p:cNvPr id="114" name="직사각형 113">
-            <a:extLst>
-              <a:ext uri="{FF2B5EF4-FFF2-40B4-BE49-F238E27FC236}">
-                <a16:creationId xmlns:a16="http://schemas.microsoft.com/office/drawing/2014/main" id="{EC3A133D-4DD6-4D05-AF9C-52B128F39736}"/>
+          <p:cNvPr id="115" name="직사각형 114">
+            <a:extLst>
+              <a:ext uri="{FF2B5EF4-FFF2-40B4-BE49-F238E27FC236}">
+                <a16:creationId xmlns:a16="http://schemas.microsoft.com/office/drawing/2014/main" id="{59FD57E5-8DD1-4CC9-B146-DF074D067F1E}"/>
               </a:ext>
             </a:extLst>
           </p:cNvPr>
@@ -15002,8 +14965,8 @@
         </p:nvSpPr>
         <p:spPr>
           <a:xfrm>
-            <a:off x="5343696" y="5216234"/>
-            <a:ext cx="1279923" cy="354905"/>
+            <a:off x="5434703" y="5997003"/>
+            <a:ext cx="1591885" cy="252162"/>
           </a:xfrm>
           <a:prstGeom prst="rect">
             <a:avLst/>
@@ -15042,7 +15005,7 @@
           <a:p>
             <a:pPr algn="ctr"/>
             <a:r>
-              <a:rPr lang="en-US" altLang="ko-KR" sz="1400" dirty="0">
+              <a:rPr lang="en-US" altLang="ko-KR" sz="1200" dirty="0">
                 <a:solidFill>
                   <a:schemeClr val="tx1"/>
                 </a:solidFill>
@@ -15050,7 +15013,7 @@
               </a:rPr>
               <a:t>Update</a:t>
             </a:r>
-            <a:endParaRPr lang="ko-KR" altLang="en-US" sz="1400" dirty="0">
+            <a:endParaRPr lang="ko-KR" altLang="en-US" sz="1200" dirty="0">
               <a:solidFill>
                 <a:schemeClr val="tx1"/>
               </a:solidFill>
@@ -15061,10 +15024,10 @@
       </p:sp>
       <p:sp>
         <p:nvSpPr>
-          <p:cNvPr id="115" name="직사각형 114">
-            <a:extLst>
-              <a:ext uri="{FF2B5EF4-FFF2-40B4-BE49-F238E27FC236}">
-                <a16:creationId xmlns:a16="http://schemas.microsoft.com/office/drawing/2014/main" id="{59FD57E5-8DD1-4CC9-B146-DF074D067F1E}"/>
+          <p:cNvPr id="116" name="직사각형 115">
+            <a:extLst>
+              <a:ext uri="{FF2B5EF4-FFF2-40B4-BE49-F238E27FC236}">
+                <a16:creationId xmlns:a16="http://schemas.microsoft.com/office/drawing/2014/main" id="{002D127D-6709-47F4-B8FC-D28B7B6A78C0}"/>
               </a:ext>
             </a:extLst>
           </p:cNvPr>
@@ -15073,8 +15036,8 @@
         </p:nvSpPr>
         <p:spPr>
           <a:xfrm>
-            <a:off x="5343695" y="6254281"/>
-            <a:ext cx="2146947" cy="337369"/>
+            <a:off x="6713398" y="5747629"/>
+            <a:ext cx="2111820" cy="252162"/>
           </a:xfrm>
           <a:prstGeom prst="rect">
             <a:avLst/>
@@ -15113,7 +15076,7 @@
           <a:p>
             <a:pPr algn="ctr"/>
             <a:r>
-              <a:rPr lang="en-US" altLang="ko-KR" sz="1400" dirty="0">
+              <a:rPr lang="en-US" altLang="ko-KR" sz="1200" dirty="0">
                 <a:solidFill>
                   <a:schemeClr val="tx1"/>
                 </a:solidFill>
@@ -15121,7 +15084,7 @@
               </a:rPr>
               <a:t>Update</a:t>
             </a:r>
-            <a:endParaRPr lang="ko-KR" altLang="en-US" sz="1400" dirty="0">
+            <a:endParaRPr lang="ko-KR" altLang="en-US" sz="1200" dirty="0">
               <a:solidFill>
                 <a:schemeClr val="tx1"/>
               </a:solidFill>
@@ -15132,10 +15095,10 @@
       </p:sp>
       <p:sp>
         <p:nvSpPr>
-          <p:cNvPr id="116" name="직사각형 115">
-            <a:extLst>
-              <a:ext uri="{FF2B5EF4-FFF2-40B4-BE49-F238E27FC236}">
-                <a16:creationId xmlns:a16="http://schemas.microsoft.com/office/drawing/2014/main" id="{002D127D-6709-47F4-B8FC-D28B7B6A78C0}"/>
+          <p:cNvPr id="117" name="직사각형 116">
+            <a:extLst>
+              <a:ext uri="{FF2B5EF4-FFF2-40B4-BE49-F238E27FC236}">
+                <a16:creationId xmlns:a16="http://schemas.microsoft.com/office/drawing/2014/main" id="{A00398F6-83DC-40CE-B417-990D0FA65962}"/>
               </a:ext>
             </a:extLst>
           </p:cNvPr>
@@ -15144,8 +15107,8 @@
         </p:nvSpPr>
         <p:spPr>
           <a:xfrm>
-            <a:off x="6928422" y="5916912"/>
-            <a:ext cx="2740976" cy="337369"/>
+            <a:off x="6250171" y="5485051"/>
+            <a:ext cx="1584621" cy="262111"/>
           </a:xfrm>
           <a:prstGeom prst="rect">
             <a:avLst/>
@@ -15184,7 +15147,7 @@
           <a:p>
             <a:pPr algn="ctr"/>
             <a:r>
-              <a:rPr lang="en-US" altLang="ko-KR" sz="1400" dirty="0">
+              <a:rPr lang="en-US" altLang="ko-KR" sz="1200" dirty="0">
                 <a:solidFill>
                   <a:schemeClr val="tx1"/>
                 </a:solidFill>
@@ -15192,7 +15155,7 @@
               </a:rPr>
               <a:t>Update</a:t>
             </a:r>
-            <a:endParaRPr lang="ko-KR" altLang="en-US" sz="1400" dirty="0">
+            <a:endParaRPr lang="ko-KR" altLang="en-US" sz="1200" dirty="0">
               <a:solidFill>
                 <a:schemeClr val="tx1"/>
               </a:solidFill>
@@ -15203,10 +15166,10 @@
       </p:sp>
       <p:sp>
         <p:nvSpPr>
-          <p:cNvPr id="117" name="직사각형 116">
-            <a:extLst>
-              <a:ext uri="{FF2B5EF4-FFF2-40B4-BE49-F238E27FC236}">
-                <a16:creationId xmlns:a16="http://schemas.microsoft.com/office/drawing/2014/main" id="{A00398F6-83DC-40CE-B417-990D0FA65962}"/>
+          <p:cNvPr id="118" name="직사각형 117">
+            <a:extLst>
+              <a:ext uri="{FF2B5EF4-FFF2-40B4-BE49-F238E27FC236}">
+                <a16:creationId xmlns:a16="http://schemas.microsoft.com/office/drawing/2014/main" id="{14F3373F-CD2D-4341-A477-CC5AAF89D93A}"/>
               </a:ext>
             </a:extLst>
           </p:cNvPr>
@@ -15215,8 +15178,8 @@
         </p:nvSpPr>
         <p:spPr>
           <a:xfrm>
-            <a:off x="5901129" y="5571651"/>
-            <a:ext cx="2955469" cy="350679"/>
+            <a:off x="7834793" y="5998003"/>
+            <a:ext cx="2008516" cy="252162"/>
           </a:xfrm>
           <a:prstGeom prst="rect">
             <a:avLst/>
@@ -15255,7 +15218,7 @@
           <a:p>
             <a:pPr algn="ctr"/>
             <a:r>
-              <a:rPr lang="en-US" altLang="ko-KR" sz="1400" dirty="0">
+              <a:rPr lang="en-US" altLang="ko-KR" sz="1200" dirty="0">
                 <a:solidFill>
                   <a:schemeClr val="tx1"/>
                 </a:solidFill>
@@ -15263,7 +15226,7 @@
               </a:rPr>
               <a:t>Update</a:t>
             </a:r>
-            <a:endParaRPr lang="ko-KR" altLang="en-US" sz="1400" dirty="0">
+            <a:endParaRPr lang="ko-KR" altLang="en-US" sz="1200" dirty="0">
               <a:solidFill>
                 <a:schemeClr val="tx1"/>
               </a:solidFill>
@@ -15274,10 +15237,10 @@
       </p:sp>
       <p:sp>
         <p:nvSpPr>
-          <p:cNvPr id="118" name="직사각형 117">
-            <a:extLst>
-              <a:ext uri="{FF2B5EF4-FFF2-40B4-BE49-F238E27FC236}">
-                <a16:creationId xmlns:a16="http://schemas.microsoft.com/office/drawing/2014/main" id="{14F3373F-CD2D-4341-A477-CC5AAF89D93A}"/>
+          <p:cNvPr id="119" name="직사각형 118">
+            <a:extLst>
+              <a:ext uri="{FF2B5EF4-FFF2-40B4-BE49-F238E27FC236}">
+                <a16:creationId xmlns:a16="http://schemas.microsoft.com/office/drawing/2014/main" id="{FAEEBF6B-6DEF-4605-B292-B473508CE44F}"/>
               </a:ext>
             </a:extLst>
           </p:cNvPr>
@@ -15286,8 +15249,8 @@
         </p:nvSpPr>
         <p:spPr>
           <a:xfrm>
-            <a:off x="8460969" y="6262927"/>
-            <a:ext cx="2438917" cy="337369"/>
+            <a:off x="7133562" y="5225427"/>
+            <a:ext cx="2008517" cy="258624"/>
           </a:xfrm>
           <a:prstGeom prst="rect">
             <a:avLst/>
@@ -15326,7 +15289,7 @@
           <a:p>
             <a:pPr algn="ctr"/>
             <a:r>
-              <a:rPr lang="en-US" altLang="ko-KR" sz="1400" dirty="0">
+              <a:rPr lang="en-US" altLang="ko-KR" sz="1200" dirty="0">
                 <a:solidFill>
                   <a:schemeClr val="tx1"/>
                 </a:solidFill>
@@ -15334,7 +15297,7 @@
               </a:rPr>
               <a:t>Update</a:t>
             </a:r>
-            <a:endParaRPr lang="ko-KR" altLang="en-US" sz="1400" dirty="0">
+            <a:endParaRPr lang="ko-KR" altLang="en-US" sz="1200" dirty="0">
               <a:solidFill>
                 <a:schemeClr val="tx1"/>
               </a:solidFill>
@@ -15343,212 +15306,6 @@
           </a:p>
         </p:txBody>
       </p:sp>
-      <p:sp>
-        <p:nvSpPr>
-          <p:cNvPr id="119" name="직사각형 118">
-            <a:extLst>
-              <a:ext uri="{FF2B5EF4-FFF2-40B4-BE49-F238E27FC236}">
-                <a16:creationId xmlns:a16="http://schemas.microsoft.com/office/drawing/2014/main" id="{FAEEBF6B-6DEF-4605-B292-B473508CE44F}"/>
-              </a:ext>
-            </a:extLst>
-          </p:cNvPr>
-          <p:cNvSpPr/>
-          <p:nvPr/>
-        </p:nvSpPr>
-        <p:spPr>
-          <a:xfrm>
-            <a:off x="8235194" y="5220777"/>
-            <a:ext cx="3373673" cy="346014"/>
-          </a:xfrm>
-          <a:prstGeom prst="rect">
-            <a:avLst/>
-          </a:prstGeom>
-          <a:solidFill>
-            <a:schemeClr val="accent4">
-              <a:lumMod val="40000"/>
-              <a:lumOff val="60000"/>
-            </a:schemeClr>
-          </a:solidFill>
-          <a:ln>
-            <a:solidFill>
-              <a:schemeClr val="tx1"/>
-            </a:solidFill>
-          </a:ln>
-        </p:spPr>
-        <p:style>
-          <a:lnRef idx="2">
-            <a:schemeClr val="accent1">
-              <a:shade val="50000"/>
-            </a:schemeClr>
-          </a:lnRef>
-          <a:fillRef idx="1">
-            <a:schemeClr val="accent1"/>
-          </a:fillRef>
-          <a:effectRef idx="0">
-            <a:schemeClr val="accent1"/>
-          </a:effectRef>
-          <a:fontRef idx="minor">
-            <a:schemeClr val="lt1"/>
-          </a:fontRef>
-        </p:style>
-        <p:txBody>
-          <a:bodyPr rtlCol="0" anchor="ctr"/>
-          <a:lstStyle/>
-          <a:p>
-            <a:pPr algn="ctr"/>
-            <a:r>
-              <a:rPr lang="en-US" altLang="ko-KR" sz="1400" dirty="0">
-                <a:solidFill>
-                  <a:schemeClr val="tx1"/>
-                </a:solidFill>
-                <a:latin typeface="+mj-lt"/>
-              </a:rPr>
-              <a:t>Update</a:t>
-            </a:r>
-            <a:endParaRPr lang="ko-KR" altLang="en-US" sz="1400" dirty="0">
-              <a:solidFill>
-                <a:schemeClr val="tx1"/>
-              </a:solidFill>
-              <a:latin typeface="+mj-lt"/>
-            </a:endParaRPr>
-          </a:p>
-        </p:txBody>
-      </p:sp>
-      <p:cxnSp>
-        <p:nvCxnSpPr>
-          <p:cNvPr id="44" name="직선 연결선 43">
-            <a:extLst>
-              <a:ext uri="{FF2B5EF4-FFF2-40B4-BE49-F238E27FC236}">
-                <a16:creationId xmlns:a16="http://schemas.microsoft.com/office/drawing/2014/main" id="{3EFCBF77-3EB7-4C3F-81C3-8CEA65D73A45}"/>
-              </a:ext>
-            </a:extLst>
-          </p:cNvPr>
-          <p:cNvCxnSpPr>
-            <a:cxnSpLocks/>
-          </p:cNvCxnSpPr>
-          <p:nvPr/>
-        </p:nvCxnSpPr>
-        <p:spPr>
-          <a:xfrm>
-            <a:off x="11608867" y="4778779"/>
-            <a:ext cx="0" cy="306527"/>
-          </a:xfrm>
-          <a:prstGeom prst="line">
-            <a:avLst/>
-          </a:prstGeom>
-          <a:ln>
-            <a:solidFill>
-              <a:schemeClr val="bg2">
-                <a:lumMod val="90000"/>
-              </a:schemeClr>
-            </a:solidFill>
-          </a:ln>
-        </p:spPr>
-        <p:style>
-          <a:lnRef idx="1">
-            <a:schemeClr val="accent1"/>
-          </a:lnRef>
-          <a:fillRef idx="0">
-            <a:schemeClr val="accent1"/>
-          </a:fillRef>
-          <a:effectRef idx="0">
-            <a:schemeClr val="accent1"/>
-          </a:effectRef>
-          <a:fontRef idx="minor">
-            <a:schemeClr val="tx1"/>
-          </a:fontRef>
-        </p:style>
-      </p:cxnSp>
-      <p:cxnSp>
-        <p:nvCxnSpPr>
-          <p:cNvPr id="47" name="직선 연결선 46">
-            <a:extLst>
-              <a:ext uri="{FF2B5EF4-FFF2-40B4-BE49-F238E27FC236}">
-                <a16:creationId xmlns:a16="http://schemas.microsoft.com/office/drawing/2014/main" id="{BB816E5C-29BD-41EC-9706-49016CB1BBCD}"/>
-              </a:ext>
-            </a:extLst>
-          </p:cNvPr>
-          <p:cNvCxnSpPr>
-            <a:cxnSpLocks/>
-          </p:cNvCxnSpPr>
-          <p:nvPr/>
-        </p:nvCxnSpPr>
-        <p:spPr>
-          <a:xfrm>
-            <a:off x="12888788" y="3825218"/>
-            <a:ext cx="0" cy="1260088"/>
-          </a:xfrm>
-          <a:prstGeom prst="line">
-            <a:avLst/>
-          </a:prstGeom>
-          <a:ln>
-            <a:solidFill>
-              <a:schemeClr val="bg2">
-                <a:lumMod val="90000"/>
-              </a:schemeClr>
-            </a:solidFill>
-          </a:ln>
-        </p:spPr>
-        <p:style>
-          <a:lnRef idx="1">
-            <a:schemeClr val="accent1"/>
-          </a:lnRef>
-          <a:fillRef idx="0">
-            <a:schemeClr val="accent1"/>
-          </a:fillRef>
-          <a:effectRef idx="0">
-            <a:schemeClr val="accent1"/>
-          </a:effectRef>
-          <a:fontRef idx="minor">
-            <a:schemeClr val="tx1"/>
-          </a:fontRef>
-        </p:style>
-      </p:cxnSp>
-      <p:cxnSp>
-        <p:nvCxnSpPr>
-          <p:cNvPr id="13" name="직선 화살표 연결선 12">
-            <a:extLst>
-              <a:ext uri="{FF2B5EF4-FFF2-40B4-BE49-F238E27FC236}">
-                <a16:creationId xmlns:a16="http://schemas.microsoft.com/office/drawing/2014/main" id="{CA08E396-6856-413F-B0B0-4AB8F4AF505A}"/>
-              </a:ext>
-            </a:extLst>
-          </p:cNvPr>
-          <p:cNvCxnSpPr>
-            <a:cxnSpLocks/>
-          </p:cNvCxnSpPr>
-          <p:nvPr/>
-        </p:nvCxnSpPr>
-        <p:spPr>
-          <a:xfrm>
-            <a:off x="11608867" y="4977271"/>
-            <a:ext cx="1279921" cy="0"/>
-          </a:xfrm>
-          <a:prstGeom prst="straightConnector1">
-            <a:avLst/>
-          </a:prstGeom>
-          <a:ln>
-            <a:solidFill>
-              <a:srgbClr val="FF0000"/>
-            </a:solidFill>
-            <a:headEnd type="triangle"/>
-            <a:tailEnd type="triangle"/>
-          </a:ln>
-        </p:spPr>
-        <p:style>
-          <a:lnRef idx="1">
-            <a:schemeClr val="accent1"/>
-          </a:lnRef>
-          <a:fillRef idx="0">
-            <a:schemeClr val="accent1"/>
-          </a:fillRef>
-          <a:effectRef idx="0">
-            <a:schemeClr val="accent1"/>
-          </a:effectRef>
-          <a:fontRef idx="minor">
-            <a:schemeClr val="tx1"/>
-          </a:fontRef>
-        </p:style>
-      </p:cxnSp>
       <p:grpSp>
         <p:nvGrpSpPr>
           <p:cNvPr id="50" name="그룹 49">
@@ -15682,8 +15439,8 @@
         </p:nvSpPr>
         <p:spPr>
           <a:xfrm>
-            <a:off x="11176933" y="5926822"/>
-            <a:ext cx="1015067" cy="931178"/>
+            <a:off x="11176934" y="6162002"/>
+            <a:ext cx="985070" cy="695998"/>
           </a:xfrm>
           <a:prstGeom prst="triangle">
             <a:avLst>
@@ -15720,7 +15477,7 @@
           <a:lstStyle/>
           <a:p>
             <a:pPr algn="ctr"/>
-            <a:endParaRPr lang="ko-KR" altLang="en-US"/>
+            <a:endParaRPr lang="ko-KR" altLang="en-US" sz="1600"/>
           </a:p>
         </p:txBody>
       </p:sp>
@@ -15780,45 +15537,201 @@
           </a:p>
         </p:txBody>
       </p:sp>
-      <p:sp>
-        <p:nvSpPr>
-          <p:cNvPr id="5" name="TextBox 4">
-            <a:extLst>
-              <a:ext uri="{FF2B5EF4-FFF2-40B4-BE49-F238E27FC236}">
-                <a16:creationId xmlns:a16="http://schemas.microsoft.com/office/drawing/2014/main" id="{1461AF33-7165-40BC-8163-24FB50B683BF}"/>
-              </a:ext>
-            </a:extLst>
-          </p:cNvPr>
-          <p:cNvSpPr txBox="1"/>
+      <p:grpSp>
+        <p:nvGrpSpPr>
+          <p:cNvPr id="14" name="그룹 13">
+            <a:extLst>
+              <a:ext uri="{FF2B5EF4-FFF2-40B4-BE49-F238E27FC236}">
+                <a16:creationId xmlns:a16="http://schemas.microsoft.com/office/drawing/2014/main" id="{1B9805B9-0476-4C00-B932-DC4E64766B44}"/>
+              </a:ext>
+            </a:extLst>
+          </p:cNvPr>
+          <p:cNvGrpSpPr/>
           <p:nvPr/>
-        </p:nvSpPr>
-        <p:spPr>
+        </p:nvGrpSpPr>
+        <p:grpSpPr>
           <a:xfrm>
-            <a:off x="11794697" y="4960147"/>
-            <a:ext cx="902811" cy="307777"/>
+            <a:off x="11734702" y="4026941"/>
+            <a:ext cx="1279921" cy="1163637"/>
+            <a:chOff x="11608867" y="4143468"/>
+            <a:chExt cx="1279921" cy="1163637"/>
           </a:xfrm>
-          <a:prstGeom prst="rect">
-            <a:avLst/>
-          </a:prstGeom>
-          <a:noFill/>
-        </p:spPr>
-        <p:txBody>
-          <a:bodyPr wrap="none" rtlCol="0">
-            <a:spAutoFit/>
-          </a:bodyPr>
-          <a:lstStyle/>
-          <a:p>
-            <a:r>
-              <a:rPr lang="ko-KR" altLang="en-US" sz="1400" dirty="0">
-                <a:solidFill>
-                  <a:srgbClr val="FF0000"/>
-                </a:solidFill>
-              </a:rPr>
-              <a:t>성능향상</a:t>
-            </a:r>
-          </a:p>
-        </p:txBody>
-      </p:sp>
+        </p:grpSpPr>
+        <p:cxnSp>
+          <p:nvCxnSpPr>
+            <p:cNvPr id="44" name="직선 연결선 43">
+              <a:extLst>
+                <a:ext uri="{FF2B5EF4-FFF2-40B4-BE49-F238E27FC236}">
+                  <a16:creationId xmlns:a16="http://schemas.microsoft.com/office/drawing/2014/main" id="{3EFCBF77-3EB7-4C3F-81C3-8CEA65D73A45}"/>
+                </a:ext>
+              </a:extLst>
+            </p:cNvPr>
+            <p:cNvCxnSpPr>
+              <a:cxnSpLocks/>
+            </p:cNvCxnSpPr>
+            <p:nvPr/>
+          </p:nvCxnSpPr>
+          <p:spPr>
+            <a:xfrm>
+              <a:off x="11608867" y="4856196"/>
+              <a:ext cx="0" cy="229110"/>
+            </a:xfrm>
+            <a:prstGeom prst="line">
+              <a:avLst/>
+            </a:prstGeom>
+            <a:ln>
+              <a:solidFill>
+                <a:schemeClr val="bg2">
+                  <a:lumMod val="90000"/>
+                </a:schemeClr>
+              </a:solidFill>
+            </a:ln>
+          </p:spPr>
+          <p:style>
+            <a:lnRef idx="1">
+              <a:schemeClr val="accent1"/>
+            </a:lnRef>
+            <a:fillRef idx="0">
+              <a:schemeClr val="accent1"/>
+            </a:fillRef>
+            <a:effectRef idx="0">
+              <a:schemeClr val="accent1"/>
+            </a:effectRef>
+            <a:fontRef idx="minor">
+              <a:schemeClr val="tx1"/>
+            </a:fontRef>
+          </p:style>
+        </p:cxnSp>
+        <p:cxnSp>
+          <p:nvCxnSpPr>
+            <p:cNvPr id="47" name="직선 연결선 46">
+              <a:extLst>
+                <a:ext uri="{FF2B5EF4-FFF2-40B4-BE49-F238E27FC236}">
+                  <a16:creationId xmlns:a16="http://schemas.microsoft.com/office/drawing/2014/main" id="{BB816E5C-29BD-41EC-9706-49016CB1BBCD}"/>
+                </a:ext>
+              </a:extLst>
+            </p:cNvPr>
+            <p:cNvCxnSpPr>
+              <a:cxnSpLocks/>
+            </p:cNvCxnSpPr>
+            <p:nvPr/>
+          </p:nvCxnSpPr>
+          <p:spPr>
+            <a:xfrm>
+              <a:off x="12888788" y="4143468"/>
+              <a:ext cx="0" cy="941838"/>
+            </a:xfrm>
+            <a:prstGeom prst="line">
+              <a:avLst/>
+            </a:prstGeom>
+            <a:ln>
+              <a:solidFill>
+                <a:schemeClr val="bg2">
+                  <a:lumMod val="90000"/>
+                </a:schemeClr>
+              </a:solidFill>
+            </a:ln>
+          </p:spPr>
+          <p:style>
+            <a:lnRef idx="1">
+              <a:schemeClr val="accent1"/>
+            </a:lnRef>
+            <a:fillRef idx="0">
+              <a:schemeClr val="accent1"/>
+            </a:fillRef>
+            <a:effectRef idx="0">
+              <a:schemeClr val="accent1"/>
+            </a:effectRef>
+            <a:fontRef idx="minor">
+              <a:schemeClr val="tx1"/>
+            </a:fontRef>
+          </p:style>
+        </p:cxnSp>
+        <p:cxnSp>
+          <p:nvCxnSpPr>
+            <p:cNvPr id="13" name="직선 화살표 연결선 12">
+              <a:extLst>
+                <a:ext uri="{FF2B5EF4-FFF2-40B4-BE49-F238E27FC236}">
+                  <a16:creationId xmlns:a16="http://schemas.microsoft.com/office/drawing/2014/main" id="{CA08E396-6856-413F-B0B0-4AB8F4AF505A}"/>
+                </a:ext>
+              </a:extLst>
+            </p:cNvPr>
+            <p:cNvCxnSpPr>
+              <a:cxnSpLocks/>
+            </p:cNvCxnSpPr>
+            <p:nvPr/>
+          </p:nvCxnSpPr>
+          <p:spPr>
+            <a:xfrm>
+              <a:off x="11608867" y="4977271"/>
+              <a:ext cx="1242097" cy="0"/>
+            </a:xfrm>
+            <a:prstGeom prst="straightConnector1">
+              <a:avLst/>
+            </a:prstGeom>
+            <a:ln>
+              <a:solidFill>
+                <a:srgbClr val="FF0000"/>
+              </a:solidFill>
+              <a:headEnd type="triangle"/>
+              <a:tailEnd type="triangle"/>
+            </a:ln>
+          </p:spPr>
+          <p:style>
+            <a:lnRef idx="1">
+              <a:schemeClr val="accent1"/>
+            </a:lnRef>
+            <a:fillRef idx="0">
+              <a:schemeClr val="accent1"/>
+            </a:fillRef>
+            <a:effectRef idx="0">
+              <a:schemeClr val="accent1"/>
+            </a:effectRef>
+            <a:fontRef idx="minor">
+              <a:schemeClr val="tx1"/>
+            </a:fontRef>
+          </p:style>
+        </p:cxnSp>
+        <p:sp>
+          <p:nvSpPr>
+            <p:cNvPr id="5" name="TextBox 4">
+              <a:extLst>
+                <a:ext uri="{FF2B5EF4-FFF2-40B4-BE49-F238E27FC236}">
+                  <a16:creationId xmlns:a16="http://schemas.microsoft.com/office/drawing/2014/main" id="{1461AF33-7165-40BC-8163-24FB50B683BF}"/>
+                </a:ext>
+              </a:extLst>
+            </p:cNvPr>
+            <p:cNvSpPr txBox="1"/>
+            <p:nvPr/>
+          </p:nvSpPr>
+          <p:spPr>
+            <a:xfrm>
+              <a:off x="11794697" y="5030106"/>
+              <a:ext cx="890999" cy="276999"/>
+            </a:xfrm>
+            <a:prstGeom prst="rect">
+              <a:avLst/>
+            </a:prstGeom>
+            <a:noFill/>
+          </p:spPr>
+          <p:txBody>
+            <a:bodyPr wrap="square" rtlCol="0">
+              <a:spAutoFit/>
+            </a:bodyPr>
+            <a:lstStyle/>
+            <a:p>
+              <a:r>
+                <a:rPr lang="ko-KR" altLang="en-US" sz="1200" dirty="0">
+                  <a:solidFill>
+                    <a:srgbClr val="FF0000"/>
+                  </a:solidFill>
+                </a:rPr>
+                <a:t>성능향상</a:t>
+              </a:r>
+            </a:p>
+          </p:txBody>
+        </p:sp>
+      </p:grpSp>
       <p:sp>
         <p:nvSpPr>
           <p:cNvPr id="48" name="TextBox 47"/>
@@ -15827,8 +15740,8 @@
         </p:nvSpPr>
         <p:spPr>
           <a:xfrm>
-            <a:off x="526065" y="3257749"/>
-            <a:ext cx="3326859" cy="3416320"/>
+            <a:off x="684939" y="2722120"/>
+            <a:ext cx="3420126" cy="3693319"/>
           </a:xfrm>
           <a:prstGeom prst="rect">
             <a:avLst/>
@@ -15847,28 +15760,28 @@
           <a:lstStyle/>
           <a:p>
             <a:r>
-              <a:rPr lang="en-US" altLang="ko-KR" sz="1200" dirty="0" err="1" smtClean="0">
+              <a:rPr lang="en-US" altLang="ko-KR" sz="1300" dirty="0" err="1">
                 <a:latin typeface="Courier New" panose="02070309020205020404" pitchFamily="49" charset="0"/>
                 <a:cs typeface="Courier New" panose="02070309020205020404" pitchFamily="49" charset="0"/>
               </a:rPr>
               <a:t>shared_ptr</a:t>
             </a:r>
             <a:r>
-              <a:rPr lang="en-US" altLang="ko-KR" sz="1200" dirty="0" smtClean="0">
+              <a:rPr lang="en-US" altLang="ko-KR" sz="1300" dirty="0">
                 <a:latin typeface="Courier New" panose="02070309020205020404" pitchFamily="49" charset="0"/>
                 <a:cs typeface="Courier New" panose="02070309020205020404" pitchFamily="49" charset="0"/>
               </a:rPr>
               <a:t>&lt;</a:t>
             </a:r>
             <a:r>
-              <a:rPr lang="en-US" altLang="ko-KR" sz="1200" dirty="0" err="1" smtClean="0">
+              <a:rPr lang="en-US" altLang="ko-KR" sz="1300" dirty="0" err="1">
                 <a:latin typeface="Courier New" panose="02070309020205020404" pitchFamily="49" charset="0"/>
                 <a:cs typeface="Courier New" panose="02070309020205020404" pitchFamily="49" charset="0"/>
               </a:rPr>
               <a:t>int</a:t>
             </a:r>
             <a:r>
-              <a:rPr lang="en-US" altLang="ko-KR" sz="1200" dirty="0" smtClean="0">
+              <a:rPr lang="en-US" altLang="ko-KR" sz="1300" dirty="0">
                 <a:latin typeface="Courier New" panose="02070309020205020404" pitchFamily="49" charset="0"/>
                 <a:cs typeface="Courier New" panose="02070309020205020404" pitchFamily="49" charset="0"/>
               </a:rPr>
@@ -15877,28 +15790,28 @@
           </a:p>
           <a:p>
             <a:r>
-              <a:rPr lang="en-US" altLang="ko-KR" sz="1200" dirty="0" err="1" smtClean="0">
+              <a:rPr lang="en-US" altLang="ko-KR" sz="1300" dirty="0" err="1">
                 <a:latin typeface="Courier New" panose="02070309020205020404" pitchFamily="49" charset="0"/>
                 <a:cs typeface="Courier New" panose="02070309020205020404" pitchFamily="49" charset="0"/>
               </a:rPr>
               <a:t>mutex</a:t>
             </a:r>
             <a:r>
-              <a:rPr lang="en-US" altLang="ko-KR" sz="1200" dirty="0" smtClean="0">
+              <a:rPr lang="en-US" altLang="ko-KR" sz="1300" dirty="0">
                 <a:latin typeface="Courier New" panose="02070309020205020404" pitchFamily="49" charset="0"/>
                 <a:cs typeface="Courier New" panose="02070309020205020404" pitchFamily="49" charset="0"/>
               </a:rPr>
               <a:t> </a:t>
             </a:r>
             <a:r>
-              <a:rPr lang="en-US" altLang="ko-KR" sz="1200" dirty="0" err="1" smtClean="0">
+              <a:rPr lang="en-US" altLang="ko-KR" sz="1300" dirty="0" err="1">
                 <a:latin typeface="Courier New" panose="02070309020205020404" pitchFamily="49" charset="0"/>
                 <a:cs typeface="Courier New" panose="02070309020205020404" pitchFamily="49" charset="0"/>
               </a:rPr>
               <a:t>Counter_lock</a:t>
             </a:r>
             <a:r>
-              <a:rPr lang="en-US" altLang="ko-KR" sz="1200" dirty="0" smtClean="0">
+              <a:rPr lang="en-US" altLang="ko-KR" sz="1300" dirty="0">
                 <a:latin typeface="Courier New" panose="02070309020205020404" pitchFamily="49" charset="0"/>
                 <a:cs typeface="Courier New" panose="02070309020205020404" pitchFamily="49" charset="0"/>
               </a:rPr>
@@ -15906,14 +15819,14 @@
             </a:r>
           </a:p>
           <a:p>
-            <a:endParaRPr lang="en-US" altLang="ko-KR" sz="1200" dirty="0" smtClean="0">
+            <a:endParaRPr lang="en-US" altLang="ko-KR" sz="1300" dirty="0">
               <a:latin typeface="Courier New" panose="02070309020205020404" pitchFamily="49" charset="0"/>
               <a:cs typeface="Courier New" panose="02070309020205020404" pitchFamily="49" charset="0"/>
             </a:endParaRPr>
           </a:p>
           <a:p>
             <a:r>
-              <a:rPr lang="en-US" altLang="ko-KR" sz="1200" dirty="0" smtClean="0">
+              <a:rPr lang="en-US" altLang="ko-KR" sz="1300" dirty="0">
                 <a:latin typeface="Courier New" panose="02070309020205020404" pitchFamily="49" charset="0"/>
                 <a:cs typeface="Courier New" panose="02070309020205020404" pitchFamily="49" charset="0"/>
               </a:rPr>
@@ -15922,99 +15835,198 @@
           </a:p>
           <a:p>
             <a:r>
-              <a:rPr lang="en-US" altLang="ko-KR" sz="1200" dirty="0">
+              <a:rPr lang="en-US" altLang="ko-KR" sz="1300" dirty="0">
                 <a:latin typeface="Courier New" panose="02070309020205020404" pitchFamily="49" charset="0"/>
                 <a:cs typeface="Courier New" panose="02070309020205020404" pitchFamily="49" charset="0"/>
               </a:rPr>
-              <a:t> </a:t>
-            </a:r>
-            <a:r>
-              <a:rPr lang="en-US" altLang="ko-KR" sz="1200" dirty="0" smtClean="0">
+              <a:t>   </a:t>
+            </a:r>
+            <a:r>
+              <a:rPr lang="en-US" altLang="ko-KR" sz="1300" dirty="0" err="1">
+                <a:highlight>
+                  <a:srgbClr val="FFFF00"/>
+                </a:highlight>
+                <a:latin typeface="Courier New" panose="02070309020205020404" pitchFamily="49" charset="0"/>
+                <a:cs typeface="Courier New" panose="02070309020205020404" pitchFamily="49" charset="0"/>
+              </a:rPr>
+              <a:t>Counter_lock.lock</a:t>
+            </a:r>
+            <a:r>
+              <a:rPr lang="en-US" altLang="ko-KR" sz="1300" dirty="0">
+                <a:highlight>
+                  <a:srgbClr val="FFFF00"/>
+                </a:highlight>
+                <a:latin typeface="Courier New" panose="02070309020205020404" pitchFamily="49" charset="0"/>
+                <a:cs typeface="Courier New" panose="02070309020205020404" pitchFamily="49" charset="0"/>
+              </a:rPr>
+              <a:t>();</a:t>
+            </a:r>
+          </a:p>
+          <a:p>
+            <a:r>
+              <a:rPr lang="en-US" altLang="ko-KR" sz="1300" dirty="0">
+                <a:latin typeface="Courier New" panose="02070309020205020404" pitchFamily="49" charset="0"/>
+                <a:cs typeface="Courier New" panose="02070309020205020404" pitchFamily="49" charset="0"/>
+              </a:rPr>
+              <a:t>   Counter = </a:t>
+            </a:r>
+            <a:r>
+              <a:rPr lang="en-US" altLang="ko-KR" sz="1300" dirty="0" err="1">
+                <a:latin typeface="Courier New" panose="02070309020205020404" pitchFamily="49" charset="0"/>
+                <a:cs typeface="Courier New" panose="02070309020205020404" pitchFamily="49" charset="0"/>
+              </a:rPr>
+              <a:t>make_shared</a:t>
+            </a:r>
+            <a:r>
+              <a:rPr lang="en-US" altLang="ko-KR" sz="1300" dirty="0">
+                <a:latin typeface="Courier New" panose="02070309020205020404" pitchFamily="49" charset="0"/>
+                <a:cs typeface="Courier New" panose="02070309020205020404" pitchFamily="49" charset="0"/>
+              </a:rPr>
+              <a:t>&lt;int&gt;(1);</a:t>
+            </a:r>
+          </a:p>
+          <a:p>
+            <a:r>
+              <a:rPr lang="en-US" altLang="ko-KR" sz="1300" dirty="0">
+                <a:latin typeface="Courier New" panose="02070309020205020404" pitchFamily="49" charset="0"/>
+                <a:cs typeface="Courier New" panose="02070309020205020404" pitchFamily="49" charset="0"/>
+              </a:rPr>
+              <a:t>   </a:t>
+            </a:r>
+            <a:r>
+              <a:rPr lang="en-US" altLang="ko-KR" sz="1300" dirty="0" err="1">
+                <a:highlight>
+                  <a:srgbClr val="FFFF00"/>
+                </a:highlight>
+                <a:latin typeface="Courier New" panose="02070309020205020404" pitchFamily="49" charset="0"/>
+                <a:cs typeface="Courier New" panose="02070309020205020404" pitchFamily="49" charset="0"/>
+              </a:rPr>
+              <a:t>Counter_lock.unlock</a:t>
+            </a:r>
+            <a:r>
+              <a:rPr lang="en-US" altLang="ko-KR" sz="1300" dirty="0">
+                <a:highlight>
+                  <a:srgbClr val="FFFF00"/>
+                </a:highlight>
+                <a:latin typeface="Courier New" panose="02070309020205020404" pitchFamily="49" charset="0"/>
+                <a:cs typeface="Courier New" panose="02070309020205020404" pitchFamily="49" charset="0"/>
+              </a:rPr>
+              <a:t>();</a:t>
+            </a:r>
+          </a:p>
+          <a:p>
+            <a:r>
+              <a:rPr lang="en-US" altLang="ko-KR" sz="1300" dirty="0">
+                <a:latin typeface="Courier New" panose="02070309020205020404" pitchFamily="49" charset="0"/>
+                <a:cs typeface="Courier New" panose="02070309020205020404" pitchFamily="49" charset="0"/>
+              </a:rPr>
+              <a:t>}</a:t>
+            </a:r>
+          </a:p>
+          <a:p>
+            <a:endParaRPr lang="en-US" altLang="ko-KR" sz="1300" dirty="0">
+              <a:latin typeface="Courier New" panose="02070309020205020404" pitchFamily="49" charset="0"/>
+              <a:cs typeface="Courier New" panose="02070309020205020404" pitchFamily="49" charset="0"/>
+            </a:endParaRPr>
+          </a:p>
+          <a:p>
+            <a:r>
+              <a:rPr lang="en-US" altLang="ko-KR" sz="1300" dirty="0">
+                <a:latin typeface="Courier New" panose="02070309020205020404" pitchFamily="49" charset="0"/>
+                <a:cs typeface="Courier New" panose="02070309020205020404" pitchFamily="49" charset="0"/>
+              </a:rPr>
+              <a:t>thread2() {</a:t>
+            </a:r>
+          </a:p>
+          <a:p>
+            <a:r>
+              <a:rPr lang="en-US" altLang="ko-KR" sz="1300" dirty="0">
                 <a:latin typeface="Courier New" panose="02070309020205020404" pitchFamily="49" charset="0"/>
                 <a:cs typeface="Courier New" panose="02070309020205020404" pitchFamily="49" charset="0"/>
               </a:rPr>
               <a:t>  </a:t>
             </a:r>
             <a:r>
-              <a:rPr lang="en-US" altLang="ko-KR" sz="1200" dirty="0" err="1" smtClean="0">
+              <a:rPr lang="en-US" altLang="ko-KR" sz="1300" dirty="0" err="1">
+                <a:highlight>
+                  <a:srgbClr val="FFFF00"/>
+                </a:highlight>
                 <a:latin typeface="Courier New" panose="02070309020205020404" pitchFamily="49" charset="0"/>
                 <a:cs typeface="Courier New" panose="02070309020205020404" pitchFamily="49" charset="0"/>
               </a:rPr>
               <a:t>Counter_lock.lock</a:t>
             </a:r>
             <a:r>
-              <a:rPr lang="en-US" altLang="ko-KR" sz="1200" dirty="0" smtClean="0">
+              <a:rPr lang="en-US" altLang="ko-KR" sz="1300" dirty="0">
+                <a:highlight>
+                  <a:srgbClr val="FFFF00"/>
+                </a:highlight>
                 <a:latin typeface="Courier New" panose="02070309020205020404" pitchFamily="49" charset="0"/>
                 <a:cs typeface="Courier New" panose="02070309020205020404" pitchFamily="49" charset="0"/>
               </a:rPr>
               <a:t>();</a:t>
             </a:r>
-            <a:endParaRPr lang="en-US" altLang="ko-KR" sz="1200" dirty="0">
-              <a:latin typeface="Courier New" panose="02070309020205020404" pitchFamily="49" charset="0"/>
-              <a:cs typeface="Courier New" panose="02070309020205020404" pitchFamily="49" charset="0"/>
-            </a:endParaRPr>
-          </a:p>
-          <a:p>
-            <a:r>
-              <a:rPr lang="en-US" altLang="ko-KR" sz="1200" dirty="0" smtClean="0">
+          </a:p>
+          <a:p>
+            <a:r>
+              <a:rPr lang="en-US" altLang="ko-KR" sz="1300" dirty="0">
                 <a:latin typeface="Courier New" panose="02070309020205020404" pitchFamily="49" charset="0"/>
                 <a:cs typeface="Courier New" panose="02070309020205020404" pitchFamily="49" charset="0"/>
               </a:rPr>
-              <a:t>   Counter = </a:t>
-            </a:r>
-            <a:r>
-              <a:rPr lang="en-US" altLang="ko-KR" sz="1200" dirty="0" err="1" smtClean="0">
+              <a:t>  Counter = </a:t>
+            </a:r>
+            <a:r>
+              <a:rPr lang="en-US" altLang="ko-KR" sz="1300" dirty="0" err="1">
                 <a:latin typeface="Courier New" panose="02070309020205020404" pitchFamily="49" charset="0"/>
                 <a:cs typeface="Courier New" panose="02070309020205020404" pitchFamily="49" charset="0"/>
               </a:rPr>
               <a:t>make_shared</a:t>
             </a:r>
             <a:r>
-              <a:rPr lang="en-US" altLang="ko-KR" sz="1200" dirty="0" smtClean="0">
+              <a:rPr lang="en-US" altLang="ko-KR" sz="1300" dirty="0">
                 <a:latin typeface="Courier New" panose="02070309020205020404" pitchFamily="49" charset="0"/>
                 <a:cs typeface="Courier New" panose="02070309020205020404" pitchFamily="49" charset="0"/>
               </a:rPr>
               <a:t>&lt;</a:t>
             </a:r>
             <a:r>
-              <a:rPr lang="en-US" altLang="ko-KR" sz="1200" dirty="0" err="1" smtClean="0">
+              <a:rPr lang="en-US" altLang="ko-KR" sz="1300" dirty="0" err="1">
                 <a:latin typeface="Courier New" panose="02070309020205020404" pitchFamily="49" charset="0"/>
                 <a:cs typeface="Courier New" panose="02070309020205020404" pitchFamily="49" charset="0"/>
               </a:rPr>
               <a:t>int</a:t>
             </a:r>
             <a:r>
-              <a:rPr lang="en-US" altLang="ko-KR" sz="1200" dirty="0" smtClean="0">
+              <a:rPr lang="en-US" altLang="ko-KR" sz="1300" dirty="0">
                 <a:latin typeface="Courier New" panose="02070309020205020404" pitchFamily="49" charset="0"/>
                 <a:cs typeface="Courier New" panose="02070309020205020404" pitchFamily="49" charset="0"/>
               </a:rPr>
-              <a:t>&gt;(1);</a:t>
-            </a:r>
-          </a:p>
-          <a:p>
-            <a:r>
-              <a:rPr lang="en-US" altLang="ko-KR" sz="1200" dirty="0">
-                <a:latin typeface="Courier New" panose="02070309020205020404" pitchFamily="49" charset="0"/>
-                <a:cs typeface="Courier New" panose="02070309020205020404" pitchFamily="49" charset="0"/>
-              </a:rPr>
-              <a:t> </a:t>
-            </a:r>
-            <a:r>
-              <a:rPr lang="en-US" altLang="ko-KR" sz="1200" dirty="0" smtClean="0">
+              <a:t>&gt;(2);</a:t>
+            </a:r>
+          </a:p>
+          <a:p>
+            <a:r>
+              <a:rPr lang="en-US" altLang="ko-KR" sz="1300" dirty="0">
                 <a:latin typeface="Courier New" panose="02070309020205020404" pitchFamily="49" charset="0"/>
                 <a:cs typeface="Courier New" panose="02070309020205020404" pitchFamily="49" charset="0"/>
               </a:rPr>
               <a:t>  </a:t>
             </a:r>
             <a:r>
-              <a:rPr lang="en-US" altLang="ko-KR" sz="1200" dirty="0" err="1" smtClean="0">
+              <a:rPr lang="en-US" altLang="ko-KR" sz="1300" dirty="0" err="1">
+                <a:highlight>
+                  <a:srgbClr val="FFFF00"/>
+                </a:highlight>
                 <a:latin typeface="Courier New" panose="02070309020205020404" pitchFamily="49" charset="0"/>
                 <a:cs typeface="Courier New" panose="02070309020205020404" pitchFamily="49" charset="0"/>
               </a:rPr>
               <a:t>Counter_lock.unlock</a:t>
             </a:r>
             <a:r>
-              <a:rPr lang="en-US" altLang="ko-KR" sz="1200" dirty="0" smtClean="0">
+              <a:rPr lang="en-US" altLang="ko-KR" sz="1300" dirty="0">
+                <a:highlight>
+                  <a:srgbClr val="FFFF00"/>
+                </a:highlight>
                 <a:latin typeface="Courier New" panose="02070309020205020404" pitchFamily="49" charset="0"/>
                 <a:cs typeface="Courier New" panose="02070309020205020404" pitchFamily="49" charset="0"/>
               </a:rPr>
@@ -16022,230 +16034,171 @@
             </a:r>
           </a:p>
           <a:p>
-            <a:r>
-              <a:rPr lang="en-US" altLang="ko-KR" sz="1200" dirty="0" smtClean="0">
+            <a:endParaRPr lang="en-US" altLang="ko-KR" sz="1300" dirty="0">
+              <a:latin typeface="Courier New" panose="02070309020205020404" pitchFamily="49" charset="0"/>
+              <a:cs typeface="Courier New" panose="02070309020205020404" pitchFamily="49" charset="0"/>
+            </a:endParaRPr>
+          </a:p>
+          <a:p>
+            <a:r>
+              <a:rPr lang="en-US" altLang="ko-KR" sz="1300" dirty="0">
+                <a:latin typeface="Courier New" panose="02070309020205020404" pitchFamily="49" charset="0"/>
+                <a:cs typeface="Courier New" panose="02070309020205020404" pitchFamily="49" charset="0"/>
+              </a:rPr>
+              <a:t>  </a:t>
+            </a:r>
+            <a:r>
+              <a:rPr lang="en-US" altLang="ko-KR" sz="1300" dirty="0" err="1">
+                <a:highlight>
+                  <a:srgbClr val="FFFF00"/>
+                </a:highlight>
+                <a:latin typeface="Courier New" panose="02070309020205020404" pitchFamily="49" charset="0"/>
+                <a:cs typeface="Courier New" panose="02070309020205020404" pitchFamily="49" charset="0"/>
+              </a:rPr>
+              <a:t>Counter_lock.lock</a:t>
+            </a:r>
+            <a:r>
+              <a:rPr lang="en-US" altLang="ko-KR" sz="1300" dirty="0">
+                <a:highlight>
+                  <a:srgbClr val="FFFF00"/>
+                </a:highlight>
+                <a:latin typeface="Courier New" panose="02070309020205020404" pitchFamily="49" charset="0"/>
+                <a:cs typeface="Courier New" panose="02070309020205020404" pitchFamily="49" charset="0"/>
+              </a:rPr>
+              <a:t>();</a:t>
+            </a:r>
+          </a:p>
+          <a:p>
+            <a:r>
+              <a:rPr lang="en-US" altLang="ko-KR" sz="1300" dirty="0">
+                <a:latin typeface="Courier New" panose="02070309020205020404" pitchFamily="49" charset="0"/>
+                <a:cs typeface="Courier New" panose="02070309020205020404" pitchFamily="49" charset="0"/>
+              </a:rPr>
+              <a:t>  </a:t>
+            </a:r>
+            <a:r>
+              <a:rPr lang="en-US" altLang="ko-KR" sz="1300" dirty="0" err="1">
+                <a:latin typeface="Courier New" panose="02070309020205020404" pitchFamily="49" charset="0"/>
+                <a:cs typeface="Courier New" panose="02070309020205020404" pitchFamily="49" charset="0"/>
+              </a:rPr>
+              <a:t>cout</a:t>
+            </a:r>
+            <a:r>
+              <a:rPr lang="en-US" altLang="ko-KR" sz="1300" dirty="0">
+                <a:latin typeface="Courier New" panose="02070309020205020404" pitchFamily="49" charset="0"/>
+                <a:cs typeface="Courier New" panose="02070309020205020404" pitchFamily="49" charset="0"/>
+              </a:rPr>
+              <a:t> &lt;&lt; *Counter;</a:t>
+            </a:r>
+          </a:p>
+          <a:p>
+            <a:r>
+              <a:rPr lang="en-US" altLang="ko-KR" sz="1300" dirty="0">
+                <a:latin typeface="Courier New" panose="02070309020205020404" pitchFamily="49" charset="0"/>
+                <a:cs typeface="Courier New" panose="02070309020205020404" pitchFamily="49" charset="0"/>
+              </a:rPr>
+              <a:t>  </a:t>
+            </a:r>
+            <a:r>
+              <a:rPr lang="en-US" altLang="ko-KR" sz="1300" dirty="0" err="1">
+                <a:highlight>
+                  <a:srgbClr val="FFFF00"/>
+                </a:highlight>
+                <a:latin typeface="Courier New" panose="02070309020205020404" pitchFamily="49" charset="0"/>
+                <a:cs typeface="Courier New" panose="02070309020205020404" pitchFamily="49" charset="0"/>
+              </a:rPr>
+              <a:t>Counter_lock.unlock</a:t>
+            </a:r>
+            <a:r>
+              <a:rPr lang="en-US" altLang="ko-KR" sz="1300" dirty="0">
+                <a:highlight>
+                  <a:srgbClr val="FFFF00"/>
+                </a:highlight>
+                <a:latin typeface="Courier New" panose="02070309020205020404" pitchFamily="49" charset="0"/>
+                <a:cs typeface="Courier New" panose="02070309020205020404" pitchFamily="49" charset="0"/>
+              </a:rPr>
+              <a:t>();</a:t>
+            </a:r>
+          </a:p>
+          <a:p>
+            <a:r>
+              <a:rPr lang="en-US" altLang="ko-KR" sz="1300" dirty="0">
                 <a:latin typeface="Courier New" panose="02070309020205020404" pitchFamily="49" charset="0"/>
                 <a:cs typeface="Courier New" panose="02070309020205020404" pitchFamily="49" charset="0"/>
               </a:rPr>
               <a:t>}</a:t>
             </a:r>
           </a:p>
-          <a:p>
-            <a:endParaRPr lang="en-US" altLang="ko-KR" sz="1200" dirty="0">
-              <a:latin typeface="Courier New" panose="02070309020205020404" pitchFamily="49" charset="0"/>
-              <a:cs typeface="Courier New" panose="02070309020205020404" pitchFamily="49" charset="0"/>
+        </p:txBody>
+      </p:sp>
+      <p:sp>
+        <p:nvSpPr>
+          <p:cNvPr id="55" name="직사각형 54">
+            <a:extLst>
+              <a:ext uri="{FF2B5EF4-FFF2-40B4-BE49-F238E27FC236}">
+                <a16:creationId xmlns:a16="http://schemas.microsoft.com/office/drawing/2014/main" id="{42195198-2A26-41CC-AA0D-9C9013995F54}"/>
+              </a:ext>
+            </a:extLst>
+          </p:cNvPr>
+          <p:cNvSpPr/>
+          <p:nvPr/>
+        </p:nvSpPr>
+        <p:spPr>
+          <a:xfrm>
+            <a:off x="5436844" y="5216078"/>
+            <a:ext cx="963157" cy="265269"/>
+          </a:xfrm>
+          <a:prstGeom prst="rect">
+            <a:avLst/>
+          </a:prstGeom>
+          <a:solidFill>
+            <a:schemeClr val="accent4">
+              <a:lumMod val="40000"/>
+              <a:lumOff val="60000"/>
+            </a:schemeClr>
+          </a:solidFill>
+          <a:ln>
+            <a:solidFill>
+              <a:schemeClr val="tx1"/>
+            </a:solidFill>
+          </a:ln>
+        </p:spPr>
+        <p:style>
+          <a:lnRef idx="2">
+            <a:schemeClr val="accent1">
+              <a:shade val="50000"/>
+            </a:schemeClr>
+          </a:lnRef>
+          <a:fillRef idx="1">
+            <a:schemeClr val="accent1"/>
+          </a:fillRef>
+          <a:effectRef idx="0">
+            <a:schemeClr val="accent1"/>
+          </a:effectRef>
+          <a:fontRef idx="minor">
+            <a:schemeClr val="lt1"/>
+          </a:fontRef>
+        </p:style>
+        <p:txBody>
+          <a:bodyPr rtlCol="0" anchor="ctr"/>
+          <a:lstStyle/>
+          <a:p>
+            <a:pPr algn="ctr"/>
+            <a:r>
+              <a:rPr lang="en-US" altLang="ko-KR" sz="1200" dirty="0">
+                <a:solidFill>
+                  <a:schemeClr val="tx1"/>
+                </a:solidFill>
+                <a:latin typeface="+mj-lt"/>
+              </a:rPr>
+              <a:t>Update</a:t>
+            </a:r>
+            <a:endParaRPr lang="ko-KR" altLang="en-US" sz="1200" dirty="0">
+              <a:solidFill>
+                <a:schemeClr val="tx1"/>
+              </a:solidFill>
+              <a:latin typeface="+mj-lt"/>
             </a:endParaRPr>
-          </a:p>
-          <a:p>
-            <a:r>
-              <a:rPr lang="en-US" altLang="ko-KR" sz="1200" dirty="0" smtClean="0">
-                <a:latin typeface="Courier New" panose="02070309020205020404" pitchFamily="49" charset="0"/>
-                <a:cs typeface="Courier New" panose="02070309020205020404" pitchFamily="49" charset="0"/>
-              </a:rPr>
-              <a:t>thread2() {</a:t>
-            </a:r>
-          </a:p>
-          <a:p>
-            <a:r>
-              <a:rPr lang="en-US" altLang="ko-KR" sz="1200" dirty="0">
-                <a:latin typeface="Courier New" panose="02070309020205020404" pitchFamily="49" charset="0"/>
-                <a:cs typeface="Courier New" panose="02070309020205020404" pitchFamily="49" charset="0"/>
-              </a:rPr>
-              <a:t> </a:t>
-            </a:r>
-            <a:r>
-              <a:rPr lang="en-US" altLang="ko-KR" sz="1200" dirty="0" smtClean="0">
-                <a:latin typeface="Courier New" panose="02070309020205020404" pitchFamily="49" charset="0"/>
-                <a:cs typeface="Courier New" panose="02070309020205020404" pitchFamily="49" charset="0"/>
-              </a:rPr>
-              <a:t> </a:t>
-            </a:r>
-            <a:r>
-              <a:rPr lang="en-US" altLang="ko-KR" sz="1200" dirty="0" err="1" smtClean="0">
-                <a:latin typeface="Courier New" panose="02070309020205020404" pitchFamily="49" charset="0"/>
-                <a:cs typeface="Courier New" panose="02070309020205020404" pitchFamily="49" charset="0"/>
-              </a:rPr>
-              <a:t>Counter_lock.lock</a:t>
-            </a:r>
-            <a:r>
-              <a:rPr lang="en-US" altLang="ko-KR" sz="1200" dirty="0" smtClean="0">
-                <a:latin typeface="Courier New" panose="02070309020205020404" pitchFamily="49" charset="0"/>
-                <a:cs typeface="Courier New" panose="02070309020205020404" pitchFamily="49" charset="0"/>
-              </a:rPr>
-              <a:t>();</a:t>
-            </a:r>
-          </a:p>
-          <a:p>
-            <a:r>
-              <a:rPr lang="en-US" altLang="ko-KR" sz="1200" dirty="0">
-                <a:latin typeface="Courier New" panose="02070309020205020404" pitchFamily="49" charset="0"/>
-                <a:cs typeface="Courier New" panose="02070309020205020404" pitchFamily="49" charset="0"/>
-              </a:rPr>
-              <a:t> </a:t>
-            </a:r>
-            <a:r>
-              <a:rPr lang="en-US" altLang="ko-KR" sz="1200" dirty="0" smtClean="0">
-                <a:latin typeface="Courier New" panose="02070309020205020404" pitchFamily="49" charset="0"/>
-                <a:cs typeface="Courier New" panose="02070309020205020404" pitchFamily="49" charset="0"/>
-              </a:rPr>
-              <a:t> Counter = </a:t>
-            </a:r>
-            <a:r>
-              <a:rPr lang="en-US" altLang="ko-KR" sz="1200" dirty="0" err="1" smtClean="0">
-                <a:latin typeface="Courier New" panose="02070309020205020404" pitchFamily="49" charset="0"/>
-                <a:cs typeface="Courier New" panose="02070309020205020404" pitchFamily="49" charset="0"/>
-              </a:rPr>
-              <a:t>make_shared</a:t>
-            </a:r>
-            <a:r>
-              <a:rPr lang="en-US" altLang="ko-KR" sz="1200" dirty="0" smtClean="0">
-                <a:latin typeface="Courier New" panose="02070309020205020404" pitchFamily="49" charset="0"/>
-                <a:cs typeface="Courier New" panose="02070309020205020404" pitchFamily="49" charset="0"/>
-              </a:rPr>
-              <a:t>&lt;</a:t>
-            </a:r>
-            <a:r>
-              <a:rPr lang="en-US" altLang="ko-KR" sz="1200" dirty="0" err="1" smtClean="0">
-                <a:latin typeface="Courier New" panose="02070309020205020404" pitchFamily="49" charset="0"/>
-                <a:cs typeface="Courier New" panose="02070309020205020404" pitchFamily="49" charset="0"/>
-              </a:rPr>
-              <a:t>int</a:t>
-            </a:r>
-            <a:r>
-              <a:rPr lang="en-US" altLang="ko-KR" sz="1200" dirty="0" smtClean="0">
-                <a:latin typeface="Courier New" panose="02070309020205020404" pitchFamily="49" charset="0"/>
-                <a:cs typeface="Courier New" panose="02070309020205020404" pitchFamily="49" charset="0"/>
-              </a:rPr>
-              <a:t>&gt;(2);</a:t>
-            </a:r>
-          </a:p>
-          <a:p>
-            <a:r>
-              <a:rPr lang="en-US" altLang="ko-KR" sz="1200" dirty="0">
-                <a:latin typeface="Courier New" panose="02070309020205020404" pitchFamily="49" charset="0"/>
-                <a:cs typeface="Courier New" panose="02070309020205020404" pitchFamily="49" charset="0"/>
-              </a:rPr>
-              <a:t> </a:t>
-            </a:r>
-            <a:r>
-              <a:rPr lang="en-US" altLang="ko-KR" sz="1200" dirty="0" smtClean="0">
-                <a:latin typeface="Courier New" panose="02070309020205020404" pitchFamily="49" charset="0"/>
-                <a:cs typeface="Courier New" panose="02070309020205020404" pitchFamily="49" charset="0"/>
-              </a:rPr>
-              <a:t> </a:t>
-            </a:r>
-            <a:r>
-              <a:rPr lang="en-US" altLang="ko-KR" sz="1200" dirty="0" err="1" smtClean="0">
-                <a:latin typeface="Courier New" panose="02070309020205020404" pitchFamily="49" charset="0"/>
-                <a:cs typeface="Courier New" panose="02070309020205020404" pitchFamily="49" charset="0"/>
-              </a:rPr>
-              <a:t>Counter_lock.unlock</a:t>
-            </a:r>
-            <a:r>
-              <a:rPr lang="en-US" altLang="ko-KR" sz="1200" dirty="0" smtClean="0">
-                <a:latin typeface="Courier New" panose="02070309020205020404" pitchFamily="49" charset="0"/>
-                <a:cs typeface="Courier New" panose="02070309020205020404" pitchFamily="49" charset="0"/>
-              </a:rPr>
-              <a:t>();</a:t>
-            </a:r>
-          </a:p>
-          <a:p>
-            <a:endParaRPr lang="en-US" altLang="ko-KR" sz="1200" dirty="0">
-              <a:latin typeface="Courier New" panose="02070309020205020404" pitchFamily="49" charset="0"/>
-              <a:cs typeface="Courier New" panose="02070309020205020404" pitchFamily="49" charset="0"/>
-            </a:endParaRPr>
-          </a:p>
-          <a:p>
-            <a:r>
-              <a:rPr lang="en-US" altLang="ko-KR" sz="1200" dirty="0" smtClean="0">
-                <a:latin typeface="Courier New" panose="02070309020205020404" pitchFamily="49" charset="0"/>
-                <a:cs typeface="Courier New" panose="02070309020205020404" pitchFamily="49" charset="0"/>
-              </a:rPr>
-              <a:t>  </a:t>
-            </a:r>
-            <a:r>
-              <a:rPr lang="en-US" altLang="ko-KR" sz="1200" dirty="0" err="1" smtClean="0">
-                <a:latin typeface="Courier New" panose="02070309020205020404" pitchFamily="49" charset="0"/>
-                <a:cs typeface="Courier New" panose="02070309020205020404" pitchFamily="49" charset="0"/>
-              </a:rPr>
-              <a:t>Counter_lock.lock</a:t>
-            </a:r>
-            <a:r>
-              <a:rPr lang="en-US" altLang="ko-KR" sz="1200" dirty="0" smtClean="0">
-                <a:latin typeface="Courier New" panose="02070309020205020404" pitchFamily="49" charset="0"/>
-                <a:cs typeface="Courier New" panose="02070309020205020404" pitchFamily="49" charset="0"/>
-              </a:rPr>
-              <a:t>();</a:t>
-            </a:r>
-          </a:p>
-          <a:p>
-            <a:r>
-              <a:rPr lang="en-US" altLang="ko-KR" sz="1200" dirty="0">
-                <a:latin typeface="Courier New" panose="02070309020205020404" pitchFamily="49" charset="0"/>
-                <a:cs typeface="Courier New" panose="02070309020205020404" pitchFamily="49" charset="0"/>
-              </a:rPr>
-              <a:t> </a:t>
-            </a:r>
-            <a:r>
-              <a:rPr lang="en-US" altLang="ko-KR" sz="1200" dirty="0" smtClean="0">
-                <a:latin typeface="Courier New" panose="02070309020205020404" pitchFamily="49" charset="0"/>
-                <a:cs typeface="Courier New" panose="02070309020205020404" pitchFamily="49" charset="0"/>
-              </a:rPr>
-              <a:t> </a:t>
-            </a:r>
-            <a:r>
-              <a:rPr lang="en-US" altLang="ko-KR" sz="1200" dirty="0" err="1" smtClean="0">
-                <a:latin typeface="Courier New" panose="02070309020205020404" pitchFamily="49" charset="0"/>
-                <a:cs typeface="Courier New" panose="02070309020205020404" pitchFamily="49" charset="0"/>
-              </a:rPr>
-              <a:t>cout</a:t>
-            </a:r>
-            <a:r>
-              <a:rPr lang="en-US" altLang="ko-KR" sz="1200" dirty="0" smtClean="0">
-                <a:latin typeface="Courier New" panose="02070309020205020404" pitchFamily="49" charset="0"/>
-                <a:cs typeface="Courier New" panose="02070309020205020404" pitchFamily="49" charset="0"/>
-              </a:rPr>
-              <a:t> &lt;&lt; *Counter;</a:t>
-            </a:r>
-          </a:p>
-          <a:p>
-            <a:r>
-              <a:rPr lang="en-US" altLang="ko-KR" sz="1200" dirty="0">
-                <a:latin typeface="Courier New" panose="02070309020205020404" pitchFamily="49" charset="0"/>
-                <a:cs typeface="Courier New" panose="02070309020205020404" pitchFamily="49" charset="0"/>
-              </a:rPr>
-              <a:t> </a:t>
-            </a:r>
-            <a:r>
-              <a:rPr lang="en-US" altLang="ko-KR" sz="1200" dirty="0" smtClean="0">
-                <a:latin typeface="Courier New" panose="02070309020205020404" pitchFamily="49" charset="0"/>
-                <a:cs typeface="Courier New" panose="02070309020205020404" pitchFamily="49" charset="0"/>
-              </a:rPr>
-              <a:t> </a:t>
-            </a:r>
-            <a:r>
-              <a:rPr lang="en-US" altLang="ko-KR" sz="1200" dirty="0" err="1" smtClean="0">
-                <a:latin typeface="Courier New" panose="02070309020205020404" pitchFamily="49" charset="0"/>
-                <a:cs typeface="Courier New" panose="02070309020205020404" pitchFamily="49" charset="0"/>
-              </a:rPr>
-              <a:t>Counter_lock.unlock</a:t>
-            </a:r>
-            <a:r>
-              <a:rPr lang="en-US" altLang="ko-KR" sz="1200" dirty="0" smtClean="0">
-                <a:latin typeface="Courier New" panose="02070309020205020404" pitchFamily="49" charset="0"/>
-                <a:cs typeface="Courier New" panose="02070309020205020404" pitchFamily="49" charset="0"/>
-              </a:rPr>
-              <a:t>();</a:t>
-            </a:r>
-          </a:p>
-          <a:p>
-            <a:r>
-              <a:rPr lang="en-US" altLang="ko-KR" sz="1200" dirty="0" smtClean="0">
-                <a:latin typeface="Courier New" panose="02070309020205020404" pitchFamily="49" charset="0"/>
-                <a:cs typeface="Courier New" panose="02070309020205020404" pitchFamily="49" charset="0"/>
-              </a:rPr>
-              <a:t>}</a:t>
-            </a:r>
           </a:p>
         </p:txBody>
       </p:sp>
@@ -16366,20 +16319,20 @@
           </a:p>
           <a:p>
             <a:r>
-              <a:rPr lang="en-US" altLang="ko-KR" dirty="0" smtClean="0">
+              <a:rPr lang="en-US" altLang="ko-KR" dirty="0">
                 <a:latin typeface="Arial" panose="020B0604020202020204" pitchFamily="34" charset="0"/>
                 <a:cs typeface="Arial" panose="020B0604020202020204" pitchFamily="34" charset="0"/>
               </a:rPr>
               <a:t>Non Blocking Algorithm</a:t>
             </a:r>
             <a:r>
-              <a:rPr lang="ko-KR" altLang="en-US" dirty="0" smtClean="0">
+              <a:rPr lang="ko-KR" altLang="en-US" dirty="0">
                 <a:latin typeface="Arial" panose="020B0604020202020204" pitchFamily="34" charset="0"/>
                 <a:cs typeface="Arial" panose="020B0604020202020204" pitchFamily="34" charset="0"/>
               </a:rPr>
               <a:t>의 필요성</a:t>
             </a:r>
-            <a:endParaRPr lang="en-US" altLang="ko-KR" dirty="0" smtClean="0">
+            <a:endParaRPr lang="en-US" altLang="ko-KR" dirty="0">
               <a:latin typeface="Arial" panose="020B0604020202020204" pitchFamily="34" charset="0"/>
               <a:cs typeface="Arial" panose="020B0604020202020204" pitchFamily="34" charset="0"/>
             </a:endParaRPr>
@@ -16387,13 +16340,13 @@
           <a:p>
             <a:pPr lvl="1"/>
             <a:r>
-              <a:rPr lang="ko-KR" altLang="en-US" dirty="0" smtClean="0">
+              <a:rPr lang="ko-KR" altLang="en-US" dirty="0">
                 <a:latin typeface="Arial" panose="020B0604020202020204" pitchFamily="34" charset="0"/>
                 <a:cs typeface="Arial" panose="020B0604020202020204" pitchFamily="34" charset="0"/>
               </a:rPr>
               <a:t>성능</a:t>
             </a:r>
-            <a:endParaRPr lang="en-US" altLang="ko-KR" dirty="0" smtClean="0">
+            <a:endParaRPr lang="en-US" altLang="ko-KR" dirty="0">
               <a:latin typeface="Arial" panose="020B0604020202020204" pitchFamily="34" charset="0"/>
               <a:cs typeface="Arial" panose="020B0604020202020204" pitchFamily="34" charset="0"/>
             </a:endParaRPr>
@@ -16401,61 +16354,54 @@
           <a:p>
             <a:pPr lvl="1"/>
             <a:r>
-              <a:rPr lang="en-US" altLang="ko-KR" dirty="0" smtClean="0">
+              <a:rPr lang="en-US" altLang="ko-KR" dirty="0">
                 <a:latin typeface="Arial" panose="020B0604020202020204" pitchFamily="34" charset="0"/>
                 <a:cs typeface="Arial" panose="020B0604020202020204" pitchFamily="34" charset="0"/>
               </a:rPr>
               <a:t>Boost, Visual Studio</a:t>
             </a:r>
             <a:r>
-              <a:rPr lang="ko-KR" altLang="en-US" dirty="0" smtClean="0">
+              <a:rPr lang="ko-KR" altLang="en-US" dirty="0">
                 <a:latin typeface="Arial" panose="020B0604020202020204" pitchFamily="34" charset="0"/>
                 <a:cs typeface="Arial" panose="020B0604020202020204" pitchFamily="34" charset="0"/>
               </a:rPr>
               <a:t>의 </a:t>
             </a:r>
             <a:r>
-              <a:rPr lang="en-US" altLang="ko-KR" dirty="0" smtClean="0">
+              <a:rPr lang="en-US" altLang="ko-KR" dirty="0">
                 <a:latin typeface="Arial" panose="020B0604020202020204" pitchFamily="34" charset="0"/>
                 <a:cs typeface="Arial" panose="020B0604020202020204" pitchFamily="34" charset="0"/>
               </a:rPr>
               <a:t>PPL, Intel TBB</a:t>
             </a:r>
             <a:r>
-              <a:rPr lang="ko-KR" altLang="en-US" dirty="0" smtClean="0">
+              <a:rPr lang="ko-KR" altLang="en-US" dirty="0">
                 <a:latin typeface="Arial" panose="020B0604020202020204" pitchFamily="34" charset="0"/>
                 <a:cs typeface="Arial" panose="020B0604020202020204" pitchFamily="34" charset="0"/>
               </a:rPr>
               <a:t>등에서 제공</a:t>
             </a:r>
-            <a:endParaRPr lang="en-US" altLang="ko-KR" dirty="0" smtClean="0">
+            <a:endParaRPr lang="en-US" altLang="ko-KR" dirty="0">
               <a:latin typeface="Arial" panose="020B0604020202020204" pitchFamily="34" charset="0"/>
               <a:cs typeface="Arial" panose="020B0604020202020204" pitchFamily="34" charset="0"/>
             </a:endParaRPr>
           </a:p>
           <a:p>
             <a:r>
-              <a:rPr lang="en-US" altLang="ko-KR" dirty="0" smtClean="0">
+              <a:rPr lang="en-US" altLang="ko-KR" dirty="0">
                 <a:latin typeface="Arial" panose="020B0604020202020204" pitchFamily="34" charset="0"/>
                 <a:cs typeface="Arial" panose="020B0604020202020204" pitchFamily="34" charset="0"/>
               </a:rPr>
-              <a:t>Non Blocking Algorit</a:t>
-            </a:r>
-            <a:r>
-              <a:rPr lang="en-US" altLang="ko-KR" dirty="0" smtClean="0">
-                <a:latin typeface="Arial" panose="020B0604020202020204" pitchFamily="34" charset="0"/>
-                <a:cs typeface="Arial" panose="020B0604020202020204" pitchFamily="34" charset="0"/>
-              </a:rPr>
-              <a:t>hm</a:t>
-            </a:r>
-            <a:r>
-              <a:rPr lang="ko-KR" altLang="en-US" dirty="0" smtClean="0">
+              <a:t>Non Blocking Algorithm</a:t>
+            </a:r>
+            <a:r>
+              <a:rPr lang="ko-KR" altLang="en-US" dirty="0">
                 <a:latin typeface="Arial" panose="020B0604020202020204" pitchFamily="34" charset="0"/>
                 <a:cs typeface="Arial" panose="020B0604020202020204" pitchFamily="34" charset="0"/>
               </a:rPr>
               <a:t>구현의 문제</a:t>
             </a:r>
-            <a:endParaRPr lang="en-US" altLang="ko-KR" dirty="0" smtClean="0">
+            <a:endParaRPr lang="en-US" altLang="ko-KR" dirty="0">
               <a:latin typeface="Arial" panose="020B0604020202020204" pitchFamily="34" charset="0"/>
               <a:cs typeface="Arial" panose="020B0604020202020204" pitchFamily="34" charset="0"/>
             </a:endParaRPr>
@@ -16463,13 +16409,13 @@
           <a:p>
             <a:pPr lvl="1"/>
             <a:r>
-              <a:rPr lang="ko-KR" altLang="en-US" dirty="0" smtClean="0">
+              <a:rPr lang="ko-KR" altLang="en-US" dirty="0">
                 <a:latin typeface="Arial" panose="020B0604020202020204" pitchFamily="34" charset="0"/>
                 <a:cs typeface="Arial" panose="020B0604020202020204" pitchFamily="34" charset="0"/>
               </a:rPr>
               <a:t>메모리 재사용 문제</a:t>
             </a:r>
-            <a:endParaRPr lang="en-US" altLang="ko-KR" dirty="0" smtClean="0">
+            <a:endParaRPr lang="en-US" altLang="ko-KR" dirty="0">
               <a:latin typeface="Arial" panose="020B0604020202020204" pitchFamily="34" charset="0"/>
               <a:cs typeface="Arial" panose="020B0604020202020204" pitchFamily="34" charset="0"/>
             </a:endParaRPr>
@@ -16477,69 +16423,68 @@
           <a:p>
             <a:pPr lvl="1"/>
             <a:r>
-              <a:rPr lang="ko-KR" altLang="en-US" dirty="0" smtClean="0"/>
+              <a:rPr lang="ko-KR" altLang="en-US" dirty="0"/>
               <a:t>메모리의 재사용 </a:t>
             </a:r>
             <a:r>
-              <a:rPr lang="en-US" altLang="ko-KR" dirty="0" smtClean="0"/>
+              <a:rPr lang="en-US" altLang="ko-KR" dirty="0"/>
               <a:t>Timing</a:t>
             </a:r>
             <a:r>
-              <a:rPr lang="ko-KR" altLang="en-US" dirty="0" smtClean="0"/>
+              <a:rPr lang="ko-KR" altLang="en-US" dirty="0"/>
               <a:t>을 정하기가 어려움</a:t>
             </a:r>
-            <a:endParaRPr lang="en-US" altLang="ko-KR" dirty="0" smtClean="0"/>
+            <a:endParaRPr lang="en-US" altLang="ko-KR" dirty="0"/>
           </a:p>
           <a:p>
             <a:pPr lvl="2"/>
             <a:r>
-              <a:rPr lang="ko-KR" altLang="en-US" dirty="0" smtClean="0"/>
+              <a:rPr lang="ko-KR" altLang="en-US" dirty="0"/>
               <a:t>더 이상 사용하지 않은 메모리가 있을 때</a:t>
             </a:r>
             <a:r>
-              <a:rPr lang="en-US" altLang="ko-KR" dirty="0" smtClean="0"/>
+              <a:rPr lang="en-US" altLang="ko-KR" dirty="0"/>
               <a:t>, </a:t>
             </a:r>
             <a:r>
-              <a:rPr lang="ko-KR" altLang="en-US" dirty="0" smtClean="0"/>
+              <a:rPr lang="ko-KR" altLang="en-US" dirty="0"/>
               <a:t>다른 모든 </a:t>
             </a:r>
             <a:r>
-              <a:rPr lang="ko-KR" altLang="en-US" dirty="0" err="1" smtClean="0"/>
+              <a:rPr lang="ko-KR" altLang="en-US" dirty="0" err="1"/>
               <a:t>쓰레드에서</a:t>
             </a:r>
             <a:r>
-              <a:rPr lang="ko-KR" altLang="en-US" dirty="0" smtClean="0"/>
+              <a:rPr lang="ko-KR" altLang="en-US" dirty="0"/>
               <a:t> 사용하지 않는다는 것을 보장할 수 없다</a:t>
             </a:r>
             <a:r>
-              <a:rPr lang="en-US" altLang="ko-KR" dirty="0" smtClean="0"/>
+              <a:rPr lang="en-US" altLang="ko-KR" dirty="0"/>
               <a:t>.</a:t>
             </a:r>
           </a:p>
           <a:p>
             <a:pPr lvl="2"/>
             <a:r>
-              <a:rPr lang="ko-KR" altLang="en-US" dirty="0" smtClean="0"/>
+              <a:rPr lang="ko-KR" altLang="en-US" dirty="0"/>
               <a:t>재사용 하지 않을 시 메모리 릭</a:t>
             </a:r>
             <a:r>
-              <a:rPr lang="en-US" altLang="ko-KR" dirty="0" smtClean="0"/>
+              <a:rPr lang="en-US" altLang="ko-KR" dirty="0"/>
               <a:t>(</a:t>
             </a:r>
             <a:r>
-              <a:rPr lang="ko-KR" altLang="en-US" dirty="0" smtClean="0"/>
+              <a:rPr lang="ko-KR" altLang="en-US" dirty="0"/>
               <a:t>메모리 누수</a:t>
             </a:r>
             <a:r>
-              <a:rPr lang="en-US" altLang="ko-KR" dirty="0" smtClean="0"/>
+              <a:rPr lang="en-US" altLang="ko-KR" dirty="0"/>
               <a:t>)</a:t>
             </a:r>
             <a:r>
-              <a:rPr lang="ko-KR" altLang="en-US" dirty="0" smtClean="0"/>
+              <a:rPr lang="ko-KR" altLang="en-US" dirty="0"/>
               <a:t>발생</a:t>
             </a:r>
-            <a:endParaRPr lang="ko-KR" altLang="en-US" dirty="0"/>
           </a:p>
         </p:txBody>
       </p:sp>
@@ -16910,21 +16855,7 @@
                 <a:latin typeface="Arial" panose="020B0604020202020204" pitchFamily="34" charset="0"/>
                 <a:cs typeface="Arial" panose="020B0604020202020204" pitchFamily="34" charset="0"/>
               </a:rPr>
-              <a:t>메모리 </a:t>
-            </a:r>
-            <a:r>
-              <a:rPr lang="ko-KR" altLang="en-US" dirty="0" smtClean="0">
-                <a:latin typeface="Arial" panose="020B0604020202020204" pitchFamily="34" charset="0"/>
-                <a:cs typeface="Arial" panose="020B0604020202020204" pitchFamily="34" charset="0"/>
-              </a:rPr>
-              <a:t>릭 제거 </a:t>
-            </a:r>
-            <a:r>
-              <a:rPr lang="ko-KR" altLang="en-US" dirty="0">
-                <a:latin typeface="Arial" panose="020B0604020202020204" pitchFamily="34" charset="0"/>
-                <a:cs typeface="Arial" panose="020B0604020202020204" pitchFamily="34" charset="0"/>
-              </a:rPr>
-              <a:t>기능을 </a:t>
+              <a:t>메모리 릭 제거 기능을 </a:t>
             </a:r>
             <a:r>
               <a:rPr lang="en-US" altLang="ko-KR" dirty="0" err="1">
@@ -16948,21 +16879,21 @@
           <a:p>
             <a:pPr lvl="1"/>
             <a:r>
-              <a:rPr lang="ko-KR" altLang="en-US" dirty="0" smtClean="0">
+              <a:rPr lang="ko-KR" altLang="en-US" dirty="0">
                 <a:latin typeface="Arial" panose="020B0604020202020204" pitchFamily="34" charset="0"/>
                 <a:cs typeface="Arial" panose="020B0604020202020204" pitchFamily="34" charset="0"/>
               </a:rPr>
               <a:t>하지만 </a:t>
             </a:r>
             <a:r>
-              <a:rPr lang="en-US" altLang="ko-KR" dirty="0" err="1" smtClean="0">
+              <a:rPr lang="en-US" altLang="ko-KR" dirty="0" err="1">
                 <a:latin typeface="Arial" panose="020B0604020202020204" pitchFamily="34" charset="0"/>
                 <a:cs typeface="Arial" panose="020B0604020202020204" pitchFamily="34" charset="0"/>
               </a:rPr>
               <a:t>thread_safe</a:t>
             </a:r>
             <a:r>
-              <a:rPr lang="ko-KR" altLang="en-US" dirty="0" smtClean="0">
+              <a:rPr lang="ko-KR" altLang="en-US" dirty="0">
                 <a:latin typeface="Arial" panose="020B0604020202020204" pitchFamily="34" charset="0"/>
                 <a:cs typeface="Arial" panose="020B0604020202020204" pitchFamily="34" charset="0"/>
               </a:rPr>
@@ -16978,14 +16909,14 @@
           </a:p>
           <a:p>
             <a:r>
-              <a:rPr lang="en-US" altLang="ko-KR" dirty="0" smtClean="0">
+              <a:rPr lang="en-US" altLang="ko-KR" dirty="0">
                 <a:latin typeface="Arial" panose="020B0604020202020204" pitchFamily="34" charset="0"/>
                 <a:cs typeface="Arial" panose="020B0604020202020204" pitchFamily="34" charset="0"/>
               </a:rPr>
               <a:t>Non Blocking </a:t>
             </a:r>
             <a:r>
-              <a:rPr lang="ko-KR" altLang="en-US" dirty="0" smtClean="0">
+              <a:rPr lang="ko-KR" altLang="en-US" dirty="0">
                 <a:latin typeface="Arial" panose="020B0604020202020204" pitchFamily="34" charset="0"/>
                 <a:cs typeface="Arial" panose="020B0604020202020204" pitchFamily="34" charset="0"/>
               </a:rPr>
@@ -17003,17 +16934,10 @@
                 <a:latin typeface="Arial" panose="020B0604020202020204" pitchFamily="34" charset="0"/>
                 <a:cs typeface="Arial" panose="020B0604020202020204" pitchFamily="34" charset="0"/>
               </a:rPr>
-              <a:t>을 사용하지 </a:t>
-            </a:r>
-            <a:r>
-              <a:rPr lang="ko-KR" altLang="en-US" dirty="0" smtClean="0">
-                <a:latin typeface="Arial" panose="020B0604020202020204" pitchFamily="34" charset="0"/>
-                <a:cs typeface="Arial" panose="020B0604020202020204" pitchFamily="34" charset="0"/>
-              </a:rPr>
-              <a:t>않는</a:t>
-            </a:r>
-            <a:r>
-              <a:rPr lang="en-US" altLang="ko-KR" dirty="0" smtClean="0">
+              <a:t>을 사용하지 않는</a:t>
+            </a:r>
+            <a:r>
+              <a:rPr lang="en-US" altLang="ko-KR" dirty="0">
                 <a:latin typeface="Arial" panose="020B0604020202020204" pitchFamily="34" charset="0"/>
                 <a:cs typeface="Arial" panose="020B0604020202020204" pitchFamily="34" charset="0"/>
               </a:rPr>
@@ -17342,7 +17266,7 @@
               <a:t>멀티 </a:t>
             </a:r>
             <a:r>
-              <a:rPr lang="ko-KR" altLang="en-US" dirty="0" err="1" smtClean="0">
+              <a:rPr lang="ko-KR" altLang="en-US" dirty="0" err="1">
                 <a:solidFill>
                   <a:schemeClr val="tx1"/>
                 </a:solidFill>
@@ -17351,29 +17275,14 @@
               <a:t>쓰레드</a:t>
             </a:r>
             <a:r>
-              <a:rPr lang="ko-KR" altLang="en-US" dirty="0" smtClean="0">
+              <a:rPr lang="ko-KR" altLang="en-US" dirty="0">
                 <a:solidFill>
                   <a:schemeClr val="tx1"/>
                 </a:solidFill>
                 <a:latin typeface="+mj-lt"/>
               </a:rPr>
-              <a:t> </a:t>
-            </a:r>
-            <a:r>
-              <a:rPr lang="ko-KR" altLang="en-US" dirty="0" smtClean="0">
-                <a:solidFill>
-                  <a:schemeClr val="tx1"/>
-                </a:solidFill>
-                <a:latin typeface="+mj-lt"/>
-              </a:rPr>
-              <a:t>알고리즘</a:t>
-            </a:r>
-            <a:endParaRPr lang="ko-KR" altLang="en-US" dirty="0">
-              <a:solidFill>
-                <a:schemeClr val="tx1"/>
-              </a:solidFill>
-              <a:latin typeface="+mj-lt"/>
-            </a:endParaRPr>
+              <a:t> 알고리즘</a:t>
+            </a:r>
           </a:p>
         </p:txBody>
       </p:sp>
@@ -17731,7 +17640,7 @@
           <a:p>
             <a:pPr algn="ctr"/>
             <a:r>
-              <a:rPr lang="en-US" altLang="ko-KR" dirty="0" err="1" smtClean="0">
+              <a:rPr lang="en-US" altLang="ko-KR" dirty="0" err="1">
                 <a:solidFill>
                   <a:schemeClr val="tx1"/>
                 </a:solidFill>
